--- a/Trilha da sorte.pptx
+++ b/Trilha da sorte.pptx
@@ -5,13 +5,16 @@
     <p:sldMasterId id="2147483678" r:id="rId1"/>
   </p:sldMasterIdLst>
   <p:sldIdLst>
-    <p:sldId id="256" r:id="rId2"/>
-    <p:sldId id="258" r:id="rId3"/>
-    <p:sldId id="257" r:id="rId4"/>
-    <p:sldId id="260" r:id="rId5"/>
-    <p:sldId id="261" r:id="rId6"/>
-    <p:sldId id="262" r:id="rId7"/>
-    <p:sldId id="263" r:id="rId8"/>
+    <p:sldId id="264" r:id="rId2"/>
+    <p:sldId id="256" r:id="rId3"/>
+    <p:sldId id="265" r:id="rId4"/>
+    <p:sldId id="258" r:id="rId5"/>
+    <p:sldId id="257" r:id="rId6"/>
+    <p:sldId id="260" r:id="rId7"/>
+    <p:sldId id="266" r:id="rId8"/>
+    <p:sldId id="267" r:id="rId9"/>
+    <p:sldId id="262" r:id="rId10"/>
+    <p:sldId id="263" r:id="rId11"/>
   </p:sldIdLst>
   <p:sldSz cx="12192000" cy="6858000"/>
   <p:notesSz cx="6858000" cy="9144000"/>
@@ -110,6 +113,11 @@
       </a:defRPr>
     </a:lvl9pPr>
   </p:defaultTextStyle>
+  <p:extLst>
+    <p:ext uri="{EFAFB233-063F-42B5-8137-9DF3F51BA10A}">
+      <p15:sldGuideLst xmlns:p15="http://schemas.microsoft.com/office/powerpoint/2012/main"/>
+    </p:ext>
+  </p:extLst>
 </p:presentation>
 </file>
 
@@ -260,7 +268,7 @@
           <a:p>
             <a:fld id="{CE42F7E8-5F0E-4474-A94F-99E312DC6870}" type="datetimeFigureOut">
               <a:rPr lang="pt-BR" smtClean="0"/>
-              <a:t>17/06/2021</a:t>
+              <a:t>21/07/2021</a:t>
             </a:fld>
             <a:endParaRPr lang="pt-BR"/>
           </a:p>
@@ -458,7 +466,7 @@
           <a:p>
             <a:fld id="{CE42F7E8-5F0E-4474-A94F-99E312DC6870}" type="datetimeFigureOut">
               <a:rPr lang="pt-BR" smtClean="0"/>
-              <a:t>17/06/2021</a:t>
+              <a:t>21/07/2021</a:t>
             </a:fld>
             <a:endParaRPr lang="pt-BR"/>
           </a:p>
@@ -666,7 +674,7 @@
           <a:p>
             <a:fld id="{CE42F7E8-5F0E-4474-A94F-99E312DC6870}" type="datetimeFigureOut">
               <a:rPr lang="pt-BR" smtClean="0"/>
-              <a:t>17/06/2021</a:t>
+              <a:t>21/07/2021</a:t>
             </a:fld>
             <a:endParaRPr lang="pt-BR"/>
           </a:p>
@@ -864,7 +872,7 @@
           <a:p>
             <a:fld id="{CE42F7E8-5F0E-4474-A94F-99E312DC6870}" type="datetimeFigureOut">
               <a:rPr lang="pt-BR" smtClean="0"/>
-              <a:t>17/06/2021</a:t>
+              <a:t>21/07/2021</a:t>
             </a:fld>
             <a:endParaRPr lang="pt-BR"/>
           </a:p>
@@ -1139,7 +1147,7 @@
           <a:p>
             <a:fld id="{CE42F7E8-5F0E-4474-A94F-99E312DC6870}" type="datetimeFigureOut">
               <a:rPr lang="pt-BR" smtClean="0"/>
-              <a:t>17/06/2021</a:t>
+              <a:t>21/07/2021</a:t>
             </a:fld>
             <a:endParaRPr lang="pt-BR"/>
           </a:p>
@@ -1404,7 +1412,7 @@
           <a:p>
             <a:fld id="{CE42F7E8-5F0E-4474-A94F-99E312DC6870}" type="datetimeFigureOut">
               <a:rPr lang="pt-BR" smtClean="0"/>
-              <a:t>17/06/2021</a:t>
+              <a:t>21/07/2021</a:t>
             </a:fld>
             <a:endParaRPr lang="pt-BR"/>
           </a:p>
@@ -1816,7 +1824,7 @@
           <a:p>
             <a:fld id="{CE42F7E8-5F0E-4474-A94F-99E312DC6870}" type="datetimeFigureOut">
               <a:rPr lang="pt-BR" smtClean="0"/>
-              <a:t>17/06/2021</a:t>
+              <a:t>21/07/2021</a:t>
             </a:fld>
             <a:endParaRPr lang="pt-BR"/>
           </a:p>
@@ -1957,7 +1965,7 @@
           <a:p>
             <a:fld id="{CE42F7E8-5F0E-4474-A94F-99E312DC6870}" type="datetimeFigureOut">
               <a:rPr lang="pt-BR" smtClean="0"/>
-              <a:t>17/06/2021</a:t>
+              <a:t>21/07/2021</a:t>
             </a:fld>
             <a:endParaRPr lang="pt-BR"/>
           </a:p>
@@ -2070,7 +2078,7 @@
           <a:p>
             <a:fld id="{CE42F7E8-5F0E-4474-A94F-99E312DC6870}" type="datetimeFigureOut">
               <a:rPr lang="pt-BR" smtClean="0"/>
-              <a:t>17/06/2021</a:t>
+              <a:t>21/07/2021</a:t>
             </a:fld>
             <a:endParaRPr lang="pt-BR"/>
           </a:p>
@@ -2381,7 +2389,7 @@
           <a:p>
             <a:fld id="{CE42F7E8-5F0E-4474-A94F-99E312DC6870}" type="datetimeFigureOut">
               <a:rPr lang="pt-BR" smtClean="0"/>
-              <a:t>17/06/2021</a:t>
+              <a:t>21/07/2021</a:t>
             </a:fld>
             <a:endParaRPr lang="pt-BR"/>
           </a:p>
@@ -2669,7 +2677,7 @@
           <a:p>
             <a:fld id="{CE42F7E8-5F0E-4474-A94F-99E312DC6870}" type="datetimeFigureOut">
               <a:rPr lang="pt-BR" smtClean="0"/>
-              <a:t>17/06/2021</a:t>
+              <a:t>21/07/2021</a:t>
             </a:fld>
             <a:endParaRPr lang="pt-BR"/>
           </a:p>
@@ -2910,7 +2918,7 @@
           <a:p>
             <a:fld id="{CE42F7E8-5F0E-4474-A94F-99E312DC6870}" type="datetimeFigureOut">
               <a:rPr lang="pt-BR" smtClean="0"/>
-              <a:t>17/06/2021</a:t>
+              <a:t>21/07/2021</a:t>
             </a:fld>
             <a:endParaRPr lang="pt-BR"/>
           </a:p>
@@ -3313,14 +3321,6 @@
 <file path=ppt/slides/slide1.xml><?xml version="1.0" encoding="utf-8"?>
 <p:sld xmlns:a="http://schemas.openxmlformats.org/drawingml/2006/main" xmlns:r="http://schemas.openxmlformats.org/officeDocument/2006/relationships" xmlns:p="http://schemas.openxmlformats.org/presentationml/2006/main">
   <p:cSld>
-    <p:bg>
-      <p:bgPr>
-        <a:solidFill>
-          <a:srgbClr val="195D21"/>
-        </a:solidFill>
-        <a:effectLst/>
-      </p:bgPr>
-    </p:bg>
     <p:spTree>
       <p:nvGrpSpPr>
         <p:cNvPr id="1" name=""/>
@@ -3337,59 +3337,10 @@
       </p:grpSpPr>
       <p:sp>
         <p:nvSpPr>
-          <p:cNvPr id="6" name="Retângulo 5">
-            <a:extLst>
-              <a:ext uri="{FF2B5EF4-FFF2-40B4-BE49-F238E27FC236}">
-                <a16:creationId xmlns:a16="http://schemas.microsoft.com/office/drawing/2014/main" id="{A0512849-CFED-48BA-A001-EC6050FFD5EF}"/>
-              </a:ext>
-            </a:extLst>
-          </p:cNvPr>
-          <p:cNvSpPr/>
-          <p:nvPr/>
-        </p:nvSpPr>
-        <p:spPr>
-          <a:xfrm>
-            <a:off x="733425" y="1223963"/>
-            <a:ext cx="11249025" cy="814387"/>
-          </a:xfrm>
-          <a:prstGeom prst="rect">
-            <a:avLst/>
-          </a:prstGeom>
-          <a:solidFill>
-            <a:srgbClr val="FFDB1F"/>
-          </a:solidFill>
-        </p:spPr>
-        <p:style>
-          <a:lnRef idx="2">
-            <a:schemeClr val="accent1">
-              <a:shade val="50000"/>
-            </a:schemeClr>
-          </a:lnRef>
-          <a:fillRef idx="1">
-            <a:schemeClr val="accent1"/>
-          </a:fillRef>
-          <a:effectRef idx="0">
-            <a:schemeClr val="accent1"/>
-          </a:effectRef>
-          <a:fontRef idx="minor">
-            <a:schemeClr val="lt1"/>
-          </a:fontRef>
-        </p:style>
-        <p:txBody>
-          <a:bodyPr rtlCol="0" anchor="ctr"/>
-          <a:lstStyle/>
-          <a:p>
-            <a:pPr algn="ctr"/>
-            <a:endParaRPr lang="pt-BR"/>
-          </a:p>
-        </p:txBody>
-      </p:sp>
-      <p:sp>
-        <p:nvSpPr>
-          <p:cNvPr id="5" name="Subtítulo 4">
-            <a:extLst>
-              <a:ext uri="{FF2B5EF4-FFF2-40B4-BE49-F238E27FC236}">
-                <a16:creationId xmlns:a16="http://schemas.microsoft.com/office/drawing/2014/main" id="{04F7AFB7-5F98-4D34-B39A-5C37746D425F}"/>
+          <p:cNvPr id="2" name="Título 1">
+            <a:extLst>
+              <a:ext uri="{FF2B5EF4-FFF2-40B4-BE49-F238E27FC236}">
+                <a16:creationId xmlns:a16="http://schemas.microsoft.com/office/drawing/2014/main" id="{8C97A29B-B884-4D3C-977D-EC2D7D98EAE0}"/>
               </a:ext>
             </a:extLst>
           </p:cNvPr>
@@ -3397,340 +3348,115 @@
             <a:spLocks noGrp="1"/>
           </p:cNvSpPr>
           <p:nvPr>
-            <p:ph type="subTitle" idx="1"/>
+            <p:ph type="title"/>
           </p:nvPr>
         </p:nvSpPr>
-        <p:spPr>
-          <a:xfrm>
-            <a:off x="733425" y="1477170"/>
-            <a:ext cx="11182349" cy="1655762"/>
-          </a:xfrm>
-        </p:spPr>
+        <p:spPr/>
         <p:txBody>
           <a:bodyPr/>
           <a:lstStyle/>
           <a:p>
-            <a:pPr algn="just"/>
-            <a:r>
-              <a:rPr lang="pt-BR" dirty="0">
-                <a:solidFill>
-                  <a:schemeClr val="accent6">
-                    <a:lumMod val="75000"/>
-                  </a:schemeClr>
-                </a:solidFill>
-              </a:rPr>
-              <a:t>-Conta     -Modalidades    -Trilha </a:t>
-            </a:r>
-            <a:r>
-              <a:rPr lang="pt-BR" dirty="0" err="1">
-                <a:solidFill>
-                  <a:schemeClr val="accent6">
-                    <a:lumMod val="75000"/>
-                  </a:schemeClr>
-                </a:solidFill>
-              </a:rPr>
-              <a:t>Coins</a:t>
-            </a:r>
-            <a:r>
-              <a:rPr lang="pt-BR" dirty="0">
-                <a:solidFill>
-                  <a:schemeClr val="accent6">
-                    <a:lumMod val="75000"/>
-                  </a:schemeClr>
-                </a:solidFill>
-              </a:rPr>
-              <a:t>    -Quem nós somos?    -Nosso diferencial    Log in</a:t>
-            </a:r>
-          </a:p>
-        </p:txBody>
-      </p:sp>
-      <p:sp>
-        <p:nvSpPr>
-          <p:cNvPr id="7" name="Retângulo 6">
-            <a:extLst>
-              <a:ext uri="{FF2B5EF4-FFF2-40B4-BE49-F238E27FC236}">
-                <a16:creationId xmlns:a16="http://schemas.microsoft.com/office/drawing/2014/main" id="{04B19EC9-94F9-4794-9C4F-7094470351F9}"/>
-              </a:ext>
-            </a:extLst>
-          </p:cNvPr>
-          <p:cNvSpPr/>
-          <p:nvPr/>
-        </p:nvSpPr>
-        <p:spPr>
-          <a:xfrm>
-            <a:off x="2243138" y="2038350"/>
-            <a:ext cx="1638300" cy="1781175"/>
-          </a:xfrm>
-          <a:prstGeom prst="rect">
-            <a:avLst/>
-          </a:prstGeom>
-          <a:solidFill>
-            <a:srgbClr val="FFDB1F"/>
-          </a:solidFill>
-        </p:spPr>
-        <p:style>
-          <a:lnRef idx="2">
-            <a:schemeClr val="accent1">
-              <a:shade val="50000"/>
-            </a:schemeClr>
-          </a:lnRef>
-          <a:fillRef idx="1">
-            <a:schemeClr val="accent1"/>
-          </a:fillRef>
-          <a:effectRef idx="0">
-            <a:schemeClr val="accent1"/>
-          </a:effectRef>
-          <a:fontRef idx="minor">
-            <a:schemeClr val="lt1"/>
-          </a:fontRef>
-        </p:style>
-        <p:txBody>
-          <a:bodyPr rtlCol="0" anchor="ctr"/>
-          <a:lstStyle/>
-          <a:p>
-            <a:pPr algn="ctr"/>
+            <a:r>
+              <a:rPr lang="pt-BR" dirty="0"/>
+              <a:t>Front </a:t>
+            </a:r>
+            <a:r>
+              <a:rPr lang="pt-BR" dirty="0" err="1"/>
+              <a:t>page</a:t>
+            </a:r>
             <a:endParaRPr lang="pt-BR" dirty="0"/>
           </a:p>
         </p:txBody>
       </p:sp>
       <p:sp>
         <p:nvSpPr>
-          <p:cNvPr id="8" name="CaixaDeTexto 7">
-            <a:extLst>
-              <a:ext uri="{FF2B5EF4-FFF2-40B4-BE49-F238E27FC236}">
-                <a16:creationId xmlns:a16="http://schemas.microsoft.com/office/drawing/2014/main" id="{33494E8E-1477-4D73-9BAA-F6881314D49F}"/>
-              </a:ext>
-            </a:extLst>
-          </p:cNvPr>
-          <p:cNvSpPr txBox="1"/>
-          <p:nvPr/>
-        </p:nvSpPr>
-        <p:spPr>
-          <a:xfrm>
-            <a:off x="2243138" y="2058481"/>
-            <a:ext cx="1314450" cy="646331"/>
-          </a:xfrm>
-          <a:prstGeom prst="rect">
-            <a:avLst/>
-          </a:prstGeom>
-          <a:noFill/>
-        </p:spPr>
-        <p:txBody>
-          <a:bodyPr wrap="square" rtlCol="0">
-            <a:spAutoFit/>
-          </a:bodyPr>
-          <a:lstStyle/>
-          <a:p>
-            <a:r>
-              <a:rPr lang="pt-BR" dirty="0">
-                <a:solidFill>
-                  <a:srgbClr val="800000"/>
-                </a:solidFill>
-              </a:rPr>
-              <a:t>-</a:t>
-            </a:r>
-            <a:r>
-              <a:rPr lang="pt-BR" dirty="0" err="1">
-                <a:solidFill>
-                  <a:srgbClr val="800000"/>
-                </a:solidFill>
-              </a:rPr>
-              <a:t>Lotofácil</a:t>
-            </a:r>
-            <a:endParaRPr lang="pt-BR" dirty="0">
-              <a:solidFill>
-                <a:srgbClr val="800000"/>
-              </a:solidFill>
-            </a:endParaRPr>
-          </a:p>
-          <a:p>
-            <a:r>
-              <a:rPr lang="pt-BR" dirty="0">
-                <a:solidFill>
-                  <a:schemeClr val="accent4">
-                    <a:lumMod val="50000"/>
-                  </a:schemeClr>
-                </a:solidFill>
-              </a:rPr>
-              <a:t>-</a:t>
-            </a:r>
-            <a:r>
-              <a:rPr lang="pt-BR" dirty="0" err="1">
-                <a:solidFill>
-                  <a:schemeClr val="accent4">
-                    <a:lumMod val="50000"/>
-                  </a:schemeClr>
-                </a:solidFill>
-              </a:rPr>
-              <a:t>Lotomania</a:t>
-            </a:r>
-            <a:endParaRPr lang="pt-BR" dirty="0">
-              <a:solidFill>
-                <a:schemeClr val="accent4">
-                  <a:lumMod val="50000"/>
-                </a:schemeClr>
-              </a:solidFill>
-            </a:endParaRPr>
-          </a:p>
-        </p:txBody>
-      </p:sp>
-      <p:sp>
-        <p:nvSpPr>
-          <p:cNvPr id="9" name="Título 11">
-            <a:extLst>
-              <a:ext uri="{FF2B5EF4-FFF2-40B4-BE49-F238E27FC236}">
-                <a16:creationId xmlns:a16="http://schemas.microsoft.com/office/drawing/2014/main" id="{EA18169E-56DD-4DA3-AD61-C8E014E58741}"/>
-              </a:ext>
-            </a:extLst>
-          </p:cNvPr>
-          <p:cNvSpPr txBox="1">
-            <a:spLocks/>
+          <p:cNvPr id="3" name="Espaço Reservado para Conteúdo 2">
+            <a:extLst>
+              <a:ext uri="{FF2B5EF4-FFF2-40B4-BE49-F238E27FC236}">
+                <a16:creationId xmlns:a16="http://schemas.microsoft.com/office/drawing/2014/main" id="{7D34292F-DC2D-43C9-88E2-65D04B327878}"/>
+              </a:ext>
+            </a:extLst>
+          </p:cNvPr>
+          <p:cNvSpPr>
+            <a:spLocks noGrp="1"/>
           </p:cNvSpPr>
-          <p:nvPr/>
-        </p:nvSpPr>
-        <p:spPr>
-          <a:xfrm>
-            <a:off x="1176336" y="5299075"/>
-            <a:ext cx="10515600" cy="1325563"/>
-          </a:xfrm>
-          <a:prstGeom prst="rect">
-            <a:avLst/>
-          </a:prstGeom>
-        </p:spPr>
-        <p:txBody>
-          <a:bodyPr vert="horz" lIns="91440" tIns="45720" rIns="91440" bIns="45720" rtlCol="0" anchor="b">
-            <a:normAutofit/>
-          </a:bodyPr>
-          <a:lstStyle>
-            <a:lvl1pPr algn="ctr" defTabSz="914400" rtl="0" eaLnBrk="1" latinLnBrk="0" hangingPunct="1">
-              <a:lnSpc>
-                <a:spcPct val="90000"/>
-              </a:lnSpc>
-              <a:spcBef>
-                <a:spcPct val="0"/>
-              </a:spcBef>
-              <a:buNone/>
-              <a:defRPr sz="6000" kern="1200">
-                <a:solidFill>
-                  <a:schemeClr val="tx1"/>
-                </a:solidFill>
-                <a:latin typeface="+mj-lt"/>
-                <a:ea typeface="+mj-ea"/>
-                <a:cs typeface="+mj-cs"/>
-              </a:defRPr>
-            </a:lvl1pPr>
-          </a:lstStyle>
-          <a:p>
-            <a:r>
-              <a:rPr lang="pt-BR"/>
-              <a:t>Trilha da sorte - Lotofácil</a:t>
-            </a:r>
-            <a:endParaRPr lang="pt-BR" dirty="0"/>
-          </a:p>
-        </p:txBody>
-      </p:sp>
-      <p:sp>
-        <p:nvSpPr>
-          <p:cNvPr id="10" name="Retângulo 9">
-            <a:extLst>
-              <a:ext uri="{FF2B5EF4-FFF2-40B4-BE49-F238E27FC236}">
-                <a16:creationId xmlns:a16="http://schemas.microsoft.com/office/drawing/2014/main" id="{4A91D87E-4B1C-48C4-BFE9-C3754FDA1D9F}"/>
-              </a:ext>
-            </a:extLst>
-          </p:cNvPr>
-          <p:cNvSpPr/>
-          <p:nvPr/>
-        </p:nvSpPr>
-        <p:spPr>
-          <a:xfrm>
-            <a:off x="885825" y="2038350"/>
-            <a:ext cx="1033463" cy="1781175"/>
-          </a:xfrm>
-          <a:prstGeom prst="rect">
-            <a:avLst/>
-          </a:prstGeom>
-          <a:solidFill>
-            <a:srgbClr val="FFDB1F"/>
-          </a:solidFill>
-        </p:spPr>
-        <p:style>
-          <a:lnRef idx="2">
-            <a:schemeClr val="accent1">
-              <a:shade val="50000"/>
-            </a:schemeClr>
-          </a:lnRef>
-          <a:fillRef idx="1">
-            <a:schemeClr val="accent1"/>
-          </a:fillRef>
-          <a:effectRef idx="0">
-            <a:schemeClr val="accent1"/>
-          </a:effectRef>
-          <a:fontRef idx="minor">
-            <a:schemeClr val="lt1"/>
-          </a:fontRef>
-        </p:style>
-        <p:txBody>
-          <a:bodyPr rtlCol="0" anchor="ctr"/>
-          <a:lstStyle/>
-          <a:p>
-            <a:pPr algn="ctr"/>
+          <p:nvPr>
+            <p:ph idx="1"/>
+          </p:nvPr>
+        </p:nvSpPr>
+        <p:spPr/>
+        <p:txBody>
+          <a:bodyPr/>
+          <a:lstStyle/>
+          <a:p>
             <a:endParaRPr lang="pt-BR"/>
           </a:p>
         </p:txBody>
       </p:sp>
-      <p:sp>
-        <p:nvSpPr>
-          <p:cNvPr id="11" name="CaixaDeTexto 10">
-            <a:extLst>
-              <a:ext uri="{FF2B5EF4-FFF2-40B4-BE49-F238E27FC236}">
-                <a16:creationId xmlns:a16="http://schemas.microsoft.com/office/drawing/2014/main" id="{B0A45101-5F26-4993-979E-D1523E59DD2B}"/>
-              </a:ext>
-            </a:extLst>
-          </p:cNvPr>
-          <p:cNvSpPr txBox="1"/>
-          <p:nvPr/>
-        </p:nvSpPr>
-        <p:spPr>
-          <a:xfrm>
-            <a:off x="885825" y="2058481"/>
-            <a:ext cx="1033463" cy="1200329"/>
-          </a:xfrm>
-          <a:prstGeom prst="rect">
-            <a:avLst/>
-          </a:prstGeom>
-          <a:noFill/>
-        </p:spPr>
-        <p:txBody>
-          <a:bodyPr wrap="square" rtlCol="0">
-            <a:spAutoFit/>
-          </a:bodyPr>
+    </p:spTree>
+    <p:extLst>
+      <p:ext uri="{BB962C8B-B14F-4D97-AF65-F5344CB8AC3E}">
+        <p14:creationId xmlns:p14="http://schemas.microsoft.com/office/powerpoint/2010/main" val="616540149"/>
+      </p:ext>
+    </p:extLst>
+  </p:cSld>
+  <p:clrMapOvr>
+    <a:masterClrMapping/>
+  </p:clrMapOvr>
+</p:sld>
+</file>
+
+<file path=ppt/slides/slide10.xml><?xml version="1.0" encoding="utf-8"?>
+<p:sld xmlns:a="http://schemas.openxmlformats.org/drawingml/2006/main" xmlns:r="http://schemas.openxmlformats.org/officeDocument/2006/relationships" xmlns:p="http://schemas.openxmlformats.org/presentationml/2006/main">
+  <p:cSld>
+    <p:spTree>
+      <p:nvGrpSpPr>
+        <p:cNvPr id="1" name=""/>
+        <p:cNvGrpSpPr/>
+        <p:nvPr/>
+      </p:nvGrpSpPr>
+      <p:grpSpPr>
+        <a:xfrm>
+          <a:off x="0" y="0"/>
+          <a:ext cx="0" cy="0"/>
+          <a:chOff x="0" y="0"/>
+          <a:chExt cx="0" cy="0"/>
+        </a:xfrm>
+      </p:grpSpPr>
+      <p:sp>
+        <p:nvSpPr>
+          <p:cNvPr id="2" name="Título 1">
+            <a:extLst>
+              <a:ext uri="{FF2B5EF4-FFF2-40B4-BE49-F238E27FC236}">
+                <a16:creationId xmlns:a16="http://schemas.microsoft.com/office/drawing/2014/main" id="{1FE0335B-8306-44DD-98B1-39E903DD2C72}"/>
+              </a:ext>
+            </a:extLst>
+          </p:cNvPr>
+          <p:cNvSpPr>
+            <a:spLocks noGrp="1"/>
+          </p:cNvSpPr>
+          <p:nvPr>
+            <p:ph type="title"/>
+          </p:nvPr>
+        </p:nvSpPr>
+        <p:spPr/>
+        <p:txBody>
+          <a:bodyPr/>
           <a:lstStyle/>
           <a:p>
             <a:r>
               <a:rPr lang="pt-BR" dirty="0"/>
-              <a:t>-Perfil</a:t>
-            </a:r>
-          </a:p>
-          <a:p>
-            <a:r>
-              <a:rPr lang="pt-BR" dirty="0"/>
-              <a:t>-Meus jogos</a:t>
-            </a:r>
-          </a:p>
-          <a:p>
-            <a:r>
-              <a:rPr lang="pt-BR" dirty="0"/>
-              <a:t>-sair</a:t>
+              <a:t>Exemplo de arte</a:t>
             </a:r>
           </a:p>
         </p:txBody>
       </p:sp>
       <p:pic>
         <p:nvPicPr>
-          <p:cNvPr id="13" name="Imagem 12">
-            <a:extLst>
-              <a:ext uri="{FF2B5EF4-FFF2-40B4-BE49-F238E27FC236}">
-                <a16:creationId xmlns:a16="http://schemas.microsoft.com/office/drawing/2014/main" id="{024FEFFB-1E95-46DC-B0CC-FC75BA5E7894}"/>
+          <p:cNvPr id="5" name="Imagem 4">
+            <a:extLst>
+              <a:ext uri="{FF2B5EF4-FFF2-40B4-BE49-F238E27FC236}">
+                <a16:creationId xmlns:a16="http://schemas.microsoft.com/office/drawing/2014/main" id="{6DD9AD73-D5D8-4242-8139-ADB390255DC5}"/>
               </a:ext>
             </a:extLst>
           </p:cNvPr>
@@ -3747,118 +3473,18 @@
         </p:blipFill>
         <p:spPr>
           <a:xfrm>
-            <a:off x="434000" y="17499"/>
-            <a:ext cx="2028212" cy="1360296"/>
+            <a:off x="3429000" y="2109787"/>
+            <a:ext cx="4953210" cy="3414713"/>
           </a:xfrm>
           <a:prstGeom prst="rect">
             <a:avLst/>
           </a:prstGeom>
         </p:spPr>
       </p:pic>
-      <p:sp>
-        <p:nvSpPr>
-          <p:cNvPr id="16" name="Retângulo 15">
-            <a:extLst>
-              <a:ext uri="{FF2B5EF4-FFF2-40B4-BE49-F238E27FC236}">
-                <a16:creationId xmlns:a16="http://schemas.microsoft.com/office/drawing/2014/main" id="{B369A85F-94CE-4D46-950E-3794BC1682C9}"/>
-              </a:ext>
-            </a:extLst>
-          </p:cNvPr>
-          <p:cNvSpPr/>
-          <p:nvPr/>
-        </p:nvSpPr>
-        <p:spPr>
-          <a:xfrm>
-            <a:off x="1085850" y="4105275"/>
-            <a:ext cx="10829924" cy="1528762"/>
-          </a:xfrm>
-          <a:prstGeom prst="rect">
-            <a:avLst/>
-          </a:prstGeom>
-          <a:solidFill>
-            <a:schemeClr val="bg1"/>
-          </a:solidFill>
-        </p:spPr>
-        <p:style>
-          <a:lnRef idx="2">
-            <a:schemeClr val="accent1">
-              <a:shade val="50000"/>
-            </a:schemeClr>
-          </a:lnRef>
-          <a:fillRef idx="1">
-            <a:schemeClr val="accent1"/>
-          </a:fillRef>
-          <a:effectRef idx="0">
-            <a:schemeClr val="accent1"/>
-          </a:effectRef>
-          <a:fontRef idx="minor">
-            <a:schemeClr val="lt1"/>
-          </a:fontRef>
-        </p:style>
-        <p:txBody>
-          <a:bodyPr rtlCol="0" anchor="ctr"/>
-          <a:lstStyle/>
-          <a:p>
-            <a:pPr algn="ctr"/>
-            <a:endParaRPr lang="pt-BR"/>
-          </a:p>
-        </p:txBody>
-      </p:sp>
-      <p:sp>
-        <p:nvSpPr>
-          <p:cNvPr id="17" name="CaixaDeTexto 16">
-            <a:extLst>
-              <a:ext uri="{FF2B5EF4-FFF2-40B4-BE49-F238E27FC236}">
-                <a16:creationId xmlns:a16="http://schemas.microsoft.com/office/drawing/2014/main" id="{20A7090F-8115-4F5C-8A04-B8BD8646DC2B}"/>
-              </a:ext>
-            </a:extLst>
-          </p:cNvPr>
-          <p:cNvSpPr txBox="1"/>
-          <p:nvPr/>
-        </p:nvSpPr>
-        <p:spPr>
-          <a:xfrm>
-            <a:off x="1176336" y="4231153"/>
-            <a:ext cx="10739438" cy="646331"/>
-          </a:xfrm>
-          <a:prstGeom prst="rect">
-            <a:avLst/>
-          </a:prstGeom>
-          <a:noFill/>
-        </p:spPr>
-        <p:txBody>
-          <a:bodyPr wrap="square" rtlCol="0">
-            <a:spAutoFit/>
-          </a:bodyPr>
-          <a:lstStyle/>
-          <a:p>
-            <a:r>
-              <a:rPr lang="pt-BR" dirty="0"/>
-              <a:t>*</a:t>
-            </a:r>
-            <a:r>
-              <a:rPr lang="pt-BR" dirty="0" err="1"/>
-              <a:t>Obs</a:t>
-            </a:r>
-            <a:r>
-              <a:rPr lang="pt-BR" dirty="0"/>
-              <a:t>: Quando o usuário clicar para gastar crédito, mas não estiver logado, aparecerá uma mensagem para se conectar ou criar uma conta. (um link atrelado para criar a conta – </a:t>
-            </a:r>
-            <a:r>
-              <a:rPr lang="pt-BR" dirty="0" err="1"/>
-              <a:t>Tag</a:t>
-            </a:r>
-            <a:r>
-              <a:rPr lang="pt-BR" dirty="0"/>
-              <a:t> A)</a:t>
-            </a:r>
-          </a:p>
-        </p:txBody>
-      </p:sp>
     </p:spTree>
     <p:extLst>
       <p:ext uri="{BB962C8B-B14F-4D97-AF65-F5344CB8AC3E}">
-        <p14:creationId xmlns:p14="http://schemas.microsoft.com/office/powerpoint/2010/main" val="3458174202"/>
+        <p14:creationId xmlns:p14="http://schemas.microsoft.com/office/powerpoint/2010/main" val="1296899476"/>
       </p:ext>
     </p:extLst>
   </p:cSld>
@@ -3895,85 +3521,10 @@
       </p:grpSpPr>
       <p:sp>
         <p:nvSpPr>
-          <p:cNvPr id="3" name="Espaço Reservado para Conteúdo 2">
-            <a:extLst>
-              <a:ext uri="{FF2B5EF4-FFF2-40B4-BE49-F238E27FC236}">
-                <a16:creationId xmlns:a16="http://schemas.microsoft.com/office/drawing/2014/main" id="{B7878023-CB5C-4BA6-A125-F0C5C140C10F}"/>
-              </a:ext>
-            </a:extLst>
-          </p:cNvPr>
-          <p:cNvSpPr>
-            <a:spLocks noGrp="1"/>
-          </p:cNvSpPr>
-          <p:nvPr>
-            <p:ph idx="1"/>
-          </p:nvPr>
-        </p:nvSpPr>
-        <p:spPr>
-          <a:xfrm>
-            <a:off x="838200" y="1825625"/>
-            <a:ext cx="10515600" cy="774700"/>
-          </a:xfrm>
-        </p:spPr>
-        <p:txBody>
-          <a:bodyPr/>
-          <a:lstStyle/>
-          <a:p>
-            <a:pPr marL="0" indent="0">
-              <a:buNone/>
-            </a:pPr>
-            <a:r>
-              <a:rPr lang="pt-BR" dirty="0"/>
-              <a:t>Selecione os números desejados ou nos deixe fazer isso por você ;) </a:t>
-            </a:r>
-          </a:p>
-        </p:txBody>
-      </p:sp>
-      <p:sp>
-        <p:nvSpPr>
-          <p:cNvPr id="4" name="Título 11">
-            <a:extLst>
-              <a:ext uri="{FF2B5EF4-FFF2-40B4-BE49-F238E27FC236}">
-                <a16:creationId xmlns:a16="http://schemas.microsoft.com/office/drawing/2014/main" id="{5D9B0987-B305-460C-94CB-9E30CB779165}"/>
-              </a:ext>
-            </a:extLst>
-          </p:cNvPr>
-          <p:cNvSpPr>
-            <a:spLocks noGrp="1"/>
-          </p:cNvSpPr>
-          <p:nvPr>
-            <p:ph type="title"/>
-          </p:nvPr>
-        </p:nvSpPr>
-        <p:spPr>
-          <a:xfrm>
-            <a:off x="838200" y="365125"/>
-            <a:ext cx="10515600" cy="1325563"/>
-          </a:xfrm>
-        </p:spPr>
-        <p:txBody>
-          <a:bodyPr/>
-          <a:lstStyle/>
-          <a:p>
-            <a:pPr algn="ctr"/>
-            <a:r>
-              <a:rPr lang="pt-BR" dirty="0"/>
-              <a:t>Trilha da sorte - </a:t>
-            </a:r>
-            <a:r>
-              <a:rPr lang="pt-BR" dirty="0" err="1"/>
-              <a:t>Lotofácil</a:t>
-            </a:r>
-            <a:endParaRPr lang="pt-BR" dirty="0"/>
-          </a:p>
-        </p:txBody>
-      </p:sp>
-      <p:sp>
-        <p:nvSpPr>
-          <p:cNvPr id="5" name="Elipse 4">
-            <a:extLst>
-              <a:ext uri="{FF2B5EF4-FFF2-40B4-BE49-F238E27FC236}">
-                <a16:creationId xmlns:a16="http://schemas.microsoft.com/office/drawing/2014/main" id="{5269F114-4F3E-41B9-B225-65CF27DD27A4}"/>
+          <p:cNvPr id="6" name="Retângulo 5">
+            <a:extLst>
+              <a:ext uri="{FF2B5EF4-FFF2-40B4-BE49-F238E27FC236}">
+                <a16:creationId xmlns:a16="http://schemas.microsoft.com/office/drawing/2014/main" id="{A0512849-CFED-48BA-A001-EC6050FFD5EF}"/>
               </a:ext>
             </a:extLst>
           </p:cNvPr>
@@ -3982,10 +3533,10 @@
         </p:nvSpPr>
         <p:spPr>
           <a:xfrm>
-            <a:off x="2124075" y="3186112"/>
-            <a:ext cx="695325" cy="695325"/>
-          </a:xfrm>
-          <a:prstGeom prst="ellipse">
+            <a:off x="733425" y="1223963"/>
+            <a:ext cx="11249025" cy="814387"/>
+          </a:xfrm>
+          <a:prstGeom prst="rect">
             <a:avLst/>
           </a:prstGeom>
           <a:solidFill>
@@ -4019,10 +3570,70 @@
       </p:sp>
       <p:sp>
         <p:nvSpPr>
-          <p:cNvPr id="6" name="Elipse 5">
-            <a:extLst>
-              <a:ext uri="{FF2B5EF4-FFF2-40B4-BE49-F238E27FC236}">
-                <a16:creationId xmlns:a16="http://schemas.microsoft.com/office/drawing/2014/main" id="{3EC62835-A0CD-4D45-A2A2-366DE1E29C0E}"/>
+          <p:cNvPr id="5" name="Subtítulo 4">
+            <a:extLst>
+              <a:ext uri="{FF2B5EF4-FFF2-40B4-BE49-F238E27FC236}">
+                <a16:creationId xmlns:a16="http://schemas.microsoft.com/office/drawing/2014/main" id="{04F7AFB7-5F98-4D34-B39A-5C37746D425F}"/>
+              </a:ext>
+            </a:extLst>
+          </p:cNvPr>
+          <p:cNvSpPr>
+            <a:spLocks noGrp="1"/>
+          </p:cNvSpPr>
+          <p:nvPr>
+            <p:ph type="subTitle" idx="1"/>
+          </p:nvPr>
+        </p:nvSpPr>
+        <p:spPr>
+          <a:xfrm>
+            <a:off x="733425" y="1477170"/>
+            <a:ext cx="11182349" cy="1655762"/>
+          </a:xfrm>
+        </p:spPr>
+        <p:txBody>
+          <a:bodyPr/>
+          <a:lstStyle/>
+          <a:p>
+            <a:pPr algn="just"/>
+            <a:r>
+              <a:rPr lang="pt-BR" dirty="0">
+                <a:solidFill>
+                  <a:schemeClr val="accent6">
+                    <a:lumMod val="75000"/>
+                  </a:schemeClr>
+                </a:solidFill>
+              </a:rPr>
+              <a:t>-Conta     -Modalidades    -Trilha </a:t>
+            </a:r>
+            <a:r>
+              <a:rPr lang="pt-BR" dirty="0" err="1">
+                <a:solidFill>
+                  <a:schemeClr val="accent6">
+                    <a:lumMod val="75000"/>
+                  </a:schemeClr>
+                </a:solidFill>
+              </a:rPr>
+              <a:t>Coins</a:t>
+            </a:r>
+            <a:r>
+              <a:rPr lang="pt-BR" dirty="0">
+                <a:solidFill>
+                  <a:schemeClr val="accent6">
+                    <a:lumMod val="75000"/>
+                  </a:schemeClr>
+                </a:solidFill>
+              </a:rPr>
+              <a:t>    -Quem nós somos?    -Nosso diferencial    Log in</a:t>
+            </a:r>
+          </a:p>
+        </p:txBody>
+      </p:sp>
+      <p:sp>
+        <p:nvSpPr>
+          <p:cNvPr id="7" name="Retângulo 6">
+            <a:extLst>
+              <a:ext uri="{FF2B5EF4-FFF2-40B4-BE49-F238E27FC236}">
+                <a16:creationId xmlns:a16="http://schemas.microsoft.com/office/drawing/2014/main" id="{04B19EC9-94F9-4794-9C4F-7094470351F9}"/>
               </a:ext>
             </a:extLst>
           </p:cNvPr>
@@ -4031,10 +3642,10 @@
         </p:nvSpPr>
         <p:spPr>
           <a:xfrm>
-            <a:off x="5514975" y="3186112"/>
-            <a:ext cx="695325" cy="695325"/>
-          </a:xfrm>
-          <a:prstGeom prst="ellipse">
+            <a:off x="2243138" y="2038350"/>
+            <a:ext cx="1638300" cy="1781175"/>
+          </a:xfrm>
+          <a:prstGeom prst="rect">
             <a:avLst/>
           </a:prstGeom>
           <a:solidFill>
@@ -4062,16 +3673,156 @@
           <a:lstStyle/>
           <a:p>
             <a:pPr algn="ctr"/>
-            <a:endParaRPr lang="pt-BR"/>
-          </a:p>
-        </p:txBody>
-      </p:sp>
-      <p:sp>
-        <p:nvSpPr>
-          <p:cNvPr id="7" name="Elipse 6">
-            <a:extLst>
-              <a:ext uri="{FF2B5EF4-FFF2-40B4-BE49-F238E27FC236}">
-                <a16:creationId xmlns:a16="http://schemas.microsoft.com/office/drawing/2014/main" id="{88958AAE-D806-4D6E-9E9D-9C6D2B7DD26F}"/>
+            <a:endParaRPr lang="pt-BR" dirty="0"/>
+          </a:p>
+        </p:txBody>
+      </p:sp>
+      <p:sp>
+        <p:nvSpPr>
+          <p:cNvPr id="8" name="CaixaDeTexto 7">
+            <a:extLst>
+              <a:ext uri="{FF2B5EF4-FFF2-40B4-BE49-F238E27FC236}">
+                <a16:creationId xmlns:a16="http://schemas.microsoft.com/office/drawing/2014/main" id="{33494E8E-1477-4D73-9BAA-F6881314D49F}"/>
+              </a:ext>
+            </a:extLst>
+          </p:cNvPr>
+          <p:cNvSpPr txBox="1"/>
+          <p:nvPr/>
+        </p:nvSpPr>
+        <p:spPr>
+          <a:xfrm>
+            <a:off x="2243138" y="2058481"/>
+            <a:ext cx="1314450" cy="646331"/>
+          </a:xfrm>
+          <a:prstGeom prst="rect">
+            <a:avLst/>
+          </a:prstGeom>
+          <a:noFill/>
+        </p:spPr>
+        <p:txBody>
+          <a:bodyPr wrap="square" rtlCol="0">
+            <a:spAutoFit/>
+          </a:bodyPr>
+          <a:lstStyle/>
+          <a:p>
+            <a:r>
+              <a:rPr lang="pt-BR" dirty="0">
+                <a:solidFill>
+                  <a:srgbClr val="800000"/>
+                </a:solidFill>
+              </a:rPr>
+              <a:t>-</a:t>
+            </a:r>
+            <a:r>
+              <a:rPr lang="pt-BR" dirty="0" err="1">
+                <a:solidFill>
+                  <a:srgbClr val="800000"/>
+                </a:solidFill>
+              </a:rPr>
+              <a:t>Lotofácil</a:t>
+            </a:r>
+            <a:endParaRPr lang="pt-BR" dirty="0">
+              <a:solidFill>
+                <a:srgbClr val="800000"/>
+              </a:solidFill>
+            </a:endParaRPr>
+          </a:p>
+          <a:p>
+            <a:r>
+              <a:rPr lang="pt-BR" dirty="0">
+                <a:solidFill>
+                  <a:schemeClr val="accent4">
+                    <a:lumMod val="50000"/>
+                  </a:schemeClr>
+                </a:solidFill>
+              </a:rPr>
+              <a:t>-</a:t>
+            </a:r>
+            <a:r>
+              <a:rPr lang="pt-BR" dirty="0" err="1">
+                <a:solidFill>
+                  <a:schemeClr val="accent4">
+                    <a:lumMod val="50000"/>
+                  </a:schemeClr>
+                </a:solidFill>
+              </a:rPr>
+              <a:t>Lotomania</a:t>
+            </a:r>
+            <a:endParaRPr lang="pt-BR" dirty="0">
+              <a:solidFill>
+                <a:schemeClr val="accent4">
+                  <a:lumMod val="50000"/>
+                </a:schemeClr>
+              </a:solidFill>
+            </a:endParaRPr>
+          </a:p>
+        </p:txBody>
+      </p:sp>
+      <p:sp>
+        <p:nvSpPr>
+          <p:cNvPr id="9" name="Título 11">
+            <a:extLst>
+              <a:ext uri="{FF2B5EF4-FFF2-40B4-BE49-F238E27FC236}">
+                <a16:creationId xmlns:a16="http://schemas.microsoft.com/office/drawing/2014/main" id="{EA18169E-56DD-4DA3-AD61-C8E014E58741}"/>
+              </a:ext>
+            </a:extLst>
+          </p:cNvPr>
+          <p:cNvSpPr txBox="1">
+            <a:spLocks/>
+          </p:cNvSpPr>
+          <p:nvPr/>
+        </p:nvSpPr>
+        <p:spPr>
+          <a:xfrm>
+            <a:off x="-1469210" y="5257005"/>
+            <a:ext cx="9787587" cy="1325563"/>
+          </a:xfrm>
+          <a:prstGeom prst="rect">
+            <a:avLst/>
+          </a:prstGeom>
+        </p:spPr>
+        <p:txBody>
+          <a:bodyPr vert="horz" lIns="91440" tIns="45720" rIns="91440" bIns="45720" rtlCol="0" anchor="b">
+            <a:normAutofit/>
+          </a:bodyPr>
+          <a:lstStyle>
+            <a:lvl1pPr algn="ctr" defTabSz="914400" rtl="0" eaLnBrk="1" latinLnBrk="0" hangingPunct="1">
+              <a:lnSpc>
+                <a:spcPct val="90000"/>
+              </a:lnSpc>
+              <a:spcBef>
+                <a:spcPct val="0"/>
+              </a:spcBef>
+              <a:buNone/>
+              <a:defRPr sz="6000" kern="1200">
+                <a:solidFill>
+                  <a:schemeClr val="tx1"/>
+                </a:solidFill>
+                <a:latin typeface="+mj-lt"/>
+                <a:ea typeface="+mj-ea"/>
+                <a:cs typeface="+mj-cs"/>
+              </a:defRPr>
+            </a:lvl1pPr>
+          </a:lstStyle>
+          <a:p>
+            <a:r>
+              <a:rPr lang="pt-BR" sz="3600" dirty="0"/>
+              <a:t>Trilha da sorte - </a:t>
+            </a:r>
+            <a:r>
+              <a:rPr lang="pt-BR" sz="3600" dirty="0" err="1"/>
+              <a:t>Lotofácil</a:t>
+            </a:r>
+            <a:endParaRPr lang="pt-BR" sz="3600" dirty="0"/>
+          </a:p>
+        </p:txBody>
+      </p:sp>
+      <p:sp>
+        <p:nvSpPr>
+          <p:cNvPr id="10" name="Retângulo 9">
+            <a:extLst>
+              <a:ext uri="{FF2B5EF4-FFF2-40B4-BE49-F238E27FC236}">
+                <a16:creationId xmlns:a16="http://schemas.microsoft.com/office/drawing/2014/main" id="{4A91D87E-4B1C-48C4-BFE9-C3754FDA1D9F}"/>
               </a:ext>
             </a:extLst>
           </p:cNvPr>
@@ -4080,10 +3831,10 @@
         </p:nvSpPr>
         <p:spPr>
           <a:xfrm>
-            <a:off x="4667250" y="3171824"/>
-            <a:ext cx="695325" cy="695325"/>
-          </a:xfrm>
-          <a:prstGeom prst="ellipse">
+            <a:off x="885825" y="2038350"/>
+            <a:ext cx="1033463" cy="1781175"/>
+          </a:xfrm>
+          <a:prstGeom prst="rect">
             <a:avLst/>
           </a:prstGeom>
           <a:solidFill>
@@ -4117,10 +3868,87 @@
       </p:sp>
       <p:sp>
         <p:nvSpPr>
-          <p:cNvPr id="8" name="Elipse 7">
-            <a:extLst>
-              <a:ext uri="{FF2B5EF4-FFF2-40B4-BE49-F238E27FC236}">
-                <a16:creationId xmlns:a16="http://schemas.microsoft.com/office/drawing/2014/main" id="{1DC22947-0B33-4BD4-AA9B-5CAE1764572B}"/>
+          <p:cNvPr id="11" name="CaixaDeTexto 10">
+            <a:extLst>
+              <a:ext uri="{FF2B5EF4-FFF2-40B4-BE49-F238E27FC236}">
+                <a16:creationId xmlns:a16="http://schemas.microsoft.com/office/drawing/2014/main" id="{B0A45101-5F26-4993-979E-D1523E59DD2B}"/>
+              </a:ext>
+            </a:extLst>
+          </p:cNvPr>
+          <p:cNvSpPr txBox="1"/>
+          <p:nvPr/>
+        </p:nvSpPr>
+        <p:spPr>
+          <a:xfrm>
+            <a:off x="885825" y="2058481"/>
+            <a:ext cx="1033463" cy="1200329"/>
+          </a:xfrm>
+          <a:prstGeom prst="rect">
+            <a:avLst/>
+          </a:prstGeom>
+          <a:noFill/>
+        </p:spPr>
+        <p:txBody>
+          <a:bodyPr wrap="square" rtlCol="0">
+            <a:spAutoFit/>
+          </a:bodyPr>
+          <a:lstStyle/>
+          <a:p>
+            <a:r>
+              <a:rPr lang="pt-BR" dirty="0"/>
+              <a:t>-Perfil</a:t>
+            </a:r>
+          </a:p>
+          <a:p>
+            <a:r>
+              <a:rPr lang="pt-BR" dirty="0"/>
+              <a:t>-Meus jogos</a:t>
+            </a:r>
+          </a:p>
+          <a:p>
+            <a:r>
+              <a:rPr lang="pt-BR" dirty="0"/>
+              <a:t>-sair</a:t>
+            </a:r>
+          </a:p>
+        </p:txBody>
+      </p:sp>
+      <p:pic>
+        <p:nvPicPr>
+          <p:cNvPr id="13" name="Imagem 12">
+            <a:extLst>
+              <a:ext uri="{FF2B5EF4-FFF2-40B4-BE49-F238E27FC236}">
+                <a16:creationId xmlns:a16="http://schemas.microsoft.com/office/drawing/2014/main" id="{024FEFFB-1E95-46DC-B0CC-FC75BA5E7894}"/>
+              </a:ext>
+            </a:extLst>
+          </p:cNvPr>
+          <p:cNvPicPr>
+            <a:picLocks noChangeAspect="1"/>
+          </p:cNvPicPr>
+          <p:nvPr/>
+        </p:nvPicPr>
+        <p:blipFill>
+          <a:blip r:embed="rId2"/>
+          <a:stretch>
+            <a:fillRect/>
+          </a:stretch>
+        </p:blipFill>
+        <p:spPr>
+          <a:xfrm>
+            <a:off x="434000" y="17499"/>
+            <a:ext cx="2028212" cy="1360296"/>
+          </a:xfrm>
+          <a:prstGeom prst="rect">
+            <a:avLst/>
+          </a:prstGeom>
+        </p:spPr>
+      </p:pic>
+      <p:sp>
+        <p:nvSpPr>
+          <p:cNvPr id="16" name="Retângulo 15">
+            <a:extLst>
+              <a:ext uri="{FF2B5EF4-FFF2-40B4-BE49-F238E27FC236}">
+                <a16:creationId xmlns:a16="http://schemas.microsoft.com/office/drawing/2014/main" id="{B369A85F-94CE-4D46-950E-3794BC1682C9}"/>
               </a:ext>
             </a:extLst>
           </p:cNvPr>
@@ -4129,14 +3957,14 @@
         </p:nvSpPr>
         <p:spPr>
           <a:xfrm>
-            <a:off x="2971800" y="3186112"/>
-            <a:ext cx="695325" cy="695325"/>
-          </a:xfrm>
-          <a:prstGeom prst="ellipse">
+            <a:off x="1085850" y="4105275"/>
+            <a:ext cx="10829924" cy="1528762"/>
+          </a:xfrm>
+          <a:prstGeom prst="rect">
             <a:avLst/>
           </a:prstGeom>
           <a:solidFill>
-            <a:srgbClr val="FFDB1F"/>
+            <a:schemeClr val="bg1"/>
           </a:solidFill>
         </p:spPr>
         <p:style>
@@ -4166,59 +3994,10 @@
       </p:sp>
       <p:sp>
         <p:nvSpPr>
-          <p:cNvPr id="9" name="Elipse 8">
-            <a:extLst>
-              <a:ext uri="{FF2B5EF4-FFF2-40B4-BE49-F238E27FC236}">
-                <a16:creationId xmlns:a16="http://schemas.microsoft.com/office/drawing/2014/main" id="{C6FC51A4-05D6-4164-8AE6-A916C24052A6}"/>
-              </a:ext>
-            </a:extLst>
-          </p:cNvPr>
-          <p:cNvSpPr/>
-          <p:nvPr/>
-        </p:nvSpPr>
-        <p:spPr>
-          <a:xfrm>
-            <a:off x="3819525" y="3171825"/>
-            <a:ext cx="695325" cy="695325"/>
-          </a:xfrm>
-          <a:prstGeom prst="ellipse">
-            <a:avLst/>
-          </a:prstGeom>
-          <a:solidFill>
-            <a:srgbClr val="FFDB1F"/>
-          </a:solidFill>
-        </p:spPr>
-        <p:style>
-          <a:lnRef idx="2">
-            <a:schemeClr val="accent1">
-              <a:shade val="50000"/>
-            </a:schemeClr>
-          </a:lnRef>
-          <a:fillRef idx="1">
-            <a:schemeClr val="accent1"/>
-          </a:fillRef>
-          <a:effectRef idx="0">
-            <a:schemeClr val="accent1"/>
-          </a:effectRef>
-          <a:fontRef idx="minor">
-            <a:schemeClr val="lt1"/>
-          </a:fontRef>
-        </p:style>
-        <p:txBody>
-          <a:bodyPr rtlCol="0" anchor="ctr"/>
-          <a:lstStyle/>
-          <a:p>
-            <a:pPr algn="ctr"/>
-            <a:endParaRPr lang="pt-BR"/>
-          </a:p>
-        </p:txBody>
-      </p:sp>
-      <p:sp>
-        <p:nvSpPr>
-          <p:cNvPr id="10" name="CaixaDeTexto 9">
-            <a:extLst>
-              <a:ext uri="{FF2B5EF4-FFF2-40B4-BE49-F238E27FC236}">
-                <a16:creationId xmlns:a16="http://schemas.microsoft.com/office/drawing/2014/main" id="{760D74D3-01E5-4406-93E6-E356CA33254F}"/>
+          <p:cNvPr id="17" name="CaixaDeTexto 16">
+            <a:extLst>
+              <a:ext uri="{FF2B5EF4-FFF2-40B4-BE49-F238E27FC236}">
+                <a16:creationId xmlns:a16="http://schemas.microsoft.com/office/drawing/2014/main" id="{20A7090F-8115-4F5C-8A04-B8BD8646DC2B}"/>
               </a:ext>
             </a:extLst>
           </p:cNvPr>
@@ -4227,8 +4006,8 @@
         </p:nvSpPr>
         <p:spPr>
           <a:xfrm>
-            <a:off x="2276474" y="3314700"/>
-            <a:ext cx="542925" cy="369332"/>
+            <a:off x="1176336" y="4231153"/>
+            <a:ext cx="10739438" cy="646331"/>
           </a:xfrm>
           <a:prstGeom prst="rect">
             <a:avLst/>
@@ -4243,85 +4022,90 @@
           <a:p>
             <a:r>
               <a:rPr lang="pt-BR" dirty="0"/>
-              <a:t>01</a:t>
-            </a:r>
-          </a:p>
-        </p:txBody>
-      </p:sp>
-      <p:sp>
-        <p:nvSpPr>
-          <p:cNvPr id="11" name="CaixaDeTexto 10">
-            <a:extLst>
-              <a:ext uri="{FF2B5EF4-FFF2-40B4-BE49-F238E27FC236}">
-                <a16:creationId xmlns:a16="http://schemas.microsoft.com/office/drawing/2014/main" id="{1FFA325A-73E5-4ACC-BB13-CC7C2F596C4B}"/>
-              </a:ext>
-            </a:extLst>
-          </p:cNvPr>
-          <p:cNvSpPr txBox="1"/>
+              <a:t>*</a:t>
+            </a:r>
+            <a:r>
+              <a:rPr lang="pt-BR" dirty="0" err="1"/>
+              <a:t>Obs</a:t>
+            </a:r>
+            <a:r>
+              <a:rPr lang="pt-BR" dirty="0"/>
+              <a:t>: Quando o usuário clicar para gastar crédito, mas não estiver logado, aparecerá uma mensagem para se conectar ou criar uma conta. (um link atrelado para criar a conta – </a:t>
+            </a:r>
+            <a:r>
+              <a:rPr lang="pt-BR" dirty="0" err="1"/>
+              <a:t>Tag</a:t>
+            </a:r>
+            <a:r>
+              <a:rPr lang="pt-BR" dirty="0"/>
+              <a:t> A)</a:t>
+            </a:r>
+          </a:p>
+        </p:txBody>
+      </p:sp>
+      <p:sp>
+        <p:nvSpPr>
+          <p:cNvPr id="12" name="Título 11">
+            <a:extLst>
+              <a:ext uri="{FF2B5EF4-FFF2-40B4-BE49-F238E27FC236}">
+                <a16:creationId xmlns:a16="http://schemas.microsoft.com/office/drawing/2014/main" id="{5A487AEB-2E1B-46D0-84C0-1F82397D4207}"/>
+              </a:ext>
+            </a:extLst>
+          </p:cNvPr>
+          <p:cNvSpPr txBox="1">
+            <a:spLocks/>
+          </p:cNvSpPr>
           <p:nvPr/>
         </p:nvSpPr>
         <p:spPr>
           <a:xfrm>
-            <a:off x="3148011" y="3319461"/>
-            <a:ext cx="542925" cy="369332"/>
+            <a:off x="5138736" y="5611200"/>
+            <a:ext cx="7334391" cy="970155"/>
           </a:xfrm>
           <a:prstGeom prst="rect">
             <a:avLst/>
           </a:prstGeom>
-          <a:noFill/>
-        </p:spPr>
-        <p:txBody>
-          <a:bodyPr wrap="square" rtlCol="0">
-            <a:spAutoFit/>
+        </p:spPr>
+        <p:txBody>
+          <a:bodyPr vert="horz" lIns="91440" tIns="45720" rIns="91440" bIns="45720" rtlCol="0" anchor="b">
+            <a:normAutofit/>
           </a:bodyPr>
-          <a:lstStyle/>
-          <a:p>
-            <a:r>
-              <a:rPr lang="pt-BR" dirty="0"/>
-              <a:t>02</a:t>
-            </a:r>
-          </a:p>
-        </p:txBody>
-      </p:sp>
-      <p:sp>
-        <p:nvSpPr>
-          <p:cNvPr id="12" name="CaixaDeTexto 11">
-            <a:extLst>
-              <a:ext uri="{FF2B5EF4-FFF2-40B4-BE49-F238E27FC236}">
-                <a16:creationId xmlns:a16="http://schemas.microsoft.com/office/drawing/2014/main" id="{A63420C3-D2ED-4070-AE19-A025720B6FD6}"/>
-              </a:ext>
-            </a:extLst>
-          </p:cNvPr>
-          <p:cNvSpPr txBox="1"/>
-          <p:nvPr/>
-        </p:nvSpPr>
-        <p:spPr>
-          <a:xfrm>
-            <a:off x="6667499" y="3419475"/>
-            <a:ext cx="542925" cy="369332"/>
-          </a:xfrm>
-          <a:prstGeom prst="rect">
-            <a:avLst/>
-          </a:prstGeom>
-          <a:noFill/>
-        </p:spPr>
-        <p:txBody>
-          <a:bodyPr wrap="square" rtlCol="0">
-            <a:spAutoFit/>
-          </a:bodyPr>
-          <a:lstStyle/>
-          <a:p>
-            <a:r>
-              <a:rPr lang="pt-BR" dirty="0"/>
-              <a:t>....</a:t>
-            </a:r>
+          <a:lstStyle>
+            <a:lvl1pPr algn="ctr" defTabSz="914400" rtl="0" eaLnBrk="1" latinLnBrk="0" hangingPunct="1">
+              <a:lnSpc>
+                <a:spcPct val="90000"/>
+              </a:lnSpc>
+              <a:spcBef>
+                <a:spcPct val="0"/>
+              </a:spcBef>
+              <a:buNone/>
+              <a:defRPr sz="6000" kern="1200">
+                <a:solidFill>
+                  <a:schemeClr val="tx1"/>
+                </a:solidFill>
+                <a:latin typeface="+mj-lt"/>
+                <a:ea typeface="+mj-ea"/>
+                <a:cs typeface="+mj-cs"/>
+              </a:defRPr>
+            </a:lvl1pPr>
+          </a:lstStyle>
+          <a:p>
+            <a:r>
+              <a:rPr lang="pt-BR" sz="3600" dirty="0"/>
+              <a:t>Trilha da sorte - </a:t>
+            </a:r>
+            <a:r>
+              <a:rPr lang="pt-BR" sz="3600" dirty="0" err="1"/>
+              <a:t>Lotomania</a:t>
+            </a:r>
+            <a:endParaRPr lang="pt-BR" sz="3600" dirty="0"/>
           </a:p>
         </p:txBody>
       </p:sp>
     </p:spTree>
     <p:extLst>
       <p:ext uri="{BB962C8B-B14F-4D97-AF65-F5344CB8AC3E}">
-        <p14:creationId xmlns:p14="http://schemas.microsoft.com/office/powerpoint/2010/main" val="868497383"/>
+        <p14:creationId xmlns:p14="http://schemas.microsoft.com/office/powerpoint/2010/main" val="3458174202"/>
       </p:ext>
     </p:extLst>
   </p:cSld>
@@ -4332,6 +4116,98 @@
 </file>
 
 <file path=ppt/slides/slide3.xml><?xml version="1.0" encoding="utf-8"?>
+<p:sld xmlns:a="http://schemas.openxmlformats.org/drawingml/2006/main" xmlns:r="http://schemas.openxmlformats.org/officeDocument/2006/relationships" xmlns:p="http://schemas.openxmlformats.org/presentationml/2006/main">
+  <p:cSld>
+    <p:spTree>
+      <p:nvGrpSpPr>
+        <p:cNvPr id="1" name=""/>
+        <p:cNvGrpSpPr/>
+        <p:nvPr/>
+      </p:nvGrpSpPr>
+      <p:grpSpPr>
+        <a:xfrm>
+          <a:off x="0" y="0"/>
+          <a:ext cx="0" cy="0"/>
+          <a:chOff x="0" y="0"/>
+          <a:chExt cx="0" cy="0"/>
+        </a:xfrm>
+      </p:grpSpPr>
+      <p:sp>
+        <p:nvSpPr>
+          <p:cNvPr id="2" name="Título 1">
+            <a:extLst>
+              <a:ext uri="{FF2B5EF4-FFF2-40B4-BE49-F238E27FC236}">
+                <a16:creationId xmlns:a16="http://schemas.microsoft.com/office/drawing/2014/main" id="{DF713D2F-EE92-40BD-AB00-76CC2C159569}"/>
+              </a:ext>
+            </a:extLst>
+          </p:cNvPr>
+          <p:cNvSpPr>
+            <a:spLocks noGrp="1"/>
+          </p:cNvSpPr>
+          <p:nvPr>
+            <p:ph type="title"/>
+          </p:nvPr>
+        </p:nvSpPr>
+        <p:spPr/>
+        <p:txBody>
+          <a:bodyPr/>
+          <a:lstStyle/>
+          <a:p>
+            <a:r>
+              <a:rPr lang="pt-BR" dirty="0" err="1"/>
+              <a:t>trilhadasorte</a:t>
+            </a:r>
+            <a:r>
+              <a:rPr lang="pt-BR" dirty="0"/>
+              <a:t>/</a:t>
+            </a:r>
+            <a:r>
+              <a:rPr lang="pt-BR" dirty="0" err="1"/>
+              <a:t>lotofácil</a:t>
+            </a:r>
+            <a:endParaRPr lang="pt-BR" dirty="0"/>
+          </a:p>
+        </p:txBody>
+      </p:sp>
+      <p:sp>
+        <p:nvSpPr>
+          <p:cNvPr id="3" name="Espaço Reservado para Conteúdo 2">
+            <a:extLst>
+              <a:ext uri="{FF2B5EF4-FFF2-40B4-BE49-F238E27FC236}">
+                <a16:creationId xmlns:a16="http://schemas.microsoft.com/office/drawing/2014/main" id="{2A7F4437-F15A-43F4-BB49-149BD70A2FEC}"/>
+              </a:ext>
+            </a:extLst>
+          </p:cNvPr>
+          <p:cNvSpPr>
+            <a:spLocks noGrp="1"/>
+          </p:cNvSpPr>
+          <p:nvPr>
+            <p:ph idx="1"/>
+          </p:nvPr>
+        </p:nvSpPr>
+        <p:spPr/>
+        <p:txBody>
+          <a:bodyPr/>
+          <a:lstStyle/>
+          <a:p>
+            <a:endParaRPr lang="pt-BR"/>
+          </a:p>
+        </p:txBody>
+      </p:sp>
+    </p:spTree>
+    <p:extLst>
+      <p:ext uri="{BB962C8B-B14F-4D97-AF65-F5344CB8AC3E}">
+        <p14:creationId xmlns:p14="http://schemas.microsoft.com/office/powerpoint/2010/main" val="1252891092"/>
+      </p:ext>
+    </p:extLst>
+  </p:cSld>
+  <p:clrMapOvr>
+    <a:masterClrMapping/>
+  </p:clrMapOvr>
+</p:sld>
+</file>
+
+<file path=ppt/slides/slide4.xml><?xml version="1.0" encoding="utf-8"?>
 <p:sld xmlns:a="http://schemas.openxmlformats.org/drawingml/2006/main" xmlns:r="http://schemas.openxmlformats.org/officeDocument/2006/relationships" xmlns:p="http://schemas.openxmlformats.org/presentationml/2006/main">
   <p:cSld>
     <p:bg>
@@ -4358,10 +4234,81 @@
       </p:grpSpPr>
       <p:sp>
         <p:nvSpPr>
-          <p:cNvPr id="4" name="Retângulo 3">
-            <a:extLst>
-              <a:ext uri="{FF2B5EF4-FFF2-40B4-BE49-F238E27FC236}">
-                <a16:creationId xmlns:a16="http://schemas.microsoft.com/office/drawing/2014/main" id="{46A320CC-8399-43A7-A9EC-353ADFF879F1}"/>
+          <p:cNvPr id="3" name="Espaço Reservado para Conteúdo 2">
+            <a:extLst>
+              <a:ext uri="{FF2B5EF4-FFF2-40B4-BE49-F238E27FC236}">
+                <a16:creationId xmlns:a16="http://schemas.microsoft.com/office/drawing/2014/main" id="{B7878023-CB5C-4BA6-A125-F0C5C140C10F}"/>
+              </a:ext>
+            </a:extLst>
+          </p:cNvPr>
+          <p:cNvSpPr>
+            <a:spLocks noGrp="1"/>
+          </p:cNvSpPr>
+          <p:nvPr>
+            <p:ph idx="1"/>
+          </p:nvPr>
+        </p:nvSpPr>
+        <p:spPr>
+          <a:xfrm>
+            <a:off x="838200" y="1825625"/>
+            <a:ext cx="10515600" cy="774700"/>
+          </a:xfrm>
+        </p:spPr>
+        <p:txBody>
+          <a:bodyPr/>
+          <a:lstStyle/>
+          <a:p>
+            <a:pPr marL="0" indent="0">
+              <a:buNone/>
+            </a:pPr>
+            <a:r>
+              <a:rPr lang="pt-BR" dirty="0"/>
+              <a:t>Selecione os números desejados ou nos deixe fazer isso por você ;) </a:t>
+            </a:r>
+          </a:p>
+        </p:txBody>
+      </p:sp>
+      <p:sp>
+        <p:nvSpPr>
+          <p:cNvPr id="4" name="Título 11">
+            <a:extLst>
+              <a:ext uri="{FF2B5EF4-FFF2-40B4-BE49-F238E27FC236}">
+                <a16:creationId xmlns:a16="http://schemas.microsoft.com/office/drawing/2014/main" id="{5D9B0987-B305-460C-94CB-9E30CB779165}"/>
+              </a:ext>
+            </a:extLst>
+          </p:cNvPr>
+          <p:cNvSpPr>
+            <a:spLocks noGrp="1"/>
+          </p:cNvSpPr>
+          <p:nvPr>
+            <p:ph type="title"/>
+          </p:nvPr>
+        </p:nvSpPr>
+        <p:spPr>
+          <a:xfrm>
+            <a:off x="838200" y="365125"/>
+            <a:ext cx="10515600" cy="1325563"/>
+          </a:xfrm>
+        </p:spPr>
+        <p:txBody>
+          <a:bodyPr/>
+          <a:lstStyle/>
+          <a:p>
+            <a:pPr algn="ctr"/>
+            <a:r>
+              <a:rPr lang="pt-BR" dirty="0" err="1"/>
+              <a:t>Lotofácil</a:t>
+            </a:r>
+            <a:endParaRPr lang="pt-BR" dirty="0"/>
+          </a:p>
+        </p:txBody>
+      </p:sp>
+      <p:sp>
+        <p:nvSpPr>
+          <p:cNvPr id="5" name="Elipse 4">
+            <a:extLst>
+              <a:ext uri="{FF2B5EF4-FFF2-40B4-BE49-F238E27FC236}">
+                <a16:creationId xmlns:a16="http://schemas.microsoft.com/office/drawing/2014/main" id="{5269F114-4F3E-41B9-B225-65CF27DD27A4}"/>
               </a:ext>
             </a:extLst>
           </p:cNvPr>
@@ -4370,10 +4317,10 @@
         </p:nvSpPr>
         <p:spPr>
           <a:xfrm>
-            <a:off x="1314450" y="1466850"/>
-            <a:ext cx="2562225" cy="4267200"/>
-          </a:xfrm>
-          <a:prstGeom prst="rect">
+            <a:off x="2124075" y="3186112"/>
+            <a:ext cx="695325" cy="695325"/>
+          </a:xfrm>
+          <a:prstGeom prst="ellipse">
             <a:avLst/>
           </a:prstGeom>
           <a:solidFill>
@@ -4407,6 +4354,394 @@
       </p:sp>
       <p:sp>
         <p:nvSpPr>
+          <p:cNvPr id="6" name="Elipse 5">
+            <a:extLst>
+              <a:ext uri="{FF2B5EF4-FFF2-40B4-BE49-F238E27FC236}">
+                <a16:creationId xmlns:a16="http://schemas.microsoft.com/office/drawing/2014/main" id="{3EC62835-A0CD-4D45-A2A2-366DE1E29C0E}"/>
+              </a:ext>
+            </a:extLst>
+          </p:cNvPr>
+          <p:cNvSpPr/>
+          <p:nvPr/>
+        </p:nvSpPr>
+        <p:spPr>
+          <a:xfrm>
+            <a:off x="5514975" y="3186112"/>
+            <a:ext cx="695325" cy="695325"/>
+          </a:xfrm>
+          <a:prstGeom prst="ellipse">
+            <a:avLst/>
+          </a:prstGeom>
+          <a:solidFill>
+            <a:srgbClr val="FFDB1F"/>
+          </a:solidFill>
+        </p:spPr>
+        <p:style>
+          <a:lnRef idx="2">
+            <a:schemeClr val="accent1">
+              <a:shade val="50000"/>
+            </a:schemeClr>
+          </a:lnRef>
+          <a:fillRef idx="1">
+            <a:schemeClr val="accent1"/>
+          </a:fillRef>
+          <a:effectRef idx="0">
+            <a:schemeClr val="accent1"/>
+          </a:effectRef>
+          <a:fontRef idx="minor">
+            <a:schemeClr val="lt1"/>
+          </a:fontRef>
+        </p:style>
+        <p:txBody>
+          <a:bodyPr rtlCol="0" anchor="ctr"/>
+          <a:lstStyle/>
+          <a:p>
+            <a:pPr algn="ctr"/>
+            <a:endParaRPr lang="pt-BR"/>
+          </a:p>
+        </p:txBody>
+      </p:sp>
+      <p:sp>
+        <p:nvSpPr>
+          <p:cNvPr id="7" name="Elipse 6">
+            <a:extLst>
+              <a:ext uri="{FF2B5EF4-FFF2-40B4-BE49-F238E27FC236}">
+                <a16:creationId xmlns:a16="http://schemas.microsoft.com/office/drawing/2014/main" id="{88958AAE-D806-4D6E-9E9D-9C6D2B7DD26F}"/>
+              </a:ext>
+            </a:extLst>
+          </p:cNvPr>
+          <p:cNvSpPr/>
+          <p:nvPr/>
+        </p:nvSpPr>
+        <p:spPr>
+          <a:xfrm>
+            <a:off x="4667250" y="3171824"/>
+            <a:ext cx="695325" cy="695325"/>
+          </a:xfrm>
+          <a:prstGeom prst="ellipse">
+            <a:avLst/>
+          </a:prstGeom>
+          <a:solidFill>
+            <a:srgbClr val="FFDB1F"/>
+          </a:solidFill>
+        </p:spPr>
+        <p:style>
+          <a:lnRef idx="2">
+            <a:schemeClr val="accent1">
+              <a:shade val="50000"/>
+            </a:schemeClr>
+          </a:lnRef>
+          <a:fillRef idx="1">
+            <a:schemeClr val="accent1"/>
+          </a:fillRef>
+          <a:effectRef idx="0">
+            <a:schemeClr val="accent1"/>
+          </a:effectRef>
+          <a:fontRef idx="minor">
+            <a:schemeClr val="lt1"/>
+          </a:fontRef>
+        </p:style>
+        <p:txBody>
+          <a:bodyPr rtlCol="0" anchor="ctr"/>
+          <a:lstStyle/>
+          <a:p>
+            <a:pPr algn="ctr"/>
+            <a:endParaRPr lang="pt-BR"/>
+          </a:p>
+        </p:txBody>
+      </p:sp>
+      <p:sp>
+        <p:nvSpPr>
+          <p:cNvPr id="8" name="Elipse 7">
+            <a:extLst>
+              <a:ext uri="{FF2B5EF4-FFF2-40B4-BE49-F238E27FC236}">
+                <a16:creationId xmlns:a16="http://schemas.microsoft.com/office/drawing/2014/main" id="{1DC22947-0B33-4BD4-AA9B-5CAE1764572B}"/>
+              </a:ext>
+            </a:extLst>
+          </p:cNvPr>
+          <p:cNvSpPr/>
+          <p:nvPr/>
+        </p:nvSpPr>
+        <p:spPr>
+          <a:xfrm>
+            <a:off x="2971800" y="3186112"/>
+            <a:ext cx="695325" cy="695325"/>
+          </a:xfrm>
+          <a:prstGeom prst="ellipse">
+            <a:avLst/>
+          </a:prstGeom>
+          <a:solidFill>
+            <a:srgbClr val="FFDB1F"/>
+          </a:solidFill>
+        </p:spPr>
+        <p:style>
+          <a:lnRef idx="2">
+            <a:schemeClr val="accent1">
+              <a:shade val="50000"/>
+            </a:schemeClr>
+          </a:lnRef>
+          <a:fillRef idx="1">
+            <a:schemeClr val="accent1"/>
+          </a:fillRef>
+          <a:effectRef idx="0">
+            <a:schemeClr val="accent1"/>
+          </a:effectRef>
+          <a:fontRef idx="minor">
+            <a:schemeClr val="lt1"/>
+          </a:fontRef>
+        </p:style>
+        <p:txBody>
+          <a:bodyPr rtlCol="0" anchor="ctr"/>
+          <a:lstStyle/>
+          <a:p>
+            <a:pPr algn="ctr"/>
+            <a:endParaRPr lang="pt-BR"/>
+          </a:p>
+        </p:txBody>
+      </p:sp>
+      <p:sp>
+        <p:nvSpPr>
+          <p:cNvPr id="9" name="Elipse 8">
+            <a:extLst>
+              <a:ext uri="{FF2B5EF4-FFF2-40B4-BE49-F238E27FC236}">
+                <a16:creationId xmlns:a16="http://schemas.microsoft.com/office/drawing/2014/main" id="{C6FC51A4-05D6-4164-8AE6-A916C24052A6}"/>
+              </a:ext>
+            </a:extLst>
+          </p:cNvPr>
+          <p:cNvSpPr/>
+          <p:nvPr/>
+        </p:nvSpPr>
+        <p:spPr>
+          <a:xfrm>
+            <a:off x="3819525" y="3171825"/>
+            <a:ext cx="695325" cy="695325"/>
+          </a:xfrm>
+          <a:prstGeom prst="ellipse">
+            <a:avLst/>
+          </a:prstGeom>
+          <a:solidFill>
+            <a:srgbClr val="FFDB1F"/>
+          </a:solidFill>
+        </p:spPr>
+        <p:style>
+          <a:lnRef idx="2">
+            <a:schemeClr val="accent1">
+              <a:shade val="50000"/>
+            </a:schemeClr>
+          </a:lnRef>
+          <a:fillRef idx="1">
+            <a:schemeClr val="accent1"/>
+          </a:fillRef>
+          <a:effectRef idx="0">
+            <a:schemeClr val="accent1"/>
+          </a:effectRef>
+          <a:fontRef idx="minor">
+            <a:schemeClr val="lt1"/>
+          </a:fontRef>
+        </p:style>
+        <p:txBody>
+          <a:bodyPr rtlCol="0" anchor="ctr"/>
+          <a:lstStyle/>
+          <a:p>
+            <a:pPr algn="ctr"/>
+            <a:endParaRPr lang="pt-BR"/>
+          </a:p>
+        </p:txBody>
+      </p:sp>
+      <p:sp>
+        <p:nvSpPr>
+          <p:cNvPr id="10" name="CaixaDeTexto 9">
+            <a:extLst>
+              <a:ext uri="{FF2B5EF4-FFF2-40B4-BE49-F238E27FC236}">
+                <a16:creationId xmlns:a16="http://schemas.microsoft.com/office/drawing/2014/main" id="{760D74D3-01E5-4406-93E6-E356CA33254F}"/>
+              </a:ext>
+            </a:extLst>
+          </p:cNvPr>
+          <p:cNvSpPr txBox="1"/>
+          <p:nvPr/>
+        </p:nvSpPr>
+        <p:spPr>
+          <a:xfrm>
+            <a:off x="2276474" y="3314700"/>
+            <a:ext cx="542925" cy="369332"/>
+          </a:xfrm>
+          <a:prstGeom prst="rect">
+            <a:avLst/>
+          </a:prstGeom>
+          <a:noFill/>
+        </p:spPr>
+        <p:txBody>
+          <a:bodyPr wrap="square" rtlCol="0">
+            <a:spAutoFit/>
+          </a:bodyPr>
+          <a:lstStyle/>
+          <a:p>
+            <a:r>
+              <a:rPr lang="pt-BR" dirty="0"/>
+              <a:t>01</a:t>
+            </a:r>
+          </a:p>
+        </p:txBody>
+      </p:sp>
+      <p:sp>
+        <p:nvSpPr>
+          <p:cNvPr id="11" name="CaixaDeTexto 10">
+            <a:extLst>
+              <a:ext uri="{FF2B5EF4-FFF2-40B4-BE49-F238E27FC236}">
+                <a16:creationId xmlns:a16="http://schemas.microsoft.com/office/drawing/2014/main" id="{1FFA325A-73E5-4ACC-BB13-CC7C2F596C4B}"/>
+              </a:ext>
+            </a:extLst>
+          </p:cNvPr>
+          <p:cNvSpPr txBox="1"/>
+          <p:nvPr/>
+        </p:nvSpPr>
+        <p:spPr>
+          <a:xfrm>
+            <a:off x="3148011" y="3319461"/>
+            <a:ext cx="542925" cy="369332"/>
+          </a:xfrm>
+          <a:prstGeom prst="rect">
+            <a:avLst/>
+          </a:prstGeom>
+          <a:noFill/>
+        </p:spPr>
+        <p:txBody>
+          <a:bodyPr wrap="square" rtlCol="0">
+            <a:spAutoFit/>
+          </a:bodyPr>
+          <a:lstStyle/>
+          <a:p>
+            <a:r>
+              <a:rPr lang="pt-BR" dirty="0"/>
+              <a:t>02</a:t>
+            </a:r>
+          </a:p>
+        </p:txBody>
+      </p:sp>
+      <p:sp>
+        <p:nvSpPr>
+          <p:cNvPr id="12" name="CaixaDeTexto 11">
+            <a:extLst>
+              <a:ext uri="{FF2B5EF4-FFF2-40B4-BE49-F238E27FC236}">
+                <a16:creationId xmlns:a16="http://schemas.microsoft.com/office/drawing/2014/main" id="{A63420C3-D2ED-4070-AE19-A025720B6FD6}"/>
+              </a:ext>
+            </a:extLst>
+          </p:cNvPr>
+          <p:cNvSpPr txBox="1"/>
+          <p:nvPr/>
+        </p:nvSpPr>
+        <p:spPr>
+          <a:xfrm>
+            <a:off x="6667499" y="3419475"/>
+            <a:ext cx="542925" cy="369332"/>
+          </a:xfrm>
+          <a:prstGeom prst="rect">
+            <a:avLst/>
+          </a:prstGeom>
+          <a:noFill/>
+        </p:spPr>
+        <p:txBody>
+          <a:bodyPr wrap="square" rtlCol="0">
+            <a:spAutoFit/>
+          </a:bodyPr>
+          <a:lstStyle/>
+          <a:p>
+            <a:r>
+              <a:rPr lang="pt-BR" dirty="0"/>
+              <a:t>....</a:t>
+            </a:r>
+          </a:p>
+        </p:txBody>
+      </p:sp>
+    </p:spTree>
+    <p:extLst>
+      <p:ext uri="{BB962C8B-B14F-4D97-AF65-F5344CB8AC3E}">
+        <p14:creationId xmlns:p14="http://schemas.microsoft.com/office/powerpoint/2010/main" val="868497383"/>
+      </p:ext>
+    </p:extLst>
+  </p:cSld>
+  <p:clrMapOvr>
+    <a:masterClrMapping/>
+  </p:clrMapOvr>
+</p:sld>
+</file>
+
+<file path=ppt/slides/slide5.xml><?xml version="1.0" encoding="utf-8"?>
+<p:sld xmlns:a="http://schemas.openxmlformats.org/drawingml/2006/main" xmlns:r="http://schemas.openxmlformats.org/officeDocument/2006/relationships" xmlns:p="http://schemas.openxmlformats.org/presentationml/2006/main">
+  <p:cSld>
+    <p:bg>
+      <p:bgPr>
+        <a:solidFill>
+          <a:srgbClr val="195D21"/>
+        </a:solidFill>
+        <a:effectLst/>
+      </p:bgPr>
+    </p:bg>
+    <p:spTree>
+      <p:nvGrpSpPr>
+        <p:cNvPr id="1" name=""/>
+        <p:cNvGrpSpPr/>
+        <p:nvPr/>
+      </p:nvGrpSpPr>
+      <p:grpSpPr>
+        <a:xfrm>
+          <a:off x="0" y="0"/>
+          <a:ext cx="0" cy="0"/>
+          <a:chOff x="0" y="0"/>
+          <a:chExt cx="0" cy="0"/>
+        </a:xfrm>
+      </p:grpSpPr>
+      <p:sp>
+        <p:nvSpPr>
+          <p:cNvPr id="4" name="Retângulo 3">
+            <a:extLst>
+              <a:ext uri="{FF2B5EF4-FFF2-40B4-BE49-F238E27FC236}">
+                <a16:creationId xmlns:a16="http://schemas.microsoft.com/office/drawing/2014/main" id="{46A320CC-8399-43A7-A9EC-353ADFF879F1}"/>
+              </a:ext>
+            </a:extLst>
+          </p:cNvPr>
+          <p:cNvSpPr/>
+          <p:nvPr/>
+        </p:nvSpPr>
+        <p:spPr>
+          <a:xfrm>
+            <a:off x="1314450" y="1466850"/>
+            <a:ext cx="2562225" cy="4267200"/>
+          </a:xfrm>
+          <a:prstGeom prst="rect">
+            <a:avLst/>
+          </a:prstGeom>
+          <a:solidFill>
+            <a:srgbClr val="FFDB1F"/>
+          </a:solidFill>
+        </p:spPr>
+        <p:style>
+          <a:lnRef idx="2">
+            <a:schemeClr val="accent1">
+              <a:shade val="50000"/>
+            </a:schemeClr>
+          </a:lnRef>
+          <a:fillRef idx="1">
+            <a:schemeClr val="accent1"/>
+          </a:fillRef>
+          <a:effectRef idx="0">
+            <a:schemeClr val="accent1"/>
+          </a:effectRef>
+          <a:fontRef idx="minor">
+            <a:schemeClr val="lt1"/>
+          </a:fontRef>
+        </p:style>
+        <p:txBody>
+          <a:bodyPr rtlCol="0" anchor="ctr"/>
+          <a:lstStyle/>
+          <a:p>
+            <a:pPr algn="ctr"/>
+            <a:endParaRPr lang="pt-BR"/>
+          </a:p>
+        </p:txBody>
+      </p:sp>
+      <p:sp>
+        <p:nvSpPr>
           <p:cNvPr id="12" name="Título 11">
             <a:extLst>
               <a:ext uri="{FF2B5EF4-FFF2-40B4-BE49-F238E27FC236}">
@@ -4428,12 +4763,8 @@
           <a:p>
             <a:pPr algn="ctr"/>
             <a:r>
-              <a:rPr lang="pt-BR" dirty="0" err="1"/>
-              <a:t>Lotofácil</a:t>
-            </a:r>
-            <a:r>
               <a:rPr lang="pt-BR" dirty="0"/>
-              <a:t> - Pacotes</a:t>
+              <a:t>Pacotes</a:t>
             </a:r>
           </a:p>
         </p:txBody>
@@ -5366,1317 +5697,6 @@
 </p:sld>
 </file>
 
-<file path=ppt/slides/slide4.xml><?xml version="1.0" encoding="utf-8"?>
-<p:sld xmlns:a="http://schemas.openxmlformats.org/drawingml/2006/main" xmlns:r="http://schemas.openxmlformats.org/officeDocument/2006/relationships" xmlns:p="http://schemas.openxmlformats.org/presentationml/2006/main">
-  <p:cSld>
-    <p:bg>
-      <p:bgPr>
-        <a:solidFill>
-          <a:srgbClr val="195D21"/>
-        </a:solidFill>
-        <a:effectLst/>
-      </p:bgPr>
-    </p:bg>
-    <p:spTree>
-      <p:nvGrpSpPr>
-        <p:cNvPr id="1" name=""/>
-        <p:cNvGrpSpPr/>
-        <p:nvPr/>
-      </p:nvGrpSpPr>
-      <p:grpSpPr>
-        <a:xfrm>
-          <a:off x="0" y="0"/>
-          <a:ext cx="0" cy="0"/>
-          <a:chOff x="0" y="0"/>
-          <a:chExt cx="0" cy="0"/>
-        </a:xfrm>
-      </p:grpSpPr>
-      <p:sp>
-        <p:nvSpPr>
-          <p:cNvPr id="12" name="Título 11">
-            <a:extLst>
-              <a:ext uri="{FF2B5EF4-FFF2-40B4-BE49-F238E27FC236}">
-                <a16:creationId xmlns:a16="http://schemas.microsoft.com/office/drawing/2014/main" id="{49753FED-271A-443F-8E8A-30284A906701}"/>
-              </a:ext>
-            </a:extLst>
-          </p:cNvPr>
-          <p:cNvSpPr>
-            <a:spLocks noGrp="1"/>
-          </p:cNvSpPr>
-          <p:nvPr>
-            <p:ph type="title"/>
-          </p:nvPr>
-        </p:nvSpPr>
-        <p:spPr/>
-        <p:txBody>
-          <a:bodyPr/>
-          <a:lstStyle/>
-          <a:p>
-            <a:pPr algn="ctr"/>
-            <a:r>
-              <a:rPr lang="pt-BR" dirty="0" err="1"/>
-              <a:t>Lotofácil</a:t>
-            </a:r>
-            <a:r>
-              <a:rPr lang="pt-BR" dirty="0"/>
-              <a:t> – Jogo personalizado</a:t>
-            </a:r>
-          </a:p>
-        </p:txBody>
-      </p:sp>
-      <p:sp>
-        <p:nvSpPr>
-          <p:cNvPr id="6" name="Retângulo 5">
-            <a:extLst>
-              <a:ext uri="{FF2B5EF4-FFF2-40B4-BE49-F238E27FC236}">
-                <a16:creationId xmlns:a16="http://schemas.microsoft.com/office/drawing/2014/main" id="{D3236DA4-B0A9-4C7E-8453-34013148A9C2}"/>
-              </a:ext>
-            </a:extLst>
-          </p:cNvPr>
-          <p:cNvSpPr/>
-          <p:nvPr/>
-        </p:nvSpPr>
-        <p:spPr>
-          <a:xfrm>
-            <a:off x="1495425" y="2047875"/>
-            <a:ext cx="3409950" cy="571500"/>
-          </a:xfrm>
-          <a:prstGeom prst="rect">
-            <a:avLst/>
-          </a:prstGeom>
-          <a:solidFill>
-            <a:srgbClr val="FFDB1F"/>
-          </a:solidFill>
-        </p:spPr>
-        <p:style>
-          <a:lnRef idx="2">
-            <a:schemeClr val="accent1">
-              <a:shade val="50000"/>
-            </a:schemeClr>
-          </a:lnRef>
-          <a:fillRef idx="1">
-            <a:schemeClr val="accent1"/>
-          </a:fillRef>
-          <a:effectRef idx="0">
-            <a:schemeClr val="accent1"/>
-          </a:effectRef>
-          <a:fontRef idx="minor">
-            <a:schemeClr val="lt1"/>
-          </a:fontRef>
-        </p:style>
-        <p:txBody>
-          <a:bodyPr rtlCol="0" anchor="ctr"/>
-          <a:lstStyle/>
-          <a:p>
-            <a:pPr algn="ctr"/>
-            <a:endParaRPr lang="pt-BR"/>
-          </a:p>
-        </p:txBody>
-      </p:sp>
-      <p:sp>
-        <p:nvSpPr>
-          <p:cNvPr id="7" name="CaixaDeTexto 6">
-            <a:extLst>
-              <a:ext uri="{FF2B5EF4-FFF2-40B4-BE49-F238E27FC236}">
-                <a16:creationId xmlns:a16="http://schemas.microsoft.com/office/drawing/2014/main" id="{F30C9766-83A5-4CCB-8388-248092CC982B}"/>
-              </a:ext>
-            </a:extLst>
-          </p:cNvPr>
-          <p:cNvSpPr txBox="1"/>
-          <p:nvPr/>
-        </p:nvSpPr>
-        <p:spPr>
-          <a:xfrm>
-            <a:off x="1600200" y="2114550"/>
-            <a:ext cx="3152775" cy="369332"/>
-          </a:xfrm>
-          <a:prstGeom prst="rect">
-            <a:avLst/>
-          </a:prstGeom>
-          <a:noFill/>
-        </p:spPr>
-        <p:txBody>
-          <a:bodyPr wrap="square" rtlCol="0">
-            <a:spAutoFit/>
-          </a:bodyPr>
-          <a:lstStyle/>
-          <a:p>
-            <a:r>
-              <a:rPr lang="pt-BR" dirty="0"/>
-              <a:t>Números escolhidos</a:t>
-            </a:r>
-          </a:p>
-        </p:txBody>
-      </p:sp>
-      <p:sp>
-        <p:nvSpPr>
-          <p:cNvPr id="8" name="Retângulo 7">
-            <a:extLst>
-              <a:ext uri="{FF2B5EF4-FFF2-40B4-BE49-F238E27FC236}">
-                <a16:creationId xmlns:a16="http://schemas.microsoft.com/office/drawing/2014/main" id="{D81E2FD5-008E-4B03-AA2A-793C0AD92B91}"/>
-              </a:ext>
-            </a:extLst>
-          </p:cNvPr>
-          <p:cNvSpPr/>
-          <p:nvPr/>
-        </p:nvSpPr>
-        <p:spPr>
-          <a:xfrm>
-            <a:off x="6096000" y="2047875"/>
-            <a:ext cx="1676400" cy="571500"/>
-          </a:xfrm>
-          <a:prstGeom prst="rect">
-            <a:avLst/>
-          </a:prstGeom>
-          <a:solidFill>
-            <a:srgbClr val="FFDB1F"/>
-          </a:solidFill>
-        </p:spPr>
-        <p:style>
-          <a:lnRef idx="2">
-            <a:schemeClr val="accent1">
-              <a:shade val="50000"/>
-            </a:schemeClr>
-          </a:lnRef>
-          <a:fillRef idx="1">
-            <a:schemeClr val="accent1"/>
-          </a:fillRef>
-          <a:effectRef idx="0">
-            <a:schemeClr val="accent1"/>
-          </a:effectRef>
-          <a:fontRef idx="minor">
-            <a:schemeClr val="lt1"/>
-          </a:fontRef>
-        </p:style>
-        <p:txBody>
-          <a:bodyPr rtlCol="0" anchor="ctr"/>
-          <a:lstStyle/>
-          <a:p>
-            <a:pPr algn="ctr"/>
-            <a:endParaRPr lang="pt-BR"/>
-          </a:p>
-        </p:txBody>
-      </p:sp>
-      <p:sp>
-        <p:nvSpPr>
-          <p:cNvPr id="21" name="CaixaDeTexto 20">
-            <a:extLst>
-              <a:ext uri="{FF2B5EF4-FFF2-40B4-BE49-F238E27FC236}">
-                <a16:creationId xmlns:a16="http://schemas.microsoft.com/office/drawing/2014/main" id="{A03D9E83-21A6-4259-ACD3-6076D539CC93}"/>
-              </a:ext>
-            </a:extLst>
-          </p:cNvPr>
-          <p:cNvSpPr txBox="1"/>
-          <p:nvPr/>
-        </p:nvSpPr>
-        <p:spPr>
-          <a:xfrm>
-            <a:off x="6096000" y="2114550"/>
-            <a:ext cx="3152775" cy="369332"/>
-          </a:xfrm>
-          <a:prstGeom prst="rect">
-            <a:avLst/>
-          </a:prstGeom>
-          <a:noFill/>
-        </p:spPr>
-        <p:txBody>
-          <a:bodyPr wrap="square" rtlCol="0">
-            <a:spAutoFit/>
-          </a:bodyPr>
-          <a:lstStyle/>
-          <a:p>
-            <a:r>
-              <a:rPr lang="pt-BR" dirty="0"/>
-              <a:t>5 fichas</a:t>
-            </a:r>
-          </a:p>
-        </p:txBody>
-      </p:sp>
-      <p:sp>
-        <p:nvSpPr>
-          <p:cNvPr id="9" name="CaixaDeTexto 8">
-            <a:extLst>
-              <a:ext uri="{FF2B5EF4-FFF2-40B4-BE49-F238E27FC236}">
-                <a16:creationId xmlns:a16="http://schemas.microsoft.com/office/drawing/2014/main" id="{96671F8C-782E-40F9-9CCB-83280EEDAC6C}"/>
-              </a:ext>
-            </a:extLst>
-          </p:cNvPr>
-          <p:cNvSpPr txBox="1"/>
-          <p:nvPr/>
-        </p:nvSpPr>
-        <p:spPr>
-          <a:xfrm>
-            <a:off x="1838325" y="3228975"/>
-            <a:ext cx="3495675" cy="646331"/>
-          </a:xfrm>
-          <a:prstGeom prst="rect">
-            <a:avLst/>
-          </a:prstGeom>
-          <a:noFill/>
-        </p:spPr>
-        <p:txBody>
-          <a:bodyPr wrap="square" rtlCol="0">
-            <a:spAutoFit/>
-          </a:bodyPr>
-          <a:lstStyle/>
-          <a:p>
-            <a:r>
-              <a:rPr lang="pt-BR" sz="3600" dirty="0"/>
-              <a:t>OU...</a:t>
-            </a:r>
-          </a:p>
-        </p:txBody>
-      </p:sp>
-      <p:sp>
-        <p:nvSpPr>
-          <p:cNvPr id="10" name="Retângulo 9">
-            <a:extLst>
-              <a:ext uri="{FF2B5EF4-FFF2-40B4-BE49-F238E27FC236}">
-                <a16:creationId xmlns:a16="http://schemas.microsoft.com/office/drawing/2014/main" id="{6A924AD9-D51C-4A84-BFA5-BFA54D6D8D7C}"/>
-              </a:ext>
-            </a:extLst>
-          </p:cNvPr>
-          <p:cNvSpPr/>
-          <p:nvPr/>
-        </p:nvSpPr>
-        <p:spPr>
-          <a:xfrm>
-            <a:off x="1600200" y="5029200"/>
-            <a:ext cx="3305175" cy="571500"/>
-          </a:xfrm>
-          <a:prstGeom prst="rect">
-            <a:avLst/>
-          </a:prstGeom>
-          <a:solidFill>
-            <a:srgbClr val="FFDB1F"/>
-          </a:solidFill>
-        </p:spPr>
-        <p:style>
-          <a:lnRef idx="2">
-            <a:schemeClr val="accent1">
-              <a:shade val="50000"/>
-            </a:schemeClr>
-          </a:lnRef>
-          <a:fillRef idx="1">
-            <a:schemeClr val="accent1"/>
-          </a:fillRef>
-          <a:effectRef idx="0">
-            <a:schemeClr val="accent1"/>
-          </a:effectRef>
-          <a:fontRef idx="minor">
-            <a:schemeClr val="lt1"/>
-          </a:fontRef>
-        </p:style>
-        <p:txBody>
-          <a:bodyPr rtlCol="0" anchor="ctr"/>
-          <a:lstStyle/>
-          <a:p>
-            <a:pPr algn="ctr"/>
-            <a:endParaRPr lang="pt-BR" dirty="0"/>
-          </a:p>
-        </p:txBody>
-      </p:sp>
-      <p:sp>
-        <p:nvSpPr>
-          <p:cNvPr id="11" name="CaixaDeTexto 10">
-            <a:extLst>
-              <a:ext uri="{FF2B5EF4-FFF2-40B4-BE49-F238E27FC236}">
-                <a16:creationId xmlns:a16="http://schemas.microsoft.com/office/drawing/2014/main" id="{84A57756-465E-4C5F-9B92-4689000429E8}"/>
-              </a:ext>
-            </a:extLst>
-          </p:cNvPr>
-          <p:cNvSpPr txBox="1"/>
-          <p:nvPr/>
-        </p:nvSpPr>
-        <p:spPr>
-          <a:xfrm>
-            <a:off x="1600200" y="5038725"/>
-            <a:ext cx="3305175" cy="369332"/>
-          </a:xfrm>
-          <a:prstGeom prst="rect">
-            <a:avLst/>
-          </a:prstGeom>
-          <a:noFill/>
-        </p:spPr>
-        <p:txBody>
-          <a:bodyPr wrap="square" rtlCol="0">
-            <a:spAutoFit/>
-          </a:bodyPr>
-          <a:lstStyle/>
-          <a:p>
-            <a:r>
-              <a:rPr lang="pt-BR" dirty="0"/>
-              <a:t>Gerar jogo aleatório</a:t>
-            </a:r>
-          </a:p>
-        </p:txBody>
-      </p:sp>
-      <p:sp>
-        <p:nvSpPr>
-          <p:cNvPr id="25" name="Retângulo 24">
-            <a:extLst>
-              <a:ext uri="{FF2B5EF4-FFF2-40B4-BE49-F238E27FC236}">
-                <a16:creationId xmlns:a16="http://schemas.microsoft.com/office/drawing/2014/main" id="{E5AE3AC5-B25C-4E75-ACB6-49F5EB4D0710}"/>
-              </a:ext>
-            </a:extLst>
-          </p:cNvPr>
-          <p:cNvSpPr/>
-          <p:nvPr/>
-        </p:nvSpPr>
-        <p:spPr>
-          <a:xfrm>
-            <a:off x="6096000" y="5038725"/>
-            <a:ext cx="1676400" cy="571500"/>
-          </a:xfrm>
-          <a:prstGeom prst="rect">
-            <a:avLst/>
-          </a:prstGeom>
-          <a:solidFill>
-            <a:srgbClr val="FFDB1F"/>
-          </a:solidFill>
-        </p:spPr>
-        <p:style>
-          <a:lnRef idx="2">
-            <a:schemeClr val="accent1">
-              <a:shade val="50000"/>
-            </a:schemeClr>
-          </a:lnRef>
-          <a:fillRef idx="1">
-            <a:schemeClr val="accent1"/>
-          </a:fillRef>
-          <a:effectRef idx="0">
-            <a:schemeClr val="accent1"/>
-          </a:effectRef>
-          <a:fontRef idx="minor">
-            <a:schemeClr val="lt1"/>
-          </a:fontRef>
-        </p:style>
-        <p:txBody>
-          <a:bodyPr rtlCol="0" anchor="ctr"/>
-          <a:lstStyle/>
-          <a:p>
-            <a:pPr algn="ctr"/>
-            <a:endParaRPr lang="pt-BR"/>
-          </a:p>
-        </p:txBody>
-      </p:sp>
-      <p:sp>
-        <p:nvSpPr>
-          <p:cNvPr id="27" name="CaixaDeTexto 26">
-            <a:extLst>
-              <a:ext uri="{FF2B5EF4-FFF2-40B4-BE49-F238E27FC236}">
-                <a16:creationId xmlns:a16="http://schemas.microsoft.com/office/drawing/2014/main" id="{280566E2-8FAC-4AEF-A36D-E561EBB3E733}"/>
-              </a:ext>
-            </a:extLst>
-          </p:cNvPr>
-          <p:cNvSpPr txBox="1"/>
-          <p:nvPr/>
-        </p:nvSpPr>
-        <p:spPr>
-          <a:xfrm>
-            <a:off x="6096000" y="5130284"/>
-            <a:ext cx="3152775" cy="369332"/>
-          </a:xfrm>
-          <a:prstGeom prst="rect">
-            <a:avLst/>
-          </a:prstGeom>
-          <a:noFill/>
-        </p:spPr>
-        <p:txBody>
-          <a:bodyPr wrap="square" rtlCol="0">
-            <a:spAutoFit/>
-          </a:bodyPr>
-          <a:lstStyle/>
-          <a:p>
-            <a:r>
-              <a:rPr lang="pt-BR" dirty="0"/>
-              <a:t>5 fichas</a:t>
-            </a:r>
-          </a:p>
-        </p:txBody>
-      </p:sp>
-    </p:spTree>
-    <p:extLst>
-      <p:ext uri="{BB962C8B-B14F-4D97-AF65-F5344CB8AC3E}">
-        <p14:creationId xmlns:p14="http://schemas.microsoft.com/office/powerpoint/2010/main" val="1955845232"/>
-      </p:ext>
-    </p:extLst>
-  </p:cSld>
-  <p:clrMapOvr>
-    <a:masterClrMapping/>
-  </p:clrMapOvr>
-</p:sld>
-</file>
-
-<file path=ppt/slides/slide5.xml><?xml version="1.0" encoding="utf-8"?>
-<p:sld xmlns:a="http://schemas.openxmlformats.org/drawingml/2006/main" xmlns:r="http://schemas.openxmlformats.org/officeDocument/2006/relationships" xmlns:p="http://schemas.openxmlformats.org/presentationml/2006/main">
-  <p:cSld>
-    <p:bg>
-      <p:bgPr>
-        <a:solidFill>
-          <a:srgbClr val="195D21"/>
-        </a:solidFill>
-        <a:effectLst/>
-      </p:bgPr>
-    </p:bg>
-    <p:spTree>
-      <p:nvGrpSpPr>
-        <p:cNvPr id="1" name=""/>
-        <p:cNvGrpSpPr/>
-        <p:nvPr/>
-      </p:nvGrpSpPr>
-      <p:grpSpPr>
-        <a:xfrm>
-          <a:off x="0" y="0"/>
-          <a:ext cx="0" cy="0"/>
-          <a:chOff x="0" y="0"/>
-          <a:chExt cx="0" cy="0"/>
-        </a:xfrm>
-      </p:grpSpPr>
-      <p:sp>
-        <p:nvSpPr>
-          <p:cNvPr id="32" name="Texto Explicativo: Linha Dobrada 31">
-            <a:extLst>
-              <a:ext uri="{FF2B5EF4-FFF2-40B4-BE49-F238E27FC236}">
-                <a16:creationId xmlns:a16="http://schemas.microsoft.com/office/drawing/2014/main" id="{F65CFBC8-C3DE-4E39-BF7E-C9ECBAAE5DB6}"/>
-              </a:ext>
-            </a:extLst>
-          </p:cNvPr>
-          <p:cNvSpPr/>
-          <p:nvPr/>
-        </p:nvSpPr>
-        <p:spPr>
-          <a:xfrm>
-            <a:off x="7531894" y="4509612"/>
-            <a:ext cx="2774156" cy="1477328"/>
-          </a:xfrm>
-          <a:prstGeom prst="borderCallout2">
-            <a:avLst>
-              <a:gd name="adj1" fmla="val 18750"/>
-              <a:gd name="adj2" fmla="val -8333"/>
-              <a:gd name="adj3" fmla="val 18750"/>
-              <a:gd name="adj4" fmla="val -16667"/>
-              <a:gd name="adj5" fmla="val 89934"/>
-              <a:gd name="adj6" fmla="val -36710"/>
-            </a:avLst>
-          </a:prstGeom>
-          <a:solidFill>
-            <a:schemeClr val="bg1"/>
-          </a:solidFill>
-          <a:ln>
-            <a:solidFill>
-              <a:schemeClr val="bg1"/>
-            </a:solidFill>
-          </a:ln>
-        </p:spPr>
-        <p:style>
-          <a:lnRef idx="2">
-            <a:schemeClr val="accent1">
-              <a:shade val="50000"/>
-            </a:schemeClr>
-          </a:lnRef>
-          <a:fillRef idx="1">
-            <a:schemeClr val="accent1"/>
-          </a:fillRef>
-          <a:effectRef idx="0">
-            <a:schemeClr val="accent1"/>
-          </a:effectRef>
-          <a:fontRef idx="minor">
-            <a:schemeClr val="lt1"/>
-          </a:fontRef>
-        </p:style>
-        <p:txBody>
-          <a:bodyPr rtlCol="0" anchor="ctr"/>
-          <a:lstStyle/>
-          <a:p>
-            <a:pPr algn="ctr"/>
-            <a:endParaRPr lang="pt-BR"/>
-          </a:p>
-        </p:txBody>
-      </p:sp>
-      <p:sp>
-        <p:nvSpPr>
-          <p:cNvPr id="12" name="Título 11">
-            <a:extLst>
-              <a:ext uri="{FF2B5EF4-FFF2-40B4-BE49-F238E27FC236}">
-                <a16:creationId xmlns:a16="http://schemas.microsoft.com/office/drawing/2014/main" id="{49753FED-271A-443F-8E8A-30284A906701}"/>
-              </a:ext>
-            </a:extLst>
-          </p:cNvPr>
-          <p:cNvSpPr>
-            <a:spLocks noGrp="1"/>
-          </p:cNvSpPr>
-          <p:nvPr>
-            <p:ph type="title"/>
-          </p:nvPr>
-        </p:nvSpPr>
-        <p:spPr>
-          <a:xfrm>
-            <a:off x="-204787" y="211099"/>
-            <a:ext cx="12601574" cy="984508"/>
-          </a:xfrm>
-        </p:spPr>
-        <p:txBody>
-          <a:bodyPr>
-            <a:normAutofit/>
-          </a:bodyPr>
-          <a:lstStyle/>
-          <a:p>
-            <a:pPr algn="ctr"/>
-            <a:r>
-              <a:rPr lang="pt-BR" sz="3600" dirty="0" err="1"/>
-              <a:t>Lotofácil</a:t>
-            </a:r>
-            <a:r>
-              <a:rPr lang="pt-BR" sz="3600" dirty="0"/>
-              <a:t> (logado) – Se clicar para comprar o pacote básico</a:t>
-            </a:r>
-          </a:p>
-        </p:txBody>
-      </p:sp>
-      <p:sp>
-        <p:nvSpPr>
-          <p:cNvPr id="6" name="Retângulo 5">
-            <a:extLst>
-              <a:ext uri="{FF2B5EF4-FFF2-40B4-BE49-F238E27FC236}">
-                <a16:creationId xmlns:a16="http://schemas.microsoft.com/office/drawing/2014/main" id="{D3236DA4-B0A9-4C7E-8453-34013148A9C2}"/>
-              </a:ext>
-            </a:extLst>
-          </p:cNvPr>
-          <p:cNvSpPr/>
-          <p:nvPr/>
-        </p:nvSpPr>
-        <p:spPr>
-          <a:xfrm>
-            <a:off x="1495425" y="2047875"/>
-            <a:ext cx="3409950" cy="571500"/>
-          </a:xfrm>
-          <a:prstGeom prst="rect">
-            <a:avLst/>
-          </a:prstGeom>
-          <a:solidFill>
-            <a:srgbClr val="FFDB1F"/>
-          </a:solidFill>
-        </p:spPr>
-        <p:style>
-          <a:lnRef idx="2">
-            <a:schemeClr val="accent1">
-              <a:shade val="50000"/>
-            </a:schemeClr>
-          </a:lnRef>
-          <a:fillRef idx="1">
-            <a:schemeClr val="accent1"/>
-          </a:fillRef>
-          <a:effectRef idx="0">
-            <a:schemeClr val="accent1"/>
-          </a:effectRef>
-          <a:fontRef idx="minor">
-            <a:schemeClr val="lt1"/>
-          </a:fontRef>
-        </p:style>
-        <p:txBody>
-          <a:bodyPr rtlCol="0" anchor="ctr"/>
-          <a:lstStyle/>
-          <a:p>
-            <a:pPr algn="ctr"/>
-            <a:endParaRPr lang="pt-BR"/>
-          </a:p>
-        </p:txBody>
-      </p:sp>
-      <p:sp>
-        <p:nvSpPr>
-          <p:cNvPr id="7" name="CaixaDeTexto 6">
-            <a:extLst>
-              <a:ext uri="{FF2B5EF4-FFF2-40B4-BE49-F238E27FC236}">
-                <a16:creationId xmlns:a16="http://schemas.microsoft.com/office/drawing/2014/main" id="{F30C9766-83A5-4CCB-8388-248092CC982B}"/>
-              </a:ext>
-            </a:extLst>
-          </p:cNvPr>
-          <p:cNvSpPr txBox="1"/>
-          <p:nvPr/>
-        </p:nvSpPr>
-        <p:spPr>
-          <a:xfrm>
-            <a:off x="1600200" y="2114550"/>
-            <a:ext cx="3152775" cy="369332"/>
-          </a:xfrm>
-          <a:prstGeom prst="rect">
-            <a:avLst/>
-          </a:prstGeom>
-          <a:noFill/>
-        </p:spPr>
-        <p:txBody>
-          <a:bodyPr wrap="square" rtlCol="0">
-            <a:spAutoFit/>
-          </a:bodyPr>
-          <a:lstStyle/>
-          <a:p>
-            <a:r>
-              <a:rPr lang="pt-BR" dirty="0"/>
-              <a:t>Números escolhidos na pg. 1</a:t>
-            </a:r>
-          </a:p>
-        </p:txBody>
-      </p:sp>
-      <p:sp>
-        <p:nvSpPr>
-          <p:cNvPr id="8" name="Retângulo 7">
-            <a:extLst>
-              <a:ext uri="{FF2B5EF4-FFF2-40B4-BE49-F238E27FC236}">
-                <a16:creationId xmlns:a16="http://schemas.microsoft.com/office/drawing/2014/main" id="{D81E2FD5-008E-4B03-AA2A-793C0AD92B91}"/>
-              </a:ext>
-            </a:extLst>
-          </p:cNvPr>
-          <p:cNvSpPr/>
-          <p:nvPr/>
-        </p:nvSpPr>
-        <p:spPr>
-          <a:xfrm>
-            <a:off x="6096000" y="2047875"/>
-            <a:ext cx="1771650" cy="571500"/>
-          </a:xfrm>
-          <a:prstGeom prst="rect">
-            <a:avLst/>
-          </a:prstGeom>
-          <a:solidFill>
-            <a:srgbClr val="FFDB1F"/>
-          </a:solidFill>
-        </p:spPr>
-        <p:style>
-          <a:lnRef idx="2">
-            <a:schemeClr val="accent1">
-              <a:shade val="50000"/>
-            </a:schemeClr>
-          </a:lnRef>
-          <a:fillRef idx="1">
-            <a:schemeClr val="accent1"/>
-          </a:fillRef>
-          <a:effectRef idx="0">
-            <a:schemeClr val="accent1"/>
-          </a:effectRef>
-          <a:fontRef idx="minor">
-            <a:schemeClr val="lt1"/>
-          </a:fontRef>
-        </p:style>
-        <p:txBody>
-          <a:bodyPr rtlCol="0" anchor="ctr"/>
-          <a:lstStyle/>
-          <a:p>
-            <a:pPr algn="ctr"/>
-            <a:endParaRPr lang="pt-BR"/>
-          </a:p>
-        </p:txBody>
-      </p:sp>
-      <p:sp>
-        <p:nvSpPr>
-          <p:cNvPr id="21" name="CaixaDeTexto 20">
-            <a:extLst>
-              <a:ext uri="{FF2B5EF4-FFF2-40B4-BE49-F238E27FC236}">
-                <a16:creationId xmlns:a16="http://schemas.microsoft.com/office/drawing/2014/main" id="{A03D9E83-21A6-4259-ACD3-6076D539CC93}"/>
-              </a:ext>
-            </a:extLst>
-          </p:cNvPr>
-          <p:cNvSpPr txBox="1"/>
-          <p:nvPr/>
-        </p:nvSpPr>
-        <p:spPr>
-          <a:xfrm>
-            <a:off x="6096000" y="2114550"/>
-            <a:ext cx="1895475" cy="369332"/>
-          </a:xfrm>
-          <a:prstGeom prst="rect">
-            <a:avLst/>
-          </a:prstGeom>
-          <a:noFill/>
-        </p:spPr>
-        <p:txBody>
-          <a:bodyPr wrap="square" rtlCol="0">
-            <a:spAutoFit/>
-          </a:bodyPr>
-          <a:lstStyle/>
-          <a:p>
-            <a:r>
-              <a:rPr lang="pt-BR" dirty="0"/>
-              <a:t>Completar</a:t>
-            </a:r>
-          </a:p>
-        </p:txBody>
-      </p:sp>
-      <p:sp>
-        <p:nvSpPr>
-          <p:cNvPr id="13" name="Retângulo 12">
-            <a:extLst>
-              <a:ext uri="{FF2B5EF4-FFF2-40B4-BE49-F238E27FC236}">
-                <a16:creationId xmlns:a16="http://schemas.microsoft.com/office/drawing/2014/main" id="{47365BB6-5770-4525-972C-22909A13CD14}"/>
-              </a:ext>
-            </a:extLst>
-          </p:cNvPr>
-          <p:cNvSpPr/>
-          <p:nvPr/>
-        </p:nvSpPr>
-        <p:spPr>
-          <a:xfrm>
-            <a:off x="1495425" y="2735818"/>
-            <a:ext cx="3409950" cy="571500"/>
-          </a:xfrm>
-          <a:prstGeom prst="rect">
-            <a:avLst/>
-          </a:prstGeom>
-          <a:solidFill>
-            <a:srgbClr val="FFDB1F"/>
-          </a:solidFill>
-        </p:spPr>
-        <p:style>
-          <a:lnRef idx="2">
-            <a:schemeClr val="accent1">
-              <a:shade val="50000"/>
-            </a:schemeClr>
-          </a:lnRef>
-          <a:fillRef idx="1">
-            <a:schemeClr val="accent1"/>
-          </a:fillRef>
-          <a:effectRef idx="0">
-            <a:schemeClr val="accent1"/>
-          </a:effectRef>
-          <a:fontRef idx="minor">
-            <a:schemeClr val="lt1"/>
-          </a:fontRef>
-        </p:style>
-        <p:txBody>
-          <a:bodyPr rtlCol="0" anchor="ctr"/>
-          <a:lstStyle/>
-          <a:p>
-            <a:pPr algn="ctr"/>
-            <a:endParaRPr lang="pt-BR"/>
-          </a:p>
-        </p:txBody>
-      </p:sp>
-      <p:sp>
-        <p:nvSpPr>
-          <p:cNvPr id="14" name="CaixaDeTexto 13">
-            <a:extLst>
-              <a:ext uri="{FF2B5EF4-FFF2-40B4-BE49-F238E27FC236}">
-                <a16:creationId xmlns:a16="http://schemas.microsoft.com/office/drawing/2014/main" id="{4D5865DA-F048-4A27-9F16-20749C9D685E}"/>
-              </a:ext>
-            </a:extLst>
-          </p:cNvPr>
-          <p:cNvSpPr txBox="1"/>
-          <p:nvPr/>
-        </p:nvSpPr>
-        <p:spPr>
-          <a:xfrm>
-            <a:off x="1600199" y="2836902"/>
-            <a:ext cx="3152775" cy="369332"/>
-          </a:xfrm>
-          <a:prstGeom prst="rect">
-            <a:avLst/>
-          </a:prstGeom>
-          <a:noFill/>
-        </p:spPr>
-        <p:txBody>
-          <a:bodyPr wrap="square" rtlCol="0">
-            <a:spAutoFit/>
-          </a:bodyPr>
-          <a:lstStyle/>
-          <a:p>
-            <a:r>
-              <a:rPr lang="pt-BR" dirty="0"/>
-              <a:t>Números escolhidos</a:t>
-            </a:r>
-          </a:p>
-        </p:txBody>
-      </p:sp>
-      <p:sp>
-        <p:nvSpPr>
-          <p:cNvPr id="15" name="Retângulo 14">
-            <a:extLst>
-              <a:ext uri="{FF2B5EF4-FFF2-40B4-BE49-F238E27FC236}">
-                <a16:creationId xmlns:a16="http://schemas.microsoft.com/office/drawing/2014/main" id="{8DC289AC-EFF8-4DBE-B811-0CDEB9CDE008}"/>
-              </a:ext>
-            </a:extLst>
-          </p:cNvPr>
-          <p:cNvSpPr/>
-          <p:nvPr/>
-        </p:nvSpPr>
-        <p:spPr>
-          <a:xfrm>
-            <a:off x="6086477" y="2733675"/>
-            <a:ext cx="1771650" cy="571500"/>
-          </a:xfrm>
-          <a:prstGeom prst="rect">
-            <a:avLst/>
-          </a:prstGeom>
-          <a:solidFill>
-            <a:srgbClr val="FFDB1F"/>
-          </a:solidFill>
-        </p:spPr>
-        <p:style>
-          <a:lnRef idx="2">
-            <a:schemeClr val="accent1">
-              <a:shade val="50000"/>
-            </a:schemeClr>
-          </a:lnRef>
-          <a:fillRef idx="1">
-            <a:schemeClr val="accent1"/>
-          </a:fillRef>
-          <a:effectRef idx="0">
-            <a:schemeClr val="accent1"/>
-          </a:effectRef>
-          <a:fontRef idx="minor">
-            <a:schemeClr val="lt1"/>
-          </a:fontRef>
-        </p:style>
-        <p:txBody>
-          <a:bodyPr rtlCol="0" anchor="ctr"/>
-          <a:lstStyle/>
-          <a:p>
-            <a:pPr algn="ctr"/>
-            <a:endParaRPr lang="pt-BR"/>
-          </a:p>
-        </p:txBody>
-      </p:sp>
-      <p:sp>
-        <p:nvSpPr>
-          <p:cNvPr id="17" name="CaixaDeTexto 16">
-            <a:extLst>
-              <a:ext uri="{FF2B5EF4-FFF2-40B4-BE49-F238E27FC236}">
-                <a16:creationId xmlns:a16="http://schemas.microsoft.com/office/drawing/2014/main" id="{72FC20B1-1FB1-4E95-BB5D-459D58D1D942}"/>
-              </a:ext>
-            </a:extLst>
-          </p:cNvPr>
-          <p:cNvSpPr txBox="1"/>
-          <p:nvPr/>
-        </p:nvSpPr>
-        <p:spPr>
-          <a:xfrm>
-            <a:off x="6096000" y="2834759"/>
-            <a:ext cx="1895475" cy="369332"/>
-          </a:xfrm>
-          <a:prstGeom prst="rect">
-            <a:avLst/>
-          </a:prstGeom>
-          <a:noFill/>
-        </p:spPr>
-        <p:txBody>
-          <a:bodyPr wrap="square" rtlCol="0">
-            <a:spAutoFit/>
-          </a:bodyPr>
-          <a:lstStyle/>
-          <a:p>
-            <a:r>
-              <a:rPr lang="pt-BR" dirty="0"/>
-              <a:t>Completar</a:t>
-            </a:r>
-          </a:p>
-        </p:txBody>
-      </p:sp>
-      <p:sp>
-        <p:nvSpPr>
-          <p:cNvPr id="18" name="Retângulo 17">
-            <a:extLst>
-              <a:ext uri="{FF2B5EF4-FFF2-40B4-BE49-F238E27FC236}">
-                <a16:creationId xmlns:a16="http://schemas.microsoft.com/office/drawing/2014/main" id="{99153152-831E-4907-BF19-CDE90C72D150}"/>
-              </a:ext>
-            </a:extLst>
-          </p:cNvPr>
-          <p:cNvSpPr/>
-          <p:nvPr/>
-        </p:nvSpPr>
-        <p:spPr>
-          <a:xfrm>
-            <a:off x="6086477" y="1303080"/>
-            <a:ext cx="1771650" cy="571500"/>
-          </a:xfrm>
-          <a:prstGeom prst="rect">
-            <a:avLst/>
-          </a:prstGeom>
-          <a:solidFill>
-            <a:srgbClr val="FFDB1F"/>
-          </a:solidFill>
-        </p:spPr>
-        <p:style>
-          <a:lnRef idx="2">
-            <a:schemeClr val="accent1">
-              <a:shade val="50000"/>
-            </a:schemeClr>
-          </a:lnRef>
-          <a:fillRef idx="1">
-            <a:schemeClr val="accent1"/>
-          </a:fillRef>
-          <a:effectRef idx="0">
-            <a:schemeClr val="accent1"/>
-          </a:effectRef>
-          <a:fontRef idx="minor">
-            <a:schemeClr val="lt1"/>
-          </a:fontRef>
-        </p:style>
-        <p:txBody>
-          <a:bodyPr rtlCol="0" anchor="ctr"/>
-          <a:lstStyle/>
-          <a:p>
-            <a:pPr algn="ctr"/>
-            <a:endParaRPr lang="pt-BR"/>
-          </a:p>
-        </p:txBody>
-      </p:sp>
-      <p:sp>
-        <p:nvSpPr>
-          <p:cNvPr id="19" name="CaixaDeTexto 18">
-            <a:extLst>
-              <a:ext uri="{FF2B5EF4-FFF2-40B4-BE49-F238E27FC236}">
-                <a16:creationId xmlns:a16="http://schemas.microsoft.com/office/drawing/2014/main" id="{6AEC2F01-3B08-42C3-AEB6-8DE01A56E721}"/>
-              </a:ext>
-            </a:extLst>
-          </p:cNvPr>
-          <p:cNvSpPr txBox="1"/>
-          <p:nvPr/>
-        </p:nvSpPr>
-        <p:spPr>
-          <a:xfrm>
-            <a:off x="6096000" y="1394341"/>
-            <a:ext cx="1895475" cy="369332"/>
-          </a:xfrm>
-          <a:prstGeom prst="rect">
-            <a:avLst/>
-          </a:prstGeom>
-          <a:noFill/>
-        </p:spPr>
-        <p:txBody>
-          <a:bodyPr wrap="square" rtlCol="0">
-            <a:spAutoFit/>
-          </a:bodyPr>
-          <a:lstStyle/>
-          <a:p>
-            <a:r>
-              <a:rPr lang="pt-BR" dirty="0"/>
-              <a:t>Completar Todos</a:t>
-            </a:r>
-          </a:p>
-        </p:txBody>
-      </p:sp>
-      <p:sp>
-        <p:nvSpPr>
-          <p:cNvPr id="20" name="Retângulo 19">
-            <a:extLst>
-              <a:ext uri="{FF2B5EF4-FFF2-40B4-BE49-F238E27FC236}">
-                <a16:creationId xmlns:a16="http://schemas.microsoft.com/office/drawing/2014/main" id="{0A4397C1-2DCE-48BF-83D2-73D4C6B41FBA}"/>
-              </a:ext>
-            </a:extLst>
-          </p:cNvPr>
-          <p:cNvSpPr/>
-          <p:nvPr/>
-        </p:nvSpPr>
-        <p:spPr>
-          <a:xfrm>
-            <a:off x="4660106" y="5554920"/>
-            <a:ext cx="2871788" cy="758825"/>
-          </a:xfrm>
-          <a:prstGeom prst="rect">
-            <a:avLst/>
-          </a:prstGeom>
-          <a:solidFill>
-            <a:srgbClr val="FFDB1F"/>
-          </a:solidFill>
-        </p:spPr>
-        <p:style>
-          <a:lnRef idx="2">
-            <a:schemeClr val="accent1">
-              <a:shade val="50000"/>
-            </a:schemeClr>
-          </a:lnRef>
-          <a:fillRef idx="1">
-            <a:schemeClr val="accent1"/>
-          </a:fillRef>
-          <a:effectRef idx="0">
-            <a:schemeClr val="accent1"/>
-          </a:effectRef>
-          <a:fontRef idx="minor">
-            <a:schemeClr val="lt1"/>
-          </a:fontRef>
-        </p:style>
-        <p:txBody>
-          <a:bodyPr rtlCol="0" anchor="ctr"/>
-          <a:lstStyle/>
-          <a:p>
-            <a:pPr algn="ctr"/>
-            <a:endParaRPr lang="pt-BR"/>
-          </a:p>
-        </p:txBody>
-      </p:sp>
-      <p:sp>
-        <p:nvSpPr>
-          <p:cNvPr id="22" name="CaixaDeTexto 21">
-            <a:extLst>
-              <a:ext uri="{FF2B5EF4-FFF2-40B4-BE49-F238E27FC236}">
-                <a16:creationId xmlns:a16="http://schemas.microsoft.com/office/drawing/2014/main" id="{EFC456DD-5C51-4F7A-8C97-8ECA8BE0F134}"/>
-              </a:ext>
-            </a:extLst>
-          </p:cNvPr>
-          <p:cNvSpPr txBox="1"/>
-          <p:nvPr/>
-        </p:nvSpPr>
-        <p:spPr>
-          <a:xfrm>
-            <a:off x="4973837" y="5789830"/>
-            <a:ext cx="2244326" cy="369332"/>
-          </a:xfrm>
-          <a:prstGeom prst="rect">
-            <a:avLst/>
-          </a:prstGeom>
-          <a:noFill/>
-        </p:spPr>
-        <p:txBody>
-          <a:bodyPr wrap="square" rtlCol="0">
-            <a:spAutoFit/>
-          </a:bodyPr>
-          <a:lstStyle/>
-          <a:p>
-            <a:pPr algn="ctr"/>
-            <a:r>
-              <a:rPr lang="pt-BR" dirty="0"/>
-              <a:t>30 fichas</a:t>
-            </a:r>
-          </a:p>
-        </p:txBody>
-      </p:sp>
-      <p:sp>
-        <p:nvSpPr>
-          <p:cNvPr id="2" name="CaixaDeTexto 1">
-            <a:extLst>
-              <a:ext uri="{FF2B5EF4-FFF2-40B4-BE49-F238E27FC236}">
-                <a16:creationId xmlns:a16="http://schemas.microsoft.com/office/drawing/2014/main" id="{B7C6FA99-E5EE-414E-A9CC-B0C48C48E7C5}"/>
-              </a:ext>
-            </a:extLst>
-          </p:cNvPr>
-          <p:cNvSpPr txBox="1"/>
-          <p:nvPr/>
-        </p:nvSpPr>
-        <p:spPr>
-          <a:xfrm>
-            <a:off x="3695699" y="3429000"/>
-            <a:ext cx="866775" cy="1200329"/>
-          </a:xfrm>
-          <a:prstGeom prst="rect">
-            <a:avLst/>
-          </a:prstGeom>
-          <a:noFill/>
-        </p:spPr>
-        <p:txBody>
-          <a:bodyPr wrap="square" rtlCol="0">
-            <a:spAutoFit/>
-          </a:bodyPr>
-          <a:lstStyle/>
-          <a:p>
-            <a:r>
-              <a:rPr lang="pt-BR" dirty="0"/>
-              <a:t>.</a:t>
-            </a:r>
-          </a:p>
-          <a:p>
-            <a:r>
-              <a:rPr lang="pt-BR" dirty="0"/>
-              <a:t>.</a:t>
-            </a:r>
-          </a:p>
-          <a:p>
-            <a:r>
-              <a:rPr lang="pt-BR" dirty="0"/>
-              <a:t>.</a:t>
-            </a:r>
-          </a:p>
-          <a:p>
-            <a:r>
-              <a:rPr lang="pt-BR" dirty="0"/>
-              <a:t>Até 10</a:t>
-            </a:r>
-          </a:p>
-        </p:txBody>
-      </p:sp>
-      <p:sp>
-        <p:nvSpPr>
-          <p:cNvPr id="23" name="CaixaDeTexto 22">
-            <a:extLst>
-              <a:ext uri="{FF2B5EF4-FFF2-40B4-BE49-F238E27FC236}">
-                <a16:creationId xmlns:a16="http://schemas.microsoft.com/office/drawing/2014/main" id="{56F542F3-1DEE-4388-9F1E-2AFF069FB852}"/>
-              </a:ext>
-            </a:extLst>
-          </p:cNvPr>
-          <p:cNvSpPr txBox="1"/>
-          <p:nvPr/>
-        </p:nvSpPr>
-        <p:spPr>
-          <a:xfrm>
-            <a:off x="6610349" y="3429000"/>
-            <a:ext cx="866775" cy="1200329"/>
-          </a:xfrm>
-          <a:prstGeom prst="rect">
-            <a:avLst/>
-          </a:prstGeom>
-          <a:noFill/>
-        </p:spPr>
-        <p:txBody>
-          <a:bodyPr wrap="square" rtlCol="0">
-            <a:spAutoFit/>
-          </a:bodyPr>
-          <a:lstStyle/>
-          <a:p>
-            <a:r>
-              <a:rPr lang="pt-BR" dirty="0"/>
-              <a:t>.</a:t>
-            </a:r>
-          </a:p>
-          <a:p>
-            <a:r>
-              <a:rPr lang="pt-BR" dirty="0"/>
-              <a:t>.</a:t>
-            </a:r>
-          </a:p>
-          <a:p>
-            <a:r>
-              <a:rPr lang="pt-BR" dirty="0"/>
-              <a:t>.</a:t>
-            </a:r>
-          </a:p>
-          <a:p>
-            <a:r>
-              <a:rPr lang="pt-BR" dirty="0"/>
-              <a:t>Até 10</a:t>
-            </a:r>
-          </a:p>
-        </p:txBody>
-      </p:sp>
-      <p:sp>
-        <p:nvSpPr>
-          <p:cNvPr id="24" name="Retângulo 23">
-            <a:extLst>
-              <a:ext uri="{FF2B5EF4-FFF2-40B4-BE49-F238E27FC236}">
-                <a16:creationId xmlns:a16="http://schemas.microsoft.com/office/drawing/2014/main" id="{34DD3EAF-1B23-4AC4-AEE3-21969AC6271A}"/>
-              </a:ext>
-            </a:extLst>
-          </p:cNvPr>
-          <p:cNvSpPr/>
-          <p:nvPr/>
-        </p:nvSpPr>
-        <p:spPr>
-          <a:xfrm>
-            <a:off x="1495425" y="1310760"/>
-            <a:ext cx="3409950" cy="571500"/>
-          </a:xfrm>
-          <a:prstGeom prst="rect">
-            <a:avLst/>
-          </a:prstGeom>
-          <a:solidFill>
-            <a:srgbClr val="FFDB1F"/>
-          </a:solidFill>
-        </p:spPr>
-        <p:style>
-          <a:lnRef idx="2">
-            <a:schemeClr val="accent1">
-              <a:shade val="50000"/>
-            </a:schemeClr>
-          </a:lnRef>
-          <a:fillRef idx="1">
-            <a:schemeClr val="accent1"/>
-          </a:fillRef>
-          <a:effectRef idx="0">
-            <a:schemeClr val="accent1"/>
-          </a:effectRef>
-          <a:fontRef idx="minor">
-            <a:schemeClr val="lt1"/>
-          </a:fontRef>
-        </p:style>
-        <p:txBody>
-          <a:bodyPr rtlCol="0" anchor="ctr"/>
-          <a:lstStyle/>
-          <a:p>
-            <a:pPr algn="ctr"/>
-            <a:endParaRPr lang="pt-BR"/>
-          </a:p>
-        </p:txBody>
-      </p:sp>
-      <p:sp>
-        <p:nvSpPr>
-          <p:cNvPr id="26" name="CaixaDeTexto 25">
-            <a:extLst>
-              <a:ext uri="{FF2B5EF4-FFF2-40B4-BE49-F238E27FC236}">
-                <a16:creationId xmlns:a16="http://schemas.microsoft.com/office/drawing/2014/main" id="{930C2EEB-5D85-4080-95CA-4703C24DE085}"/>
-              </a:ext>
-            </a:extLst>
-          </p:cNvPr>
-          <p:cNvSpPr txBox="1"/>
-          <p:nvPr/>
-        </p:nvSpPr>
-        <p:spPr>
-          <a:xfrm>
-            <a:off x="1600198" y="1394979"/>
-            <a:ext cx="3152775" cy="369332"/>
-          </a:xfrm>
-          <a:prstGeom prst="rect">
-            <a:avLst/>
-          </a:prstGeom>
-          <a:noFill/>
-        </p:spPr>
-        <p:txBody>
-          <a:bodyPr wrap="square" rtlCol="0">
-            <a:spAutoFit/>
-          </a:bodyPr>
-          <a:lstStyle/>
-          <a:p>
-            <a:r>
-              <a:rPr lang="pt-BR" dirty="0"/>
-              <a:t>Selecione até 19 números:</a:t>
-            </a:r>
-          </a:p>
-        </p:txBody>
-      </p:sp>
-      <p:sp>
-        <p:nvSpPr>
-          <p:cNvPr id="28" name="CaixaDeTexto 27">
-            <a:extLst>
-              <a:ext uri="{FF2B5EF4-FFF2-40B4-BE49-F238E27FC236}">
-                <a16:creationId xmlns:a16="http://schemas.microsoft.com/office/drawing/2014/main" id="{DD295ADD-B0AD-44BF-ABBC-6DAB76E80AC4}"/>
-              </a:ext>
-            </a:extLst>
-          </p:cNvPr>
-          <p:cNvSpPr txBox="1"/>
-          <p:nvPr/>
-        </p:nvSpPr>
-        <p:spPr>
-          <a:xfrm>
-            <a:off x="8201025" y="4509612"/>
-            <a:ext cx="1743075" cy="1477328"/>
-          </a:xfrm>
-          <a:prstGeom prst="rect">
-            <a:avLst/>
-          </a:prstGeom>
-          <a:noFill/>
-        </p:spPr>
-        <p:txBody>
-          <a:bodyPr wrap="square" rtlCol="0">
-            <a:spAutoFit/>
-          </a:bodyPr>
-          <a:lstStyle/>
-          <a:p>
-            <a:r>
-              <a:rPr lang="pt-BR" dirty="0"/>
-              <a:t>Caso não haja créditos, aparecerá uma opção para comprar mais</a:t>
-            </a:r>
-          </a:p>
-        </p:txBody>
-      </p:sp>
-    </p:spTree>
-    <p:extLst>
-      <p:ext uri="{BB962C8B-B14F-4D97-AF65-F5344CB8AC3E}">
-        <p14:creationId xmlns:p14="http://schemas.microsoft.com/office/powerpoint/2010/main" val="587534167"/>
-      </p:ext>
-    </p:extLst>
-  </p:cSld>
-  <p:clrMapOvr>
-    <a:masterClrMapping/>
-  </p:clrMapOvr>
-</p:sld>
-</file>
-
 <file path=ppt/slides/slide6.xml><?xml version="1.0" encoding="utf-8"?>
 <p:sld xmlns:a="http://schemas.openxmlformats.org/drawingml/2006/main" xmlns:r="http://schemas.openxmlformats.org/officeDocument/2006/relationships" xmlns:p="http://schemas.openxmlformats.org/presentationml/2006/main">
   <p:cSld>
@@ -6718,12 +5738,7 @@
             <p:ph type="title"/>
           </p:nvPr>
         </p:nvSpPr>
-        <p:spPr>
-          <a:xfrm>
-            <a:off x="838199" y="17460"/>
-            <a:ext cx="10515600" cy="1325563"/>
-          </a:xfrm>
-        </p:spPr>
+        <p:spPr/>
         <p:txBody>
           <a:bodyPr/>
           <a:lstStyle/>
@@ -6731,22 +5746,17 @@
             <a:pPr algn="ctr"/>
             <a:r>
               <a:rPr lang="pt-BR" dirty="0"/>
-              <a:t>Trilha </a:t>
-            </a:r>
-            <a:r>
-              <a:rPr lang="pt-BR" dirty="0" err="1"/>
-              <a:t>Coins</a:t>
-            </a:r>
-            <a:endParaRPr lang="pt-BR" dirty="0"/>
-          </a:p>
-        </p:txBody>
-      </p:sp>
-      <p:sp>
-        <p:nvSpPr>
-          <p:cNvPr id="6" name="Fluxograma: Processo 5">
-            <a:extLst>
-              <a:ext uri="{FF2B5EF4-FFF2-40B4-BE49-F238E27FC236}">
-                <a16:creationId xmlns:a16="http://schemas.microsoft.com/office/drawing/2014/main" id="{4F49937B-8E20-4956-B17C-16056CAA9985}"/>
+              <a:t>Jogo personalizado</a:t>
+            </a:r>
+          </a:p>
+        </p:txBody>
+      </p:sp>
+      <p:sp>
+        <p:nvSpPr>
+          <p:cNvPr id="6" name="Retângulo 5">
+            <a:extLst>
+              <a:ext uri="{FF2B5EF4-FFF2-40B4-BE49-F238E27FC236}">
+                <a16:creationId xmlns:a16="http://schemas.microsoft.com/office/drawing/2014/main" id="{D3236DA4-B0A9-4C7E-8453-34013148A9C2}"/>
               </a:ext>
             </a:extLst>
           </p:cNvPr>
@@ -6755,10 +5765,10 @@
         </p:nvSpPr>
         <p:spPr>
           <a:xfrm>
-            <a:off x="752475" y="1343023"/>
-            <a:ext cx="3248025" cy="2524125"/>
-          </a:xfrm>
-          <a:prstGeom prst="flowChartProcess">
+            <a:off x="1495425" y="2047875"/>
+            <a:ext cx="3409950" cy="571500"/>
+          </a:xfrm>
+          <a:prstGeom prst="rect">
             <a:avLst/>
           </a:prstGeom>
           <a:solidFill>
@@ -6792,10 +5802,45 @@
       </p:sp>
       <p:sp>
         <p:nvSpPr>
-          <p:cNvPr id="21" name="Fluxograma: Processo 20">
-            <a:extLst>
-              <a:ext uri="{FF2B5EF4-FFF2-40B4-BE49-F238E27FC236}">
-                <a16:creationId xmlns:a16="http://schemas.microsoft.com/office/drawing/2014/main" id="{FDBC5920-F48D-48AC-85F9-0E01B55E7CCE}"/>
+          <p:cNvPr id="7" name="CaixaDeTexto 6">
+            <a:extLst>
+              <a:ext uri="{FF2B5EF4-FFF2-40B4-BE49-F238E27FC236}">
+                <a16:creationId xmlns:a16="http://schemas.microsoft.com/office/drawing/2014/main" id="{F30C9766-83A5-4CCB-8388-248092CC982B}"/>
+              </a:ext>
+            </a:extLst>
+          </p:cNvPr>
+          <p:cNvSpPr txBox="1"/>
+          <p:nvPr/>
+        </p:nvSpPr>
+        <p:spPr>
+          <a:xfrm>
+            <a:off x="1600200" y="2114550"/>
+            <a:ext cx="3152775" cy="369332"/>
+          </a:xfrm>
+          <a:prstGeom prst="rect">
+            <a:avLst/>
+          </a:prstGeom>
+          <a:noFill/>
+        </p:spPr>
+        <p:txBody>
+          <a:bodyPr wrap="square" rtlCol="0">
+            <a:spAutoFit/>
+          </a:bodyPr>
+          <a:lstStyle/>
+          <a:p>
+            <a:r>
+              <a:rPr lang="pt-BR" dirty="0"/>
+              <a:t>Números escolhidos</a:t>
+            </a:r>
+          </a:p>
+        </p:txBody>
+      </p:sp>
+      <p:sp>
+        <p:nvSpPr>
+          <p:cNvPr id="8" name="Retângulo 7">
+            <a:extLst>
+              <a:ext uri="{FF2B5EF4-FFF2-40B4-BE49-F238E27FC236}">
+                <a16:creationId xmlns:a16="http://schemas.microsoft.com/office/drawing/2014/main" id="{D81E2FD5-008E-4B03-AA2A-793C0AD92B91}"/>
               </a:ext>
             </a:extLst>
           </p:cNvPr>
@@ -6804,10 +5849,10 @@
         </p:nvSpPr>
         <p:spPr>
           <a:xfrm>
-            <a:off x="8191500" y="4078286"/>
-            <a:ext cx="3248025" cy="2524125"/>
-          </a:xfrm>
-          <a:prstGeom prst="flowChartProcess">
+            <a:off x="6096000" y="2047875"/>
+            <a:ext cx="1676400" cy="571500"/>
+          </a:xfrm>
+          <a:prstGeom prst="rect">
             <a:avLst/>
           </a:prstGeom>
           <a:solidFill>
@@ -6841,10 +5886,80 @@
       </p:sp>
       <p:sp>
         <p:nvSpPr>
-          <p:cNvPr id="22" name="Fluxograma: Processo 21">
-            <a:extLst>
-              <a:ext uri="{FF2B5EF4-FFF2-40B4-BE49-F238E27FC236}">
-                <a16:creationId xmlns:a16="http://schemas.microsoft.com/office/drawing/2014/main" id="{4D1E7E4B-3670-45C1-95A2-F6B2C2F29DC1}"/>
+          <p:cNvPr id="21" name="CaixaDeTexto 20">
+            <a:extLst>
+              <a:ext uri="{FF2B5EF4-FFF2-40B4-BE49-F238E27FC236}">
+                <a16:creationId xmlns:a16="http://schemas.microsoft.com/office/drawing/2014/main" id="{A03D9E83-21A6-4259-ACD3-6076D539CC93}"/>
+              </a:ext>
+            </a:extLst>
+          </p:cNvPr>
+          <p:cNvSpPr txBox="1"/>
+          <p:nvPr/>
+        </p:nvSpPr>
+        <p:spPr>
+          <a:xfrm>
+            <a:off x="6096000" y="2114550"/>
+            <a:ext cx="3152775" cy="369332"/>
+          </a:xfrm>
+          <a:prstGeom prst="rect">
+            <a:avLst/>
+          </a:prstGeom>
+          <a:noFill/>
+        </p:spPr>
+        <p:txBody>
+          <a:bodyPr wrap="square" rtlCol="0">
+            <a:spAutoFit/>
+          </a:bodyPr>
+          <a:lstStyle/>
+          <a:p>
+            <a:r>
+              <a:rPr lang="pt-BR" dirty="0"/>
+              <a:t>5 fichas</a:t>
+            </a:r>
+          </a:p>
+        </p:txBody>
+      </p:sp>
+      <p:sp>
+        <p:nvSpPr>
+          <p:cNvPr id="9" name="CaixaDeTexto 8">
+            <a:extLst>
+              <a:ext uri="{FF2B5EF4-FFF2-40B4-BE49-F238E27FC236}">
+                <a16:creationId xmlns:a16="http://schemas.microsoft.com/office/drawing/2014/main" id="{96671F8C-782E-40F9-9CCB-83280EEDAC6C}"/>
+              </a:ext>
+            </a:extLst>
+          </p:cNvPr>
+          <p:cNvSpPr txBox="1"/>
+          <p:nvPr/>
+        </p:nvSpPr>
+        <p:spPr>
+          <a:xfrm>
+            <a:off x="1838325" y="3228975"/>
+            <a:ext cx="3495675" cy="646331"/>
+          </a:xfrm>
+          <a:prstGeom prst="rect">
+            <a:avLst/>
+          </a:prstGeom>
+          <a:noFill/>
+        </p:spPr>
+        <p:txBody>
+          <a:bodyPr wrap="square" rtlCol="0">
+            <a:spAutoFit/>
+          </a:bodyPr>
+          <a:lstStyle/>
+          <a:p>
+            <a:r>
+              <a:rPr lang="pt-BR" sz="3600" dirty="0"/>
+              <a:t>OU...</a:t>
+            </a:r>
+          </a:p>
+        </p:txBody>
+      </p:sp>
+      <p:sp>
+        <p:nvSpPr>
+          <p:cNvPr id="10" name="Retângulo 9">
+            <a:extLst>
+              <a:ext uri="{FF2B5EF4-FFF2-40B4-BE49-F238E27FC236}">
+                <a16:creationId xmlns:a16="http://schemas.microsoft.com/office/drawing/2014/main" id="{6A924AD9-D51C-4A84-BFA5-BFA54D6D8D7C}"/>
               </a:ext>
             </a:extLst>
           </p:cNvPr>
@@ -6853,10 +5968,10 @@
         </p:nvSpPr>
         <p:spPr>
           <a:xfrm>
-            <a:off x="4471987" y="4078287"/>
-            <a:ext cx="3248025" cy="2524125"/>
-          </a:xfrm>
-          <a:prstGeom prst="flowChartProcess">
+            <a:off x="1600200" y="5029200"/>
+            <a:ext cx="3305175" cy="571500"/>
+          </a:xfrm>
+          <a:prstGeom prst="rect">
             <a:avLst/>
           </a:prstGeom>
           <a:solidFill>
@@ -6884,16 +5999,51 @@
           <a:lstStyle/>
           <a:p>
             <a:pPr algn="ctr"/>
-            <a:endParaRPr lang="pt-BR"/>
-          </a:p>
-        </p:txBody>
-      </p:sp>
-      <p:sp>
-        <p:nvSpPr>
-          <p:cNvPr id="25" name="Fluxograma: Processo 24">
-            <a:extLst>
-              <a:ext uri="{FF2B5EF4-FFF2-40B4-BE49-F238E27FC236}">
-                <a16:creationId xmlns:a16="http://schemas.microsoft.com/office/drawing/2014/main" id="{92685670-923C-493D-BF76-48B22615F06A}"/>
+            <a:endParaRPr lang="pt-BR" dirty="0"/>
+          </a:p>
+        </p:txBody>
+      </p:sp>
+      <p:sp>
+        <p:nvSpPr>
+          <p:cNvPr id="11" name="CaixaDeTexto 10">
+            <a:extLst>
+              <a:ext uri="{FF2B5EF4-FFF2-40B4-BE49-F238E27FC236}">
+                <a16:creationId xmlns:a16="http://schemas.microsoft.com/office/drawing/2014/main" id="{84A57756-465E-4C5F-9B92-4689000429E8}"/>
+              </a:ext>
+            </a:extLst>
+          </p:cNvPr>
+          <p:cNvSpPr txBox="1"/>
+          <p:nvPr/>
+        </p:nvSpPr>
+        <p:spPr>
+          <a:xfrm>
+            <a:off x="1600200" y="5038725"/>
+            <a:ext cx="3305175" cy="369332"/>
+          </a:xfrm>
+          <a:prstGeom prst="rect">
+            <a:avLst/>
+          </a:prstGeom>
+          <a:noFill/>
+        </p:spPr>
+        <p:txBody>
+          <a:bodyPr wrap="square" rtlCol="0">
+            <a:spAutoFit/>
+          </a:bodyPr>
+          <a:lstStyle/>
+          <a:p>
+            <a:r>
+              <a:rPr lang="pt-BR" dirty="0"/>
+              <a:t>Gerar jogo aleatório</a:t>
+            </a:r>
+          </a:p>
+        </p:txBody>
+      </p:sp>
+      <p:sp>
+        <p:nvSpPr>
+          <p:cNvPr id="25" name="Retângulo 24">
+            <a:extLst>
+              <a:ext uri="{FF2B5EF4-FFF2-40B4-BE49-F238E27FC236}">
+                <a16:creationId xmlns:a16="http://schemas.microsoft.com/office/drawing/2014/main" id="{E5AE3AC5-B25C-4E75-ACB6-49F5EB4D0710}"/>
               </a:ext>
             </a:extLst>
           </p:cNvPr>
@@ -6902,10 +6052,10 @@
         </p:nvSpPr>
         <p:spPr>
           <a:xfrm>
-            <a:off x="752474" y="4119562"/>
-            <a:ext cx="3248025" cy="2524125"/>
-          </a:xfrm>
-          <a:prstGeom prst="flowChartProcess">
+            <a:off x="6096000" y="5038725"/>
+            <a:ext cx="1676400" cy="571500"/>
+          </a:xfrm>
+          <a:prstGeom prst="rect">
             <a:avLst/>
           </a:prstGeom>
           <a:solidFill>
@@ -6939,108 +6089,10 @@
       </p:sp>
       <p:sp>
         <p:nvSpPr>
-          <p:cNvPr id="26" name="Fluxograma: Processo 25">
-            <a:extLst>
-              <a:ext uri="{FF2B5EF4-FFF2-40B4-BE49-F238E27FC236}">
-                <a16:creationId xmlns:a16="http://schemas.microsoft.com/office/drawing/2014/main" id="{0F0FC659-9BCA-4EAD-AB60-C58E036C91E8}"/>
-              </a:ext>
-            </a:extLst>
-          </p:cNvPr>
-          <p:cNvSpPr/>
-          <p:nvPr/>
-        </p:nvSpPr>
-        <p:spPr>
-          <a:xfrm>
-            <a:off x="8191500" y="1343023"/>
-            <a:ext cx="3248025" cy="2524125"/>
-          </a:xfrm>
-          <a:prstGeom prst="flowChartProcess">
-            <a:avLst/>
-          </a:prstGeom>
-          <a:solidFill>
-            <a:srgbClr val="FFDB1F"/>
-          </a:solidFill>
-        </p:spPr>
-        <p:style>
-          <a:lnRef idx="2">
-            <a:schemeClr val="accent1">
-              <a:shade val="50000"/>
-            </a:schemeClr>
-          </a:lnRef>
-          <a:fillRef idx="1">
-            <a:schemeClr val="accent1"/>
-          </a:fillRef>
-          <a:effectRef idx="0">
-            <a:schemeClr val="accent1"/>
-          </a:effectRef>
-          <a:fontRef idx="minor">
-            <a:schemeClr val="lt1"/>
-          </a:fontRef>
-        </p:style>
-        <p:txBody>
-          <a:bodyPr rtlCol="0" anchor="ctr"/>
-          <a:lstStyle/>
-          <a:p>
-            <a:pPr algn="ctr"/>
-            <a:endParaRPr lang="pt-BR"/>
-          </a:p>
-        </p:txBody>
-      </p:sp>
-      <p:sp>
-        <p:nvSpPr>
-          <p:cNvPr id="27" name="Fluxograma: Processo 26">
-            <a:extLst>
-              <a:ext uri="{FF2B5EF4-FFF2-40B4-BE49-F238E27FC236}">
-                <a16:creationId xmlns:a16="http://schemas.microsoft.com/office/drawing/2014/main" id="{50E1CCB0-E7C3-4DC3-9743-93A85D371748}"/>
-              </a:ext>
-            </a:extLst>
-          </p:cNvPr>
-          <p:cNvSpPr/>
-          <p:nvPr/>
-        </p:nvSpPr>
-        <p:spPr>
-          <a:xfrm>
-            <a:off x="4471987" y="1343023"/>
-            <a:ext cx="3248025" cy="2524125"/>
-          </a:xfrm>
-          <a:prstGeom prst="flowChartProcess">
-            <a:avLst/>
-          </a:prstGeom>
-          <a:solidFill>
-            <a:srgbClr val="FFDB1F"/>
-          </a:solidFill>
-        </p:spPr>
-        <p:style>
-          <a:lnRef idx="2">
-            <a:schemeClr val="accent1">
-              <a:shade val="50000"/>
-            </a:schemeClr>
-          </a:lnRef>
-          <a:fillRef idx="1">
-            <a:schemeClr val="accent1"/>
-          </a:fillRef>
-          <a:effectRef idx="0">
-            <a:schemeClr val="accent1"/>
-          </a:effectRef>
-          <a:fontRef idx="minor">
-            <a:schemeClr val="lt1"/>
-          </a:fontRef>
-        </p:style>
-        <p:txBody>
-          <a:bodyPr rtlCol="0" anchor="ctr"/>
-          <a:lstStyle/>
-          <a:p>
-            <a:pPr algn="ctr"/>
-            <a:endParaRPr lang="pt-BR"/>
-          </a:p>
-        </p:txBody>
-      </p:sp>
-      <p:sp>
-        <p:nvSpPr>
-          <p:cNvPr id="7" name="CaixaDeTexto 6">
-            <a:extLst>
-              <a:ext uri="{FF2B5EF4-FFF2-40B4-BE49-F238E27FC236}">
-                <a16:creationId xmlns:a16="http://schemas.microsoft.com/office/drawing/2014/main" id="{275E8FB8-D17E-46DA-922F-7691EA06354B}"/>
+          <p:cNvPr id="27" name="CaixaDeTexto 26">
+            <a:extLst>
+              <a:ext uri="{FF2B5EF4-FFF2-40B4-BE49-F238E27FC236}">
+                <a16:creationId xmlns:a16="http://schemas.microsoft.com/office/drawing/2014/main" id="{280566E2-8FAC-4AEF-A36D-E561EBB3E733}"/>
               </a:ext>
             </a:extLst>
           </p:cNvPr>
@@ -7049,8 +6101,8 @@
         </p:nvSpPr>
         <p:spPr>
           <a:xfrm>
-            <a:off x="838199" y="1343023"/>
-            <a:ext cx="3086101" cy="2585323"/>
+            <a:off x="6096000" y="5130284"/>
+            <a:ext cx="3152775" cy="369332"/>
           </a:xfrm>
           <a:prstGeom prst="rect">
             <a:avLst/>
@@ -7063,448 +6115,9 @@
           </a:bodyPr>
           <a:lstStyle/>
           <a:p>
-            <a:pPr algn="ctr"/>
             <a:r>
               <a:rPr lang="pt-BR" dirty="0"/>
-              <a:t>30 Trilha </a:t>
-            </a:r>
-            <a:r>
-              <a:rPr lang="pt-BR" dirty="0" err="1"/>
-              <a:t>Coins</a:t>
-            </a:r>
-            <a:endParaRPr lang="pt-BR" dirty="0"/>
-          </a:p>
-          <a:p>
-            <a:pPr algn="ctr"/>
-            <a:endParaRPr lang="pt-BR" dirty="0"/>
-          </a:p>
-          <a:p>
-            <a:pPr algn="ctr"/>
-            <a:endParaRPr lang="pt-BR" dirty="0"/>
-          </a:p>
-          <a:p>
-            <a:pPr algn="ctr"/>
-            <a:endParaRPr lang="pt-BR" dirty="0"/>
-          </a:p>
-          <a:p>
-            <a:pPr algn="ctr"/>
-            <a:r>
-              <a:rPr lang="pt-BR" dirty="0"/>
-              <a:t>Arte</a:t>
-            </a:r>
-          </a:p>
-          <a:p>
-            <a:pPr algn="ctr"/>
-            <a:endParaRPr lang="pt-BR" dirty="0"/>
-          </a:p>
-          <a:p>
-            <a:pPr algn="ctr"/>
-            <a:endParaRPr lang="pt-BR" dirty="0"/>
-          </a:p>
-          <a:p>
-            <a:pPr algn="ctr"/>
-            <a:endParaRPr lang="pt-BR" dirty="0"/>
-          </a:p>
-          <a:p>
-            <a:pPr algn="ctr"/>
-            <a:r>
-              <a:rPr lang="pt-BR" dirty="0"/>
-              <a:t>R$ 29,90</a:t>
-            </a:r>
-          </a:p>
-        </p:txBody>
-      </p:sp>
-      <p:sp>
-        <p:nvSpPr>
-          <p:cNvPr id="28" name="CaixaDeTexto 27">
-            <a:extLst>
-              <a:ext uri="{FF2B5EF4-FFF2-40B4-BE49-F238E27FC236}">
-                <a16:creationId xmlns:a16="http://schemas.microsoft.com/office/drawing/2014/main" id="{01CBED60-84D0-4F2F-91FD-0B5DBCB2352D}"/>
-              </a:ext>
-            </a:extLst>
-          </p:cNvPr>
-          <p:cNvSpPr txBox="1"/>
-          <p:nvPr/>
-        </p:nvSpPr>
-        <p:spPr>
-          <a:xfrm>
-            <a:off x="8353423" y="4063126"/>
-            <a:ext cx="3086101" cy="2585323"/>
-          </a:xfrm>
-          <a:prstGeom prst="rect">
-            <a:avLst/>
-          </a:prstGeom>
-          <a:noFill/>
-        </p:spPr>
-        <p:txBody>
-          <a:bodyPr wrap="square" rtlCol="0">
-            <a:spAutoFit/>
-          </a:bodyPr>
-          <a:lstStyle/>
-          <a:p>
-            <a:pPr algn="ctr"/>
-            <a:r>
-              <a:rPr lang="pt-BR" dirty="0"/>
-              <a:t>2000 Trilha </a:t>
-            </a:r>
-            <a:r>
-              <a:rPr lang="pt-BR" dirty="0" err="1"/>
-              <a:t>Coins</a:t>
-            </a:r>
-            <a:endParaRPr lang="pt-BR" dirty="0"/>
-          </a:p>
-          <a:p>
-            <a:pPr algn="ctr"/>
-            <a:endParaRPr lang="pt-BR" dirty="0"/>
-          </a:p>
-          <a:p>
-            <a:pPr algn="ctr"/>
-            <a:endParaRPr lang="pt-BR" dirty="0"/>
-          </a:p>
-          <a:p>
-            <a:pPr algn="ctr"/>
-            <a:endParaRPr lang="pt-BR" dirty="0"/>
-          </a:p>
-          <a:p>
-            <a:pPr algn="ctr"/>
-            <a:r>
-              <a:rPr lang="pt-BR" dirty="0"/>
-              <a:t>Arte</a:t>
-            </a:r>
-          </a:p>
-          <a:p>
-            <a:pPr algn="ctr"/>
-            <a:endParaRPr lang="pt-BR" dirty="0"/>
-          </a:p>
-          <a:p>
-            <a:pPr algn="ctr"/>
-            <a:endParaRPr lang="pt-BR" dirty="0"/>
-          </a:p>
-          <a:p>
-            <a:pPr algn="ctr"/>
-            <a:endParaRPr lang="pt-BR" dirty="0"/>
-          </a:p>
-          <a:p>
-            <a:pPr algn="ctr"/>
-            <a:r>
-              <a:rPr lang="pt-BR" dirty="0"/>
-              <a:t>R$ 999,90</a:t>
-            </a:r>
-          </a:p>
-        </p:txBody>
-      </p:sp>
-      <p:sp>
-        <p:nvSpPr>
-          <p:cNvPr id="29" name="CaixaDeTexto 28">
-            <a:extLst>
-              <a:ext uri="{FF2B5EF4-FFF2-40B4-BE49-F238E27FC236}">
-                <a16:creationId xmlns:a16="http://schemas.microsoft.com/office/drawing/2014/main" id="{9DE172AA-830D-49F6-8F64-569E0324560B}"/>
-              </a:ext>
-            </a:extLst>
-          </p:cNvPr>
-          <p:cNvSpPr txBox="1"/>
-          <p:nvPr/>
-        </p:nvSpPr>
-        <p:spPr>
-          <a:xfrm>
-            <a:off x="4552948" y="1343023"/>
-            <a:ext cx="3086101" cy="2585323"/>
-          </a:xfrm>
-          <a:prstGeom prst="rect">
-            <a:avLst/>
-          </a:prstGeom>
-          <a:noFill/>
-        </p:spPr>
-        <p:txBody>
-          <a:bodyPr wrap="square" rtlCol="0">
-            <a:spAutoFit/>
-          </a:bodyPr>
-          <a:lstStyle/>
-          <a:p>
-            <a:pPr algn="ctr"/>
-            <a:r>
-              <a:rPr lang="pt-BR" dirty="0"/>
-              <a:t>60 Trilha </a:t>
-            </a:r>
-            <a:r>
-              <a:rPr lang="pt-BR" dirty="0" err="1"/>
-              <a:t>Coins</a:t>
-            </a:r>
-            <a:endParaRPr lang="pt-BR" dirty="0"/>
-          </a:p>
-          <a:p>
-            <a:pPr algn="ctr"/>
-            <a:endParaRPr lang="pt-BR" dirty="0"/>
-          </a:p>
-          <a:p>
-            <a:pPr algn="ctr"/>
-            <a:endParaRPr lang="pt-BR" dirty="0"/>
-          </a:p>
-          <a:p>
-            <a:pPr algn="ctr"/>
-            <a:endParaRPr lang="pt-BR" dirty="0"/>
-          </a:p>
-          <a:p>
-            <a:pPr algn="ctr"/>
-            <a:r>
-              <a:rPr lang="pt-BR" dirty="0"/>
-              <a:t>Arte</a:t>
-            </a:r>
-          </a:p>
-          <a:p>
-            <a:pPr algn="ctr"/>
-            <a:endParaRPr lang="pt-BR" dirty="0"/>
-          </a:p>
-          <a:p>
-            <a:pPr algn="ctr"/>
-            <a:endParaRPr lang="pt-BR" dirty="0"/>
-          </a:p>
-          <a:p>
-            <a:pPr algn="ctr"/>
-            <a:endParaRPr lang="pt-BR" dirty="0"/>
-          </a:p>
-          <a:p>
-            <a:pPr algn="ctr"/>
-            <a:r>
-              <a:rPr lang="pt-BR" dirty="0"/>
-              <a:t>R$ 49,90</a:t>
-            </a:r>
-          </a:p>
-        </p:txBody>
-      </p:sp>
-      <p:sp>
-        <p:nvSpPr>
-          <p:cNvPr id="30" name="CaixaDeTexto 29">
-            <a:extLst>
-              <a:ext uri="{FF2B5EF4-FFF2-40B4-BE49-F238E27FC236}">
-                <a16:creationId xmlns:a16="http://schemas.microsoft.com/office/drawing/2014/main" id="{066A1981-6C81-463D-8473-857ED5241BD8}"/>
-              </a:ext>
-            </a:extLst>
-          </p:cNvPr>
-          <p:cNvSpPr txBox="1"/>
-          <p:nvPr/>
-        </p:nvSpPr>
-        <p:spPr>
-          <a:xfrm>
-            <a:off x="4598193" y="4047686"/>
-            <a:ext cx="3086101" cy="2585323"/>
-          </a:xfrm>
-          <a:prstGeom prst="rect">
-            <a:avLst/>
-          </a:prstGeom>
-          <a:noFill/>
-        </p:spPr>
-        <p:txBody>
-          <a:bodyPr wrap="square" rtlCol="0">
-            <a:spAutoFit/>
-          </a:bodyPr>
-          <a:lstStyle/>
-          <a:p>
-            <a:pPr algn="ctr"/>
-            <a:r>
-              <a:rPr lang="pt-BR" dirty="0"/>
-              <a:t>360 Trilha </a:t>
-            </a:r>
-            <a:r>
-              <a:rPr lang="pt-BR" dirty="0" err="1"/>
-              <a:t>Coins</a:t>
-            </a:r>
-            <a:endParaRPr lang="pt-BR" dirty="0"/>
-          </a:p>
-          <a:p>
-            <a:pPr algn="ctr"/>
-            <a:endParaRPr lang="pt-BR" dirty="0"/>
-          </a:p>
-          <a:p>
-            <a:pPr algn="ctr"/>
-            <a:endParaRPr lang="pt-BR" dirty="0"/>
-          </a:p>
-          <a:p>
-            <a:pPr algn="ctr"/>
-            <a:endParaRPr lang="pt-BR" dirty="0"/>
-          </a:p>
-          <a:p>
-            <a:pPr algn="ctr"/>
-            <a:r>
-              <a:rPr lang="pt-BR" dirty="0"/>
-              <a:t>Arte</a:t>
-            </a:r>
-          </a:p>
-          <a:p>
-            <a:pPr algn="ctr"/>
-            <a:endParaRPr lang="pt-BR" dirty="0"/>
-          </a:p>
-          <a:p>
-            <a:pPr algn="ctr"/>
-            <a:endParaRPr lang="pt-BR" dirty="0"/>
-          </a:p>
-          <a:p>
-            <a:pPr algn="ctr"/>
-            <a:endParaRPr lang="pt-BR" dirty="0"/>
-          </a:p>
-          <a:p>
-            <a:pPr algn="ctr"/>
-            <a:r>
-              <a:rPr lang="pt-BR" dirty="0"/>
-              <a:t>R$ 199,90</a:t>
-            </a:r>
-          </a:p>
-        </p:txBody>
-      </p:sp>
-      <p:sp>
-        <p:nvSpPr>
-          <p:cNvPr id="31" name="CaixaDeTexto 30">
-            <a:extLst>
-              <a:ext uri="{FF2B5EF4-FFF2-40B4-BE49-F238E27FC236}">
-                <a16:creationId xmlns:a16="http://schemas.microsoft.com/office/drawing/2014/main" id="{9026C722-4B7D-43D8-A167-BFEAE51667C5}"/>
-              </a:ext>
-            </a:extLst>
-          </p:cNvPr>
-          <p:cNvSpPr txBox="1"/>
-          <p:nvPr/>
-        </p:nvSpPr>
-        <p:spPr>
-          <a:xfrm>
-            <a:off x="823911" y="4088962"/>
-            <a:ext cx="3086101" cy="2585323"/>
-          </a:xfrm>
-          <a:prstGeom prst="rect">
-            <a:avLst/>
-          </a:prstGeom>
-          <a:noFill/>
-        </p:spPr>
-        <p:txBody>
-          <a:bodyPr wrap="square" rtlCol="0">
-            <a:spAutoFit/>
-          </a:bodyPr>
-          <a:lstStyle/>
-          <a:p>
-            <a:pPr algn="ctr"/>
-            <a:r>
-              <a:rPr lang="pt-BR" dirty="0"/>
-              <a:t>240 Trilha </a:t>
-            </a:r>
-            <a:r>
-              <a:rPr lang="pt-BR" dirty="0" err="1"/>
-              <a:t>Coins</a:t>
-            </a:r>
-            <a:endParaRPr lang="pt-BR" dirty="0"/>
-          </a:p>
-          <a:p>
-            <a:pPr algn="ctr"/>
-            <a:endParaRPr lang="pt-BR" dirty="0"/>
-          </a:p>
-          <a:p>
-            <a:pPr algn="ctr"/>
-            <a:endParaRPr lang="pt-BR" dirty="0"/>
-          </a:p>
-          <a:p>
-            <a:pPr algn="ctr"/>
-            <a:endParaRPr lang="pt-BR" dirty="0"/>
-          </a:p>
-          <a:p>
-            <a:pPr algn="ctr"/>
-            <a:r>
-              <a:rPr lang="pt-BR" dirty="0"/>
-              <a:t>Arte</a:t>
-            </a:r>
-          </a:p>
-          <a:p>
-            <a:pPr algn="ctr"/>
-            <a:endParaRPr lang="pt-BR" dirty="0"/>
-          </a:p>
-          <a:p>
-            <a:pPr algn="ctr"/>
-            <a:endParaRPr lang="pt-BR" dirty="0"/>
-          </a:p>
-          <a:p>
-            <a:pPr algn="ctr"/>
-            <a:endParaRPr lang="pt-BR" dirty="0"/>
-          </a:p>
-          <a:p>
-            <a:pPr algn="ctr"/>
-            <a:r>
-              <a:rPr lang="pt-BR" dirty="0"/>
-              <a:t>R$ 149,90</a:t>
-            </a:r>
-          </a:p>
-        </p:txBody>
-      </p:sp>
-      <p:sp>
-        <p:nvSpPr>
-          <p:cNvPr id="32" name="CaixaDeTexto 31">
-            <a:extLst>
-              <a:ext uri="{FF2B5EF4-FFF2-40B4-BE49-F238E27FC236}">
-                <a16:creationId xmlns:a16="http://schemas.microsoft.com/office/drawing/2014/main" id="{F36FD722-C1F9-41C0-B409-1391D3C3599B}"/>
-              </a:ext>
-            </a:extLst>
-          </p:cNvPr>
-          <p:cNvSpPr txBox="1"/>
-          <p:nvPr/>
-        </p:nvSpPr>
-        <p:spPr>
-          <a:xfrm>
-            <a:off x="8353424" y="1343023"/>
-            <a:ext cx="3086101" cy="2585323"/>
-          </a:xfrm>
-          <a:prstGeom prst="rect">
-            <a:avLst/>
-          </a:prstGeom>
-          <a:noFill/>
-        </p:spPr>
-        <p:txBody>
-          <a:bodyPr wrap="square" rtlCol="0">
-            <a:spAutoFit/>
-          </a:bodyPr>
-          <a:lstStyle/>
-          <a:p>
-            <a:pPr algn="ctr"/>
-            <a:r>
-              <a:rPr lang="pt-BR" dirty="0"/>
-              <a:t>150 Trilha </a:t>
-            </a:r>
-            <a:r>
-              <a:rPr lang="pt-BR" dirty="0" err="1"/>
-              <a:t>Coins</a:t>
-            </a:r>
-            <a:endParaRPr lang="pt-BR" dirty="0"/>
-          </a:p>
-          <a:p>
-            <a:pPr algn="ctr"/>
-            <a:endParaRPr lang="pt-BR" dirty="0"/>
-          </a:p>
-          <a:p>
-            <a:pPr algn="ctr"/>
-            <a:endParaRPr lang="pt-BR" dirty="0"/>
-          </a:p>
-          <a:p>
-            <a:pPr algn="ctr"/>
-            <a:endParaRPr lang="pt-BR" dirty="0"/>
-          </a:p>
-          <a:p>
-            <a:pPr algn="ctr"/>
-            <a:r>
-              <a:rPr lang="pt-BR" dirty="0"/>
-              <a:t>Arte</a:t>
-            </a:r>
-          </a:p>
-          <a:p>
-            <a:pPr algn="ctr"/>
-            <a:endParaRPr lang="pt-BR" dirty="0"/>
-          </a:p>
-          <a:p>
-            <a:pPr algn="ctr"/>
-            <a:endParaRPr lang="pt-BR" dirty="0"/>
-          </a:p>
-          <a:p>
-            <a:pPr algn="ctr"/>
-            <a:endParaRPr lang="pt-BR" dirty="0"/>
-          </a:p>
-          <a:p>
-            <a:pPr algn="ctr"/>
-            <a:r>
-              <a:rPr lang="pt-BR" dirty="0"/>
-              <a:t>R$ 99,90</a:t>
+              <a:t>5 fichas</a:t>
             </a:r>
           </a:p>
         </p:txBody>
@@ -7512,7 +6125,7 @@
     </p:spTree>
     <p:extLst>
       <p:ext uri="{BB962C8B-B14F-4D97-AF65-F5344CB8AC3E}">
-        <p14:creationId xmlns:p14="http://schemas.microsoft.com/office/powerpoint/2010/main" val="625401059"/>
+        <p14:creationId xmlns:p14="http://schemas.microsoft.com/office/powerpoint/2010/main" val="1955845232"/>
       </p:ext>
     </p:extLst>
   </p:cSld>
@@ -7544,7 +6157,7 @@
           <p:cNvPr id="2" name="Título 1">
             <a:extLst>
               <a:ext uri="{FF2B5EF4-FFF2-40B4-BE49-F238E27FC236}">
-                <a16:creationId xmlns:a16="http://schemas.microsoft.com/office/drawing/2014/main" id="{1FE0335B-8306-44DD-98B1-39E903DD2C72}"/>
+                <a16:creationId xmlns:a16="http://schemas.microsoft.com/office/drawing/2014/main" id="{D7FA4A94-7EE3-42B0-953B-45D43782313A}"/>
               </a:ext>
             </a:extLst>
           </p:cNvPr>
@@ -7561,46 +6174,2927 @@
           <a:lstStyle/>
           <a:p>
             <a:r>
+              <a:rPr lang="pt-BR" dirty="0" err="1"/>
+              <a:t>trilhadasorte</a:t>
+            </a:r>
+            <a:r>
               <a:rPr lang="pt-BR" dirty="0"/>
-              <a:t>Exemplo de arte</a:t>
-            </a:r>
-          </a:p>
-        </p:txBody>
-      </p:sp>
-      <p:pic>
-        <p:nvPicPr>
-          <p:cNvPr id="5" name="Imagem 4">
-            <a:extLst>
-              <a:ext uri="{FF2B5EF4-FFF2-40B4-BE49-F238E27FC236}">
-                <a16:creationId xmlns:a16="http://schemas.microsoft.com/office/drawing/2014/main" id="{6DD9AD73-D5D8-4242-8139-ADB390255DC5}"/>
-              </a:ext>
-            </a:extLst>
-          </p:cNvPr>
-          <p:cNvPicPr>
-            <a:picLocks noChangeAspect="1"/>
-          </p:cNvPicPr>
-          <p:nvPr/>
-        </p:nvPicPr>
-        <p:blipFill>
-          <a:blip r:embed="rId2"/>
-          <a:stretch>
-            <a:fillRect/>
-          </a:stretch>
-        </p:blipFill>
-        <p:spPr>
-          <a:xfrm>
-            <a:off x="3429000" y="2109787"/>
-            <a:ext cx="4953210" cy="3414713"/>
-          </a:xfrm>
-          <a:prstGeom prst="rect">
-            <a:avLst/>
-          </a:prstGeom>
-        </p:spPr>
-      </p:pic>
+              <a:t>/</a:t>
+            </a:r>
+            <a:r>
+              <a:rPr lang="pt-BR" dirty="0" err="1"/>
+              <a:t>lotofácil</a:t>
+            </a:r>
+            <a:r>
+              <a:rPr lang="pt-BR" dirty="0"/>
+              <a:t>/</a:t>
+            </a:r>
+            <a:r>
+              <a:rPr lang="pt-BR" dirty="0" err="1"/>
+              <a:t>planobasico</a:t>
+            </a:r>
+            <a:endParaRPr lang="pt-BR" dirty="0"/>
+          </a:p>
+        </p:txBody>
+      </p:sp>
+      <p:sp>
+        <p:nvSpPr>
+          <p:cNvPr id="3" name="Espaço Reservado para Conteúdo 2">
+            <a:extLst>
+              <a:ext uri="{FF2B5EF4-FFF2-40B4-BE49-F238E27FC236}">
+                <a16:creationId xmlns:a16="http://schemas.microsoft.com/office/drawing/2014/main" id="{2A778DBA-1475-466E-9C00-F590412B6EB6}"/>
+              </a:ext>
+            </a:extLst>
+          </p:cNvPr>
+          <p:cNvSpPr>
+            <a:spLocks noGrp="1"/>
+          </p:cNvSpPr>
+          <p:nvPr>
+            <p:ph idx="1"/>
+          </p:nvPr>
+        </p:nvSpPr>
+        <p:spPr/>
+        <p:txBody>
+          <a:bodyPr/>
+          <a:lstStyle/>
+          <a:p>
+            <a:r>
+              <a:rPr lang="pt-BR" dirty="0"/>
+              <a:t>O cliente só consegue acessar essa página se estiver logado e com </a:t>
+            </a:r>
+            <a:r>
+              <a:rPr lang="pt-BR" dirty="0" err="1"/>
+              <a:t>coins</a:t>
+            </a:r>
+            <a:r>
+              <a:rPr lang="pt-BR" dirty="0"/>
+              <a:t> suficientes. Caso não esteja logado, irá mandar para a página de log in. Caso não tenha </a:t>
+            </a:r>
+            <a:r>
+              <a:rPr lang="pt-BR" dirty="0" err="1"/>
+              <a:t>coins</a:t>
+            </a:r>
+            <a:r>
+              <a:rPr lang="pt-BR" dirty="0"/>
+              <a:t> suficientes, irá mandar para a página de </a:t>
+            </a:r>
+            <a:r>
+              <a:rPr lang="pt-BR" dirty="0" err="1"/>
+              <a:t>coins</a:t>
+            </a:r>
+            <a:endParaRPr lang="pt-BR" dirty="0"/>
+          </a:p>
+        </p:txBody>
+      </p:sp>
     </p:spTree>
     <p:extLst>
       <p:ext uri="{BB962C8B-B14F-4D97-AF65-F5344CB8AC3E}">
-        <p14:creationId xmlns:p14="http://schemas.microsoft.com/office/powerpoint/2010/main" val="1296899476"/>
+        <p14:creationId xmlns:p14="http://schemas.microsoft.com/office/powerpoint/2010/main" val="2751426861"/>
+      </p:ext>
+    </p:extLst>
+  </p:cSld>
+  <p:clrMapOvr>
+    <a:masterClrMapping/>
+  </p:clrMapOvr>
+</p:sld>
+</file>
+
+<file path=ppt/slides/slide8.xml><?xml version="1.0" encoding="utf-8"?>
+<p:sld xmlns:a="http://schemas.openxmlformats.org/drawingml/2006/main" xmlns:r="http://schemas.openxmlformats.org/officeDocument/2006/relationships" xmlns:p="http://schemas.openxmlformats.org/presentationml/2006/main">
+  <p:cSld>
+    <p:bg>
+      <p:bgPr>
+        <a:solidFill>
+          <a:srgbClr val="195D21"/>
+        </a:solidFill>
+        <a:effectLst/>
+      </p:bgPr>
+    </p:bg>
+    <p:spTree>
+      <p:nvGrpSpPr>
+        <p:cNvPr id="1" name=""/>
+        <p:cNvGrpSpPr/>
+        <p:nvPr/>
+      </p:nvGrpSpPr>
+      <p:grpSpPr>
+        <a:xfrm>
+          <a:off x="0" y="0"/>
+          <a:ext cx="0" cy="0"/>
+          <a:chOff x="0" y="0"/>
+          <a:chExt cx="0" cy="0"/>
+        </a:xfrm>
+      </p:grpSpPr>
+      <p:sp>
+        <p:nvSpPr>
+          <p:cNvPr id="6" name="Retângulo 5">
+            <a:extLst>
+              <a:ext uri="{FF2B5EF4-FFF2-40B4-BE49-F238E27FC236}">
+                <a16:creationId xmlns:a16="http://schemas.microsoft.com/office/drawing/2014/main" id="{D3236DA4-B0A9-4C7E-8453-34013148A9C2}"/>
+              </a:ext>
+            </a:extLst>
+          </p:cNvPr>
+          <p:cNvSpPr/>
+          <p:nvPr/>
+        </p:nvSpPr>
+        <p:spPr>
+          <a:xfrm>
+            <a:off x="2425152" y="1360617"/>
+            <a:ext cx="3409950" cy="571500"/>
+          </a:xfrm>
+          <a:prstGeom prst="rect">
+            <a:avLst/>
+          </a:prstGeom>
+          <a:solidFill>
+            <a:srgbClr val="FFDB1F"/>
+          </a:solidFill>
+        </p:spPr>
+        <p:style>
+          <a:lnRef idx="2">
+            <a:schemeClr val="accent1">
+              <a:shade val="50000"/>
+            </a:schemeClr>
+          </a:lnRef>
+          <a:fillRef idx="1">
+            <a:schemeClr val="accent1"/>
+          </a:fillRef>
+          <a:effectRef idx="0">
+            <a:schemeClr val="accent1"/>
+          </a:effectRef>
+          <a:fontRef idx="minor">
+            <a:schemeClr val="lt1"/>
+          </a:fontRef>
+        </p:style>
+        <p:txBody>
+          <a:bodyPr rtlCol="0" anchor="ctr"/>
+          <a:lstStyle/>
+          <a:p>
+            <a:pPr algn="ctr"/>
+            <a:endParaRPr lang="pt-BR"/>
+          </a:p>
+        </p:txBody>
+      </p:sp>
+      <p:sp>
+        <p:nvSpPr>
+          <p:cNvPr id="7" name="CaixaDeTexto 6">
+            <a:extLst>
+              <a:ext uri="{FF2B5EF4-FFF2-40B4-BE49-F238E27FC236}">
+                <a16:creationId xmlns:a16="http://schemas.microsoft.com/office/drawing/2014/main" id="{F30C9766-83A5-4CCB-8388-248092CC982B}"/>
+              </a:ext>
+            </a:extLst>
+          </p:cNvPr>
+          <p:cNvSpPr txBox="1"/>
+          <p:nvPr/>
+        </p:nvSpPr>
+        <p:spPr>
+          <a:xfrm>
+            <a:off x="2682327" y="1471782"/>
+            <a:ext cx="3152775" cy="369332"/>
+          </a:xfrm>
+          <a:prstGeom prst="rect">
+            <a:avLst/>
+          </a:prstGeom>
+          <a:noFill/>
+        </p:spPr>
+        <p:txBody>
+          <a:bodyPr wrap="square" rtlCol="0">
+            <a:spAutoFit/>
+          </a:bodyPr>
+          <a:lstStyle/>
+          <a:p>
+            <a:r>
+              <a:rPr lang="pt-BR" dirty="0"/>
+              <a:t>Números escolhidos na pg. 1</a:t>
+            </a:r>
+          </a:p>
+        </p:txBody>
+      </p:sp>
+      <p:sp>
+        <p:nvSpPr>
+          <p:cNvPr id="13" name="Retângulo 12">
+            <a:extLst>
+              <a:ext uri="{FF2B5EF4-FFF2-40B4-BE49-F238E27FC236}">
+                <a16:creationId xmlns:a16="http://schemas.microsoft.com/office/drawing/2014/main" id="{47365BB6-5770-4525-972C-22909A13CD14}"/>
+              </a:ext>
+            </a:extLst>
+          </p:cNvPr>
+          <p:cNvSpPr/>
+          <p:nvPr/>
+        </p:nvSpPr>
+        <p:spPr>
+          <a:xfrm>
+            <a:off x="2425152" y="2012750"/>
+            <a:ext cx="3409950" cy="571500"/>
+          </a:xfrm>
+          <a:prstGeom prst="rect">
+            <a:avLst/>
+          </a:prstGeom>
+          <a:solidFill>
+            <a:srgbClr val="FFDB1F"/>
+          </a:solidFill>
+        </p:spPr>
+        <p:style>
+          <a:lnRef idx="2">
+            <a:schemeClr val="accent1">
+              <a:shade val="50000"/>
+            </a:schemeClr>
+          </a:lnRef>
+          <a:fillRef idx="1">
+            <a:schemeClr val="accent1"/>
+          </a:fillRef>
+          <a:effectRef idx="0">
+            <a:schemeClr val="accent1"/>
+          </a:effectRef>
+          <a:fontRef idx="minor">
+            <a:schemeClr val="lt1"/>
+          </a:fontRef>
+        </p:style>
+        <p:txBody>
+          <a:bodyPr rtlCol="0" anchor="ctr"/>
+          <a:lstStyle/>
+          <a:p>
+            <a:pPr algn="ctr"/>
+            <a:r>
+              <a:rPr lang="pt-BR" dirty="0">
+                <a:solidFill>
+                  <a:schemeClr val="tx1"/>
+                </a:solidFill>
+              </a:rPr>
+              <a:t>Números escolhidos</a:t>
+            </a:r>
+          </a:p>
+        </p:txBody>
+      </p:sp>
+      <p:sp>
+        <p:nvSpPr>
+          <p:cNvPr id="18" name="Retângulo 17">
+            <a:extLst>
+              <a:ext uri="{FF2B5EF4-FFF2-40B4-BE49-F238E27FC236}">
+                <a16:creationId xmlns:a16="http://schemas.microsoft.com/office/drawing/2014/main" id="{99153152-831E-4907-BF19-CDE90C72D150}"/>
+              </a:ext>
+            </a:extLst>
+          </p:cNvPr>
+          <p:cNvSpPr/>
+          <p:nvPr/>
+        </p:nvSpPr>
+        <p:spPr>
+          <a:xfrm>
+            <a:off x="7013979" y="2012750"/>
+            <a:ext cx="1771650" cy="571500"/>
+          </a:xfrm>
+          <a:prstGeom prst="rect">
+            <a:avLst/>
+          </a:prstGeom>
+          <a:solidFill>
+            <a:srgbClr val="FFDB1F"/>
+          </a:solidFill>
+        </p:spPr>
+        <p:style>
+          <a:lnRef idx="2">
+            <a:schemeClr val="accent1">
+              <a:shade val="50000"/>
+            </a:schemeClr>
+          </a:lnRef>
+          <a:fillRef idx="1">
+            <a:schemeClr val="accent1"/>
+          </a:fillRef>
+          <a:effectRef idx="0">
+            <a:schemeClr val="accent1"/>
+          </a:effectRef>
+          <a:fontRef idx="minor">
+            <a:schemeClr val="lt1"/>
+          </a:fontRef>
+        </p:style>
+        <p:txBody>
+          <a:bodyPr rtlCol="0" anchor="ctr"/>
+          <a:lstStyle/>
+          <a:p>
+            <a:pPr algn="ctr"/>
+            <a:r>
+              <a:rPr lang="pt-BR" dirty="0">
+                <a:solidFill>
+                  <a:schemeClr val="tx1"/>
+                </a:solidFill>
+              </a:rPr>
+              <a:t>Completar</a:t>
+            </a:r>
+          </a:p>
+        </p:txBody>
+      </p:sp>
+      <p:sp>
+        <p:nvSpPr>
+          <p:cNvPr id="20" name="Retângulo 19">
+            <a:extLst>
+              <a:ext uri="{FF2B5EF4-FFF2-40B4-BE49-F238E27FC236}">
+                <a16:creationId xmlns:a16="http://schemas.microsoft.com/office/drawing/2014/main" id="{0A4397C1-2DCE-48BF-83D2-73D4C6B41FBA}"/>
+              </a:ext>
+            </a:extLst>
+          </p:cNvPr>
+          <p:cNvSpPr/>
+          <p:nvPr/>
+        </p:nvSpPr>
+        <p:spPr>
+          <a:xfrm>
+            <a:off x="4660106" y="5914102"/>
+            <a:ext cx="2871788" cy="758825"/>
+          </a:xfrm>
+          <a:prstGeom prst="rect">
+            <a:avLst/>
+          </a:prstGeom>
+          <a:solidFill>
+            <a:srgbClr val="FFDB1F"/>
+          </a:solidFill>
+        </p:spPr>
+        <p:style>
+          <a:lnRef idx="2">
+            <a:schemeClr val="accent1">
+              <a:shade val="50000"/>
+            </a:schemeClr>
+          </a:lnRef>
+          <a:fillRef idx="1">
+            <a:schemeClr val="accent1"/>
+          </a:fillRef>
+          <a:effectRef idx="0">
+            <a:schemeClr val="accent1"/>
+          </a:effectRef>
+          <a:fontRef idx="minor">
+            <a:schemeClr val="lt1"/>
+          </a:fontRef>
+        </p:style>
+        <p:txBody>
+          <a:bodyPr rtlCol="0" anchor="ctr"/>
+          <a:lstStyle/>
+          <a:p>
+            <a:pPr algn="ctr"/>
+            <a:endParaRPr lang="pt-BR"/>
+          </a:p>
+        </p:txBody>
+      </p:sp>
+      <p:sp>
+        <p:nvSpPr>
+          <p:cNvPr id="22" name="CaixaDeTexto 21">
+            <a:extLst>
+              <a:ext uri="{FF2B5EF4-FFF2-40B4-BE49-F238E27FC236}">
+                <a16:creationId xmlns:a16="http://schemas.microsoft.com/office/drawing/2014/main" id="{EFC456DD-5C51-4F7A-8C97-8ECA8BE0F134}"/>
+              </a:ext>
+            </a:extLst>
+          </p:cNvPr>
+          <p:cNvSpPr txBox="1"/>
+          <p:nvPr/>
+        </p:nvSpPr>
+        <p:spPr>
+          <a:xfrm>
+            <a:off x="4973837" y="6116270"/>
+            <a:ext cx="2244326" cy="369332"/>
+          </a:xfrm>
+          <a:prstGeom prst="rect">
+            <a:avLst/>
+          </a:prstGeom>
+          <a:noFill/>
+        </p:spPr>
+        <p:txBody>
+          <a:bodyPr wrap="square" rtlCol="0">
+            <a:spAutoFit/>
+          </a:bodyPr>
+          <a:lstStyle/>
+          <a:p>
+            <a:pPr algn="ctr"/>
+            <a:r>
+              <a:rPr lang="pt-BR" dirty="0"/>
+              <a:t>30 fichas</a:t>
+            </a:r>
+          </a:p>
+        </p:txBody>
+      </p:sp>
+      <p:sp>
+        <p:nvSpPr>
+          <p:cNvPr id="26" name="CaixaDeTexto 25">
+            <a:extLst>
+              <a:ext uri="{FF2B5EF4-FFF2-40B4-BE49-F238E27FC236}">
+                <a16:creationId xmlns:a16="http://schemas.microsoft.com/office/drawing/2014/main" id="{930C2EEB-5D85-4080-95CA-4703C24DE085}"/>
+              </a:ext>
+            </a:extLst>
+          </p:cNvPr>
+          <p:cNvSpPr txBox="1"/>
+          <p:nvPr/>
+        </p:nvSpPr>
+        <p:spPr>
+          <a:xfrm>
+            <a:off x="2461464" y="820920"/>
+            <a:ext cx="3373638" cy="369332"/>
+          </a:xfrm>
+          <a:prstGeom prst="rect">
+            <a:avLst/>
+          </a:prstGeom>
+          <a:noFill/>
+        </p:spPr>
+        <p:txBody>
+          <a:bodyPr wrap="square" rtlCol="0">
+            <a:spAutoFit/>
+          </a:bodyPr>
+          <a:lstStyle/>
+          <a:p>
+            <a:r>
+              <a:rPr lang="pt-BR" dirty="0"/>
+              <a:t>Selecione até 19 números: (texto)</a:t>
+            </a:r>
+          </a:p>
+        </p:txBody>
+      </p:sp>
+      <p:sp>
+        <p:nvSpPr>
+          <p:cNvPr id="34" name="Retângulo 33">
+            <a:extLst>
+              <a:ext uri="{FF2B5EF4-FFF2-40B4-BE49-F238E27FC236}">
+                <a16:creationId xmlns:a16="http://schemas.microsoft.com/office/drawing/2014/main" id="{25549480-CEA6-417E-A585-028569502B21}"/>
+              </a:ext>
+            </a:extLst>
+          </p:cNvPr>
+          <p:cNvSpPr/>
+          <p:nvPr/>
+        </p:nvSpPr>
+        <p:spPr>
+          <a:xfrm>
+            <a:off x="7013979" y="3383246"/>
+            <a:ext cx="1771650" cy="571500"/>
+          </a:xfrm>
+          <a:prstGeom prst="rect">
+            <a:avLst/>
+          </a:prstGeom>
+          <a:solidFill>
+            <a:srgbClr val="FFDB1F"/>
+          </a:solidFill>
+        </p:spPr>
+        <p:style>
+          <a:lnRef idx="2">
+            <a:schemeClr val="accent1">
+              <a:shade val="50000"/>
+            </a:schemeClr>
+          </a:lnRef>
+          <a:fillRef idx="1">
+            <a:schemeClr val="accent1"/>
+          </a:fillRef>
+          <a:effectRef idx="0">
+            <a:schemeClr val="accent1"/>
+          </a:effectRef>
+          <a:fontRef idx="minor">
+            <a:schemeClr val="lt1"/>
+          </a:fontRef>
+        </p:style>
+        <p:txBody>
+          <a:bodyPr rtlCol="0" anchor="ctr"/>
+          <a:lstStyle/>
+          <a:p>
+            <a:pPr algn="ctr"/>
+            <a:r>
+              <a:rPr lang="pt-BR" dirty="0">
+                <a:solidFill>
+                  <a:schemeClr val="tx1"/>
+                </a:solidFill>
+              </a:rPr>
+              <a:t>Completar</a:t>
+            </a:r>
+          </a:p>
+        </p:txBody>
+      </p:sp>
+      <p:sp>
+        <p:nvSpPr>
+          <p:cNvPr id="35" name="Retângulo 34">
+            <a:extLst>
+              <a:ext uri="{FF2B5EF4-FFF2-40B4-BE49-F238E27FC236}">
+                <a16:creationId xmlns:a16="http://schemas.microsoft.com/office/drawing/2014/main" id="{A8E25779-E0E6-48A2-9021-C460C48A2D60}"/>
+              </a:ext>
+            </a:extLst>
+          </p:cNvPr>
+          <p:cNvSpPr/>
+          <p:nvPr/>
+        </p:nvSpPr>
+        <p:spPr>
+          <a:xfrm>
+            <a:off x="7013979" y="4063316"/>
+            <a:ext cx="1771650" cy="571500"/>
+          </a:xfrm>
+          <a:prstGeom prst="rect">
+            <a:avLst/>
+          </a:prstGeom>
+          <a:solidFill>
+            <a:srgbClr val="FFDB1F"/>
+          </a:solidFill>
+        </p:spPr>
+        <p:style>
+          <a:lnRef idx="2">
+            <a:schemeClr val="accent1">
+              <a:shade val="50000"/>
+            </a:schemeClr>
+          </a:lnRef>
+          <a:fillRef idx="1">
+            <a:schemeClr val="accent1"/>
+          </a:fillRef>
+          <a:effectRef idx="0">
+            <a:schemeClr val="accent1"/>
+          </a:effectRef>
+          <a:fontRef idx="minor">
+            <a:schemeClr val="lt1"/>
+          </a:fontRef>
+        </p:style>
+        <p:txBody>
+          <a:bodyPr rtlCol="0" anchor="ctr"/>
+          <a:lstStyle/>
+          <a:p>
+            <a:pPr algn="ctr"/>
+            <a:r>
+              <a:rPr lang="pt-BR" dirty="0">
+                <a:solidFill>
+                  <a:schemeClr val="tx1"/>
+                </a:solidFill>
+              </a:rPr>
+              <a:t>Completar</a:t>
+            </a:r>
+          </a:p>
+        </p:txBody>
+      </p:sp>
+      <p:sp>
+        <p:nvSpPr>
+          <p:cNvPr id="36" name="Retângulo 35">
+            <a:extLst>
+              <a:ext uri="{FF2B5EF4-FFF2-40B4-BE49-F238E27FC236}">
+                <a16:creationId xmlns:a16="http://schemas.microsoft.com/office/drawing/2014/main" id="{1870245E-E30E-478F-9D07-9642ED75826B}"/>
+              </a:ext>
+            </a:extLst>
+          </p:cNvPr>
+          <p:cNvSpPr/>
+          <p:nvPr/>
+        </p:nvSpPr>
+        <p:spPr>
+          <a:xfrm>
+            <a:off x="7013979" y="4781721"/>
+            <a:ext cx="1771650" cy="571500"/>
+          </a:xfrm>
+          <a:prstGeom prst="rect">
+            <a:avLst/>
+          </a:prstGeom>
+          <a:solidFill>
+            <a:srgbClr val="FFDB1F"/>
+          </a:solidFill>
+        </p:spPr>
+        <p:style>
+          <a:lnRef idx="2">
+            <a:schemeClr val="accent1">
+              <a:shade val="50000"/>
+            </a:schemeClr>
+          </a:lnRef>
+          <a:fillRef idx="1">
+            <a:schemeClr val="accent1"/>
+          </a:fillRef>
+          <a:effectRef idx="0">
+            <a:schemeClr val="accent1"/>
+          </a:effectRef>
+          <a:fontRef idx="minor">
+            <a:schemeClr val="lt1"/>
+          </a:fontRef>
+        </p:style>
+        <p:txBody>
+          <a:bodyPr rtlCol="0" anchor="ctr"/>
+          <a:lstStyle/>
+          <a:p>
+            <a:pPr algn="ctr"/>
+            <a:r>
+              <a:rPr lang="pt-BR" dirty="0">
+                <a:solidFill>
+                  <a:schemeClr val="tx1"/>
+                </a:solidFill>
+              </a:rPr>
+              <a:t>Completar</a:t>
+            </a:r>
+          </a:p>
+        </p:txBody>
+      </p:sp>
+      <p:sp>
+        <p:nvSpPr>
+          <p:cNvPr id="38" name="Retângulo 37">
+            <a:extLst>
+              <a:ext uri="{FF2B5EF4-FFF2-40B4-BE49-F238E27FC236}">
+                <a16:creationId xmlns:a16="http://schemas.microsoft.com/office/drawing/2014/main" id="{B662BD1F-68A0-479B-8FBE-1E0D9D31E821}"/>
+              </a:ext>
+            </a:extLst>
+          </p:cNvPr>
+          <p:cNvSpPr/>
+          <p:nvPr/>
+        </p:nvSpPr>
+        <p:spPr>
+          <a:xfrm>
+            <a:off x="7013979" y="1360617"/>
+            <a:ext cx="1771650" cy="571500"/>
+          </a:xfrm>
+          <a:prstGeom prst="rect">
+            <a:avLst/>
+          </a:prstGeom>
+          <a:solidFill>
+            <a:srgbClr val="FFDB1F"/>
+          </a:solidFill>
+        </p:spPr>
+        <p:style>
+          <a:lnRef idx="2">
+            <a:schemeClr val="accent1">
+              <a:shade val="50000"/>
+            </a:schemeClr>
+          </a:lnRef>
+          <a:fillRef idx="1">
+            <a:schemeClr val="accent1"/>
+          </a:fillRef>
+          <a:effectRef idx="0">
+            <a:schemeClr val="accent1"/>
+          </a:effectRef>
+          <a:fontRef idx="minor">
+            <a:schemeClr val="lt1"/>
+          </a:fontRef>
+        </p:style>
+        <p:txBody>
+          <a:bodyPr rtlCol="0" anchor="ctr"/>
+          <a:lstStyle/>
+          <a:p>
+            <a:pPr algn="ctr"/>
+            <a:r>
+              <a:rPr lang="pt-BR" dirty="0">
+                <a:solidFill>
+                  <a:schemeClr val="tx1"/>
+                </a:solidFill>
+              </a:rPr>
+              <a:t>Completar</a:t>
+            </a:r>
+          </a:p>
+        </p:txBody>
+      </p:sp>
+      <p:sp>
+        <p:nvSpPr>
+          <p:cNvPr id="40" name="Retângulo 39">
+            <a:extLst>
+              <a:ext uri="{FF2B5EF4-FFF2-40B4-BE49-F238E27FC236}">
+                <a16:creationId xmlns:a16="http://schemas.microsoft.com/office/drawing/2014/main" id="{400633D5-9564-4B1E-826D-754BF32D9CC0}"/>
+              </a:ext>
+            </a:extLst>
+          </p:cNvPr>
+          <p:cNvSpPr/>
+          <p:nvPr/>
+        </p:nvSpPr>
+        <p:spPr>
+          <a:xfrm>
+            <a:off x="7013979" y="686802"/>
+            <a:ext cx="1771650" cy="571500"/>
+          </a:xfrm>
+          <a:prstGeom prst="rect">
+            <a:avLst/>
+          </a:prstGeom>
+          <a:solidFill>
+            <a:srgbClr val="FFDB1F"/>
+          </a:solidFill>
+        </p:spPr>
+        <p:style>
+          <a:lnRef idx="2">
+            <a:schemeClr val="accent1">
+              <a:shade val="50000"/>
+            </a:schemeClr>
+          </a:lnRef>
+          <a:fillRef idx="1">
+            <a:schemeClr val="accent1"/>
+          </a:fillRef>
+          <a:effectRef idx="0">
+            <a:schemeClr val="accent1"/>
+          </a:effectRef>
+          <a:fontRef idx="minor">
+            <a:schemeClr val="lt1"/>
+          </a:fontRef>
+        </p:style>
+        <p:txBody>
+          <a:bodyPr rtlCol="0" anchor="ctr"/>
+          <a:lstStyle/>
+          <a:p>
+            <a:pPr algn="ctr"/>
+            <a:r>
+              <a:rPr lang="pt-BR" dirty="0">
+                <a:solidFill>
+                  <a:schemeClr val="tx1"/>
+                </a:solidFill>
+              </a:rPr>
+              <a:t>Completar todos</a:t>
+            </a:r>
+          </a:p>
+        </p:txBody>
+      </p:sp>
+      <p:sp>
+        <p:nvSpPr>
+          <p:cNvPr id="43" name="Retângulo 42">
+            <a:extLst>
+              <a:ext uri="{FF2B5EF4-FFF2-40B4-BE49-F238E27FC236}">
+                <a16:creationId xmlns:a16="http://schemas.microsoft.com/office/drawing/2014/main" id="{7088505D-9276-4414-8EB8-5BE91848FDDC}"/>
+              </a:ext>
+            </a:extLst>
+          </p:cNvPr>
+          <p:cNvSpPr/>
+          <p:nvPr/>
+        </p:nvSpPr>
+        <p:spPr>
+          <a:xfrm>
+            <a:off x="7013979" y="2708776"/>
+            <a:ext cx="1771650" cy="571500"/>
+          </a:xfrm>
+          <a:prstGeom prst="rect">
+            <a:avLst/>
+          </a:prstGeom>
+          <a:solidFill>
+            <a:srgbClr val="FFDB1F"/>
+          </a:solidFill>
+        </p:spPr>
+        <p:style>
+          <a:lnRef idx="2">
+            <a:schemeClr val="accent1">
+              <a:shade val="50000"/>
+            </a:schemeClr>
+          </a:lnRef>
+          <a:fillRef idx="1">
+            <a:schemeClr val="accent1"/>
+          </a:fillRef>
+          <a:effectRef idx="0">
+            <a:schemeClr val="accent1"/>
+          </a:effectRef>
+          <a:fontRef idx="minor">
+            <a:schemeClr val="lt1"/>
+          </a:fontRef>
+        </p:style>
+        <p:txBody>
+          <a:bodyPr rtlCol="0" anchor="ctr"/>
+          <a:lstStyle/>
+          <a:p>
+            <a:pPr algn="ctr"/>
+            <a:r>
+              <a:rPr lang="pt-BR" dirty="0">
+                <a:solidFill>
+                  <a:schemeClr val="tx1"/>
+                </a:solidFill>
+              </a:rPr>
+              <a:t>Completar</a:t>
+            </a:r>
+          </a:p>
+        </p:txBody>
+      </p:sp>
+      <p:sp>
+        <p:nvSpPr>
+          <p:cNvPr id="44" name="Retângulo 43">
+            <a:extLst>
+              <a:ext uri="{FF2B5EF4-FFF2-40B4-BE49-F238E27FC236}">
+                <a16:creationId xmlns:a16="http://schemas.microsoft.com/office/drawing/2014/main" id="{28354244-EDBB-4638-92CB-90F311206EBC}"/>
+              </a:ext>
+            </a:extLst>
+          </p:cNvPr>
+          <p:cNvSpPr/>
+          <p:nvPr/>
+        </p:nvSpPr>
+        <p:spPr>
+          <a:xfrm>
+            <a:off x="2425152" y="2708776"/>
+            <a:ext cx="3409950" cy="571500"/>
+          </a:xfrm>
+          <a:prstGeom prst="rect">
+            <a:avLst/>
+          </a:prstGeom>
+          <a:solidFill>
+            <a:srgbClr val="FFDB1F"/>
+          </a:solidFill>
+        </p:spPr>
+        <p:style>
+          <a:lnRef idx="2">
+            <a:schemeClr val="accent1">
+              <a:shade val="50000"/>
+            </a:schemeClr>
+          </a:lnRef>
+          <a:fillRef idx="1">
+            <a:schemeClr val="accent1"/>
+          </a:fillRef>
+          <a:effectRef idx="0">
+            <a:schemeClr val="accent1"/>
+          </a:effectRef>
+          <a:fontRef idx="minor">
+            <a:schemeClr val="lt1"/>
+          </a:fontRef>
+        </p:style>
+        <p:txBody>
+          <a:bodyPr rtlCol="0" anchor="ctr"/>
+          <a:lstStyle/>
+          <a:p>
+            <a:pPr algn="ctr"/>
+            <a:r>
+              <a:rPr lang="pt-BR" dirty="0">
+                <a:solidFill>
+                  <a:schemeClr val="tx1"/>
+                </a:solidFill>
+              </a:rPr>
+              <a:t>Números escolhidos</a:t>
+            </a:r>
+          </a:p>
+        </p:txBody>
+      </p:sp>
+      <p:sp>
+        <p:nvSpPr>
+          <p:cNvPr id="45" name="Retângulo 44">
+            <a:extLst>
+              <a:ext uri="{FF2B5EF4-FFF2-40B4-BE49-F238E27FC236}">
+                <a16:creationId xmlns:a16="http://schemas.microsoft.com/office/drawing/2014/main" id="{047C5FF4-5378-4E94-B1B6-ED2BA8CCCBA7}"/>
+              </a:ext>
+            </a:extLst>
+          </p:cNvPr>
+          <p:cNvSpPr/>
+          <p:nvPr/>
+        </p:nvSpPr>
+        <p:spPr>
+          <a:xfrm>
+            <a:off x="2425152" y="3383246"/>
+            <a:ext cx="3409950" cy="571500"/>
+          </a:xfrm>
+          <a:prstGeom prst="rect">
+            <a:avLst/>
+          </a:prstGeom>
+          <a:solidFill>
+            <a:srgbClr val="FFDB1F"/>
+          </a:solidFill>
+        </p:spPr>
+        <p:style>
+          <a:lnRef idx="2">
+            <a:schemeClr val="accent1">
+              <a:shade val="50000"/>
+            </a:schemeClr>
+          </a:lnRef>
+          <a:fillRef idx="1">
+            <a:schemeClr val="accent1"/>
+          </a:fillRef>
+          <a:effectRef idx="0">
+            <a:schemeClr val="accent1"/>
+          </a:effectRef>
+          <a:fontRef idx="minor">
+            <a:schemeClr val="lt1"/>
+          </a:fontRef>
+        </p:style>
+        <p:txBody>
+          <a:bodyPr rtlCol="0" anchor="ctr"/>
+          <a:lstStyle/>
+          <a:p>
+            <a:pPr algn="ctr"/>
+            <a:r>
+              <a:rPr lang="pt-BR" dirty="0">
+                <a:solidFill>
+                  <a:schemeClr val="tx1"/>
+                </a:solidFill>
+              </a:rPr>
+              <a:t>Números escolhidos</a:t>
+            </a:r>
+          </a:p>
+        </p:txBody>
+      </p:sp>
+      <p:sp>
+        <p:nvSpPr>
+          <p:cNvPr id="46" name="Retângulo 45">
+            <a:extLst>
+              <a:ext uri="{FF2B5EF4-FFF2-40B4-BE49-F238E27FC236}">
+                <a16:creationId xmlns:a16="http://schemas.microsoft.com/office/drawing/2014/main" id="{8C37F4F1-7B3D-4CB5-8C13-5D7AA27F7382}"/>
+              </a:ext>
+            </a:extLst>
+          </p:cNvPr>
+          <p:cNvSpPr/>
+          <p:nvPr/>
+        </p:nvSpPr>
+        <p:spPr>
+          <a:xfrm>
+            <a:off x="2425152" y="4063316"/>
+            <a:ext cx="3409950" cy="571500"/>
+          </a:xfrm>
+          <a:prstGeom prst="rect">
+            <a:avLst/>
+          </a:prstGeom>
+          <a:solidFill>
+            <a:srgbClr val="FFDB1F"/>
+          </a:solidFill>
+        </p:spPr>
+        <p:style>
+          <a:lnRef idx="2">
+            <a:schemeClr val="accent1">
+              <a:shade val="50000"/>
+            </a:schemeClr>
+          </a:lnRef>
+          <a:fillRef idx="1">
+            <a:schemeClr val="accent1"/>
+          </a:fillRef>
+          <a:effectRef idx="0">
+            <a:schemeClr val="accent1"/>
+          </a:effectRef>
+          <a:fontRef idx="minor">
+            <a:schemeClr val="lt1"/>
+          </a:fontRef>
+        </p:style>
+        <p:txBody>
+          <a:bodyPr rtlCol="0" anchor="ctr"/>
+          <a:lstStyle/>
+          <a:p>
+            <a:pPr algn="ctr"/>
+            <a:r>
+              <a:rPr lang="pt-BR" dirty="0">
+                <a:solidFill>
+                  <a:schemeClr val="tx1"/>
+                </a:solidFill>
+              </a:rPr>
+              <a:t>Números escolhidos</a:t>
+            </a:r>
+          </a:p>
+        </p:txBody>
+      </p:sp>
+      <p:sp>
+        <p:nvSpPr>
+          <p:cNvPr id="47" name="Retângulo 46">
+            <a:extLst>
+              <a:ext uri="{FF2B5EF4-FFF2-40B4-BE49-F238E27FC236}">
+                <a16:creationId xmlns:a16="http://schemas.microsoft.com/office/drawing/2014/main" id="{20EAE5A6-5C91-4034-925C-B083ACF99FBD}"/>
+              </a:ext>
+            </a:extLst>
+          </p:cNvPr>
+          <p:cNvSpPr/>
+          <p:nvPr/>
+        </p:nvSpPr>
+        <p:spPr>
+          <a:xfrm>
+            <a:off x="2425152" y="4781721"/>
+            <a:ext cx="3409950" cy="571500"/>
+          </a:xfrm>
+          <a:prstGeom prst="rect">
+            <a:avLst/>
+          </a:prstGeom>
+          <a:solidFill>
+            <a:srgbClr val="FFDB1F"/>
+          </a:solidFill>
+        </p:spPr>
+        <p:style>
+          <a:lnRef idx="2">
+            <a:schemeClr val="accent1">
+              <a:shade val="50000"/>
+            </a:schemeClr>
+          </a:lnRef>
+          <a:fillRef idx="1">
+            <a:schemeClr val="accent1"/>
+          </a:fillRef>
+          <a:effectRef idx="0">
+            <a:schemeClr val="accent1"/>
+          </a:effectRef>
+          <a:fontRef idx="minor">
+            <a:schemeClr val="lt1"/>
+          </a:fontRef>
+        </p:style>
+        <p:txBody>
+          <a:bodyPr rtlCol="0" anchor="ctr"/>
+          <a:lstStyle/>
+          <a:p>
+            <a:pPr algn="ctr"/>
+            <a:r>
+              <a:rPr lang="pt-BR" dirty="0">
+                <a:solidFill>
+                  <a:schemeClr val="tx1"/>
+                </a:solidFill>
+              </a:rPr>
+              <a:t>Números escolhidos</a:t>
+            </a:r>
+          </a:p>
+        </p:txBody>
+      </p:sp>
+      <p:sp>
+        <p:nvSpPr>
+          <p:cNvPr id="5" name="Chave Esquerda 4">
+            <a:extLst>
+              <a:ext uri="{FF2B5EF4-FFF2-40B4-BE49-F238E27FC236}">
+                <a16:creationId xmlns:a16="http://schemas.microsoft.com/office/drawing/2014/main" id="{F16A5848-01FC-4148-AAC7-E90E6E8EA311}"/>
+              </a:ext>
+            </a:extLst>
+          </p:cNvPr>
+          <p:cNvSpPr/>
+          <p:nvPr/>
+        </p:nvSpPr>
+        <p:spPr>
+          <a:xfrm>
+            <a:off x="1180730" y="1360617"/>
+            <a:ext cx="967666" cy="3992604"/>
+          </a:xfrm>
+          <a:prstGeom prst="leftBrace">
+            <a:avLst/>
+          </a:prstGeom>
+          <a:ln>
+            <a:solidFill>
+              <a:srgbClr val="FF0000"/>
+            </a:solidFill>
+          </a:ln>
+        </p:spPr>
+        <p:style>
+          <a:lnRef idx="1">
+            <a:schemeClr val="accent1"/>
+          </a:lnRef>
+          <a:fillRef idx="0">
+            <a:schemeClr val="accent1"/>
+          </a:fillRef>
+          <a:effectRef idx="0">
+            <a:schemeClr val="accent1"/>
+          </a:effectRef>
+          <a:fontRef idx="minor">
+            <a:schemeClr val="tx1"/>
+          </a:fontRef>
+        </p:style>
+        <p:txBody>
+          <a:bodyPr rtlCol="0" anchor="ctr"/>
+          <a:lstStyle/>
+          <a:p>
+            <a:pPr algn="ctr"/>
+            <a:endParaRPr lang="pt-BR"/>
+          </a:p>
+        </p:txBody>
+      </p:sp>
+      <p:sp>
+        <p:nvSpPr>
+          <p:cNvPr id="9" name="Retângulo 8">
+            <a:extLst>
+              <a:ext uri="{FF2B5EF4-FFF2-40B4-BE49-F238E27FC236}">
+                <a16:creationId xmlns:a16="http://schemas.microsoft.com/office/drawing/2014/main" id="{7D3359DB-1B8F-45BC-A322-88C0CA9CA049}"/>
+              </a:ext>
+            </a:extLst>
+          </p:cNvPr>
+          <p:cNvSpPr/>
+          <p:nvPr/>
+        </p:nvSpPr>
+        <p:spPr>
+          <a:xfrm>
+            <a:off x="124287" y="2991775"/>
+            <a:ext cx="967666" cy="568171"/>
+          </a:xfrm>
+          <a:prstGeom prst="rect">
+            <a:avLst/>
+          </a:prstGeom>
+        </p:spPr>
+        <p:style>
+          <a:lnRef idx="2">
+            <a:schemeClr val="accent1">
+              <a:shade val="50000"/>
+            </a:schemeClr>
+          </a:lnRef>
+          <a:fillRef idx="1">
+            <a:schemeClr val="accent1"/>
+          </a:fillRef>
+          <a:effectRef idx="0">
+            <a:schemeClr val="accent1"/>
+          </a:effectRef>
+          <a:fontRef idx="minor">
+            <a:schemeClr val="lt1"/>
+          </a:fontRef>
+        </p:style>
+        <p:txBody>
+          <a:bodyPr rtlCol="0" anchor="ctr"/>
+          <a:lstStyle/>
+          <a:p>
+            <a:pPr algn="ctr"/>
+            <a:r>
+              <a:rPr lang="pt-BR" dirty="0"/>
+              <a:t>Input</a:t>
+            </a:r>
+          </a:p>
+        </p:txBody>
+      </p:sp>
+      <p:sp>
+        <p:nvSpPr>
+          <p:cNvPr id="10" name="Chave Direita 9">
+            <a:extLst>
+              <a:ext uri="{FF2B5EF4-FFF2-40B4-BE49-F238E27FC236}">
+                <a16:creationId xmlns:a16="http://schemas.microsoft.com/office/drawing/2014/main" id="{0550F73D-F54A-47A1-93C6-B20CD3538FAC}"/>
+              </a:ext>
+            </a:extLst>
+          </p:cNvPr>
+          <p:cNvSpPr/>
+          <p:nvPr/>
+        </p:nvSpPr>
+        <p:spPr>
+          <a:xfrm>
+            <a:off x="9108489" y="686802"/>
+            <a:ext cx="967666" cy="4728577"/>
+          </a:xfrm>
+          <a:prstGeom prst="rightBrace">
+            <a:avLst/>
+          </a:prstGeom>
+          <a:ln>
+            <a:solidFill>
+              <a:srgbClr val="FF0000"/>
+            </a:solidFill>
+          </a:ln>
+        </p:spPr>
+        <p:style>
+          <a:lnRef idx="1">
+            <a:schemeClr val="accent1"/>
+          </a:lnRef>
+          <a:fillRef idx="0">
+            <a:schemeClr val="accent1"/>
+          </a:fillRef>
+          <a:effectRef idx="0">
+            <a:schemeClr val="accent1"/>
+          </a:effectRef>
+          <a:fontRef idx="minor">
+            <a:schemeClr val="tx1"/>
+          </a:fontRef>
+        </p:style>
+        <p:txBody>
+          <a:bodyPr rtlCol="0" anchor="ctr"/>
+          <a:lstStyle/>
+          <a:p>
+            <a:pPr algn="ctr"/>
+            <a:endParaRPr lang="pt-BR"/>
+          </a:p>
+        </p:txBody>
+      </p:sp>
+      <p:sp>
+        <p:nvSpPr>
+          <p:cNvPr id="49" name="Retângulo 48">
+            <a:extLst>
+              <a:ext uri="{FF2B5EF4-FFF2-40B4-BE49-F238E27FC236}">
+                <a16:creationId xmlns:a16="http://schemas.microsoft.com/office/drawing/2014/main" id="{DB827FE6-4CE1-4AEF-9748-FB7C647B7C05}"/>
+              </a:ext>
+            </a:extLst>
+          </p:cNvPr>
+          <p:cNvSpPr/>
+          <p:nvPr/>
+        </p:nvSpPr>
+        <p:spPr>
+          <a:xfrm>
+            <a:off x="10272944" y="2748775"/>
+            <a:ext cx="967666" cy="568171"/>
+          </a:xfrm>
+          <a:prstGeom prst="rect">
+            <a:avLst/>
+          </a:prstGeom>
+        </p:spPr>
+        <p:style>
+          <a:lnRef idx="2">
+            <a:schemeClr val="accent1">
+              <a:shade val="50000"/>
+            </a:schemeClr>
+          </a:lnRef>
+          <a:fillRef idx="1">
+            <a:schemeClr val="accent1"/>
+          </a:fillRef>
+          <a:effectRef idx="0">
+            <a:schemeClr val="accent1"/>
+          </a:effectRef>
+          <a:fontRef idx="minor">
+            <a:schemeClr val="lt1"/>
+          </a:fontRef>
+        </p:style>
+        <p:txBody>
+          <a:bodyPr rtlCol="0" anchor="ctr"/>
+          <a:lstStyle/>
+          <a:p>
+            <a:pPr algn="ctr"/>
+            <a:r>
+              <a:rPr lang="pt-BR" dirty="0"/>
+              <a:t>Botão</a:t>
+            </a:r>
+          </a:p>
+        </p:txBody>
+      </p:sp>
+      <p:sp>
+        <p:nvSpPr>
+          <p:cNvPr id="50" name="Retângulo 49">
+            <a:extLst>
+              <a:ext uri="{FF2B5EF4-FFF2-40B4-BE49-F238E27FC236}">
+                <a16:creationId xmlns:a16="http://schemas.microsoft.com/office/drawing/2014/main" id="{F2D3F376-57B1-4B94-B42C-B14B350DC4E0}"/>
+              </a:ext>
+            </a:extLst>
+          </p:cNvPr>
+          <p:cNvSpPr/>
+          <p:nvPr/>
+        </p:nvSpPr>
+        <p:spPr>
+          <a:xfrm>
+            <a:off x="8365725" y="6009428"/>
+            <a:ext cx="967666" cy="568171"/>
+          </a:xfrm>
+          <a:prstGeom prst="rect">
+            <a:avLst/>
+          </a:prstGeom>
+        </p:spPr>
+        <p:style>
+          <a:lnRef idx="2">
+            <a:schemeClr val="accent1">
+              <a:shade val="50000"/>
+            </a:schemeClr>
+          </a:lnRef>
+          <a:fillRef idx="1">
+            <a:schemeClr val="accent1"/>
+          </a:fillRef>
+          <a:effectRef idx="0">
+            <a:schemeClr val="accent1"/>
+          </a:effectRef>
+          <a:fontRef idx="minor">
+            <a:schemeClr val="lt1"/>
+          </a:fontRef>
+        </p:style>
+        <p:txBody>
+          <a:bodyPr rtlCol="0" anchor="ctr"/>
+          <a:lstStyle/>
+          <a:p>
+            <a:pPr algn="ctr"/>
+            <a:r>
+              <a:rPr lang="pt-BR" dirty="0"/>
+              <a:t>Botão</a:t>
+            </a:r>
+          </a:p>
+        </p:txBody>
+      </p:sp>
+      <p:sp>
+        <p:nvSpPr>
+          <p:cNvPr id="11" name="Chave Direita 10">
+            <a:extLst>
+              <a:ext uri="{FF2B5EF4-FFF2-40B4-BE49-F238E27FC236}">
+                <a16:creationId xmlns:a16="http://schemas.microsoft.com/office/drawing/2014/main" id="{BC739689-5D34-4227-9F08-94C3BD135FB7}"/>
+              </a:ext>
+            </a:extLst>
+          </p:cNvPr>
+          <p:cNvSpPr/>
+          <p:nvPr/>
+        </p:nvSpPr>
+        <p:spPr>
+          <a:xfrm>
+            <a:off x="7750206" y="5914102"/>
+            <a:ext cx="95419" cy="664251"/>
+          </a:xfrm>
+          <a:prstGeom prst="rightBrace">
+            <a:avLst/>
+          </a:prstGeom>
+          <a:ln>
+            <a:solidFill>
+              <a:srgbClr val="FF0000"/>
+            </a:solidFill>
+          </a:ln>
+        </p:spPr>
+        <p:style>
+          <a:lnRef idx="1">
+            <a:schemeClr val="accent1"/>
+          </a:lnRef>
+          <a:fillRef idx="0">
+            <a:schemeClr val="accent1"/>
+          </a:fillRef>
+          <a:effectRef idx="0">
+            <a:schemeClr val="accent1"/>
+          </a:effectRef>
+          <a:fontRef idx="minor">
+            <a:schemeClr val="tx1"/>
+          </a:fontRef>
+        </p:style>
+        <p:txBody>
+          <a:bodyPr rtlCol="0" anchor="ctr"/>
+          <a:lstStyle/>
+          <a:p>
+            <a:pPr algn="ctr"/>
+            <a:endParaRPr lang="pt-BR"/>
+          </a:p>
+        </p:txBody>
+      </p:sp>
+      <p:sp>
+        <p:nvSpPr>
+          <p:cNvPr id="51" name="Elipse 50">
+            <a:extLst>
+              <a:ext uri="{FF2B5EF4-FFF2-40B4-BE49-F238E27FC236}">
+                <a16:creationId xmlns:a16="http://schemas.microsoft.com/office/drawing/2014/main" id="{CF3E8FF9-CFD8-4839-849B-4C0B32A38EA2}"/>
+              </a:ext>
+            </a:extLst>
+          </p:cNvPr>
+          <p:cNvSpPr/>
+          <p:nvPr/>
+        </p:nvSpPr>
+        <p:spPr>
+          <a:xfrm>
+            <a:off x="6214369" y="1416199"/>
+            <a:ext cx="476750" cy="460335"/>
+          </a:xfrm>
+          <a:prstGeom prst="ellipse">
+            <a:avLst/>
+          </a:prstGeom>
+          <a:solidFill>
+            <a:schemeClr val="bg1"/>
+          </a:solidFill>
+        </p:spPr>
+        <p:style>
+          <a:lnRef idx="2">
+            <a:schemeClr val="accent1">
+              <a:shade val="50000"/>
+            </a:schemeClr>
+          </a:lnRef>
+          <a:fillRef idx="1">
+            <a:schemeClr val="accent1"/>
+          </a:fillRef>
+          <a:effectRef idx="0">
+            <a:schemeClr val="accent1"/>
+          </a:effectRef>
+          <a:fontRef idx="minor">
+            <a:schemeClr val="lt1"/>
+          </a:fontRef>
+        </p:style>
+        <p:txBody>
+          <a:bodyPr rtlCol="0" anchor="ctr"/>
+          <a:lstStyle/>
+          <a:p>
+            <a:pPr algn="ctr"/>
+            <a:endParaRPr lang="pt-BR"/>
+          </a:p>
+        </p:txBody>
+      </p:sp>
+      <p:sp>
+        <p:nvSpPr>
+          <p:cNvPr id="54" name="Arco 53">
+            <a:extLst>
+              <a:ext uri="{FF2B5EF4-FFF2-40B4-BE49-F238E27FC236}">
+                <a16:creationId xmlns:a16="http://schemas.microsoft.com/office/drawing/2014/main" id="{F503EE6A-9C75-4F5B-B025-80184A9CAB6F}"/>
+              </a:ext>
+            </a:extLst>
+          </p:cNvPr>
+          <p:cNvSpPr/>
+          <p:nvPr/>
+        </p:nvSpPr>
+        <p:spPr>
+          <a:xfrm>
+            <a:off x="6214368" y="1471781"/>
+            <a:ext cx="180000" cy="720000"/>
+          </a:xfrm>
+          <a:prstGeom prst="arc">
+            <a:avLst/>
+          </a:prstGeom>
+        </p:spPr>
+        <p:style>
+          <a:lnRef idx="1">
+            <a:schemeClr val="accent1"/>
+          </a:lnRef>
+          <a:fillRef idx="0">
+            <a:schemeClr val="accent1"/>
+          </a:fillRef>
+          <a:effectRef idx="0">
+            <a:schemeClr val="accent1"/>
+          </a:effectRef>
+          <a:fontRef idx="minor">
+            <a:schemeClr val="tx1"/>
+          </a:fontRef>
+        </p:style>
+        <p:txBody>
+          <a:bodyPr rtlCol="0" anchor="ctr"/>
+          <a:lstStyle/>
+          <a:p>
+            <a:pPr algn="ctr"/>
+            <a:endParaRPr lang="pt-BR"/>
+          </a:p>
+        </p:txBody>
+      </p:sp>
+      <p:cxnSp>
+        <p:nvCxnSpPr>
+          <p:cNvPr id="58" name="Conector reto 57">
+            <a:extLst>
+              <a:ext uri="{FF2B5EF4-FFF2-40B4-BE49-F238E27FC236}">
+                <a16:creationId xmlns:a16="http://schemas.microsoft.com/office/drawing/2014/main" id="{30338E1D-6E86-48DA-AA6E-2DC7895FFC09}"/>
+              </a:ext>
+            </a:extLst>
+          </p:cNvPr>
+          <p:cNvCxnSpPr>
+            <a:stCxn id="54" idx="2"/>
+            <a:endCxn id="51" idx="7"/>
+          </p:cNvCxnSpPr>
+          <p:nvPr/>
+        </p:nvCxnSpPr>
+        <p:spPr>
+          <a:xfrm flipV="1">
+            <a:off x="6394368" y="1483613"/>
+            <a:ext cx="226933" cy="348168"/>
+          </a:xfrm>
+          <a:prstGeom prst="line">
+            <a:avLst/>
+          </a:prstGeom>
+        </p:spPr>
+        <p:style>
+          <a:lnRef idx="1">
+            <a:schemeClr val="accent1"/>
+          </a:lnRef>
+          <a:fillRef idx="0">
+            <a:schemeClr val="accent1"/>
+          </a:fillRef>
+          <a:effectRef idx="0">
+            <a:schemeClr val="accent1"/>
+          </a:effectRef>
+          <a:fontRef idx="minor">
+            <a:schemeClr val="tx1"/>
+          </a:fontRef>
+        </p:style>
+      </p:cxnSp>
+      <p:sp>
+        <p:nvSpPr>
+          <p:cNvPr id="61" name="Elipse 60">
+            <a:extLst>
+              <a:ext uri="{FF2B5EF4-FFF2-40B4-BE49-F238E27FC236}">
+                <a16:creationId xmlns:a16="http://schemas.microsoft.com/office/drawing/2014/main" id="{C0C74972-92AA-423C-A59F-875444CD9DD8}"/>
+              </a:ext>
+            </a:extLst>
+          </p:cNvPr>
+          <p:cNvSpPr/>
+          <p:nvPr/>
+        </p:nvSpPr>
+        <p:spPr>
+          <a:xfrm>
+            <a:off x="6186295" y="2078702"/>
+            <a:ext cx="476750" cy="460335"/>
+          </a:xfrm>
+          <a:prstGeom prst="ellipse">
+            <a:avLst/>
+          </a:prstGeom>
+          <a:solidFill>
+            <a:schemeClr val="bg1"/>
+          </a:solidFill>
+        </p:spPr>
+        <p:style>
+          <a:lnRef idx="2">
+            <a:schemeClr val="accent1">
+              <a:shade val="50000"/>
+            </a:schemeClr>
+          </a:lnRef>
+          <a:fillRef idx="1">
+            <a:schemeClr val="accent1"/>
+          </a:fillRef>
+          <a:effectRef idx="0">
+            <a:schemeClr val="accent1"/>
+          </a:effectRef>
+          <a:fontRef idx="minor">
+            <a:schemeClr val="lt1"/>
+          </a:fontRef>
+        </p:style>
+        <p:txBody>
+          <a:bodyPr rtlCol="0" anchor="ctr"/>
+          <a:lstStyle/>
+          <a:p>
+            <a:pPr algn="ctr"/>
+            <a:endParaRPr lang="pt-BR"/>
+          </a:p>
+        </p:txBody>
+      </p:sp>
+      <p:sp>
+        <p:nvSpPr>
+          <p:cNvPr id="62" name="Arco 61">
+            <a:extLst>
+              <a:ext uri="{FF2B5EF4-FFF2-40B4-BE49-F238E27FC236}">
+                <a16:creationId xmlns:a16="http://schemas.microsoft.com/office/drawing/2014/main" id="{74718260-8BFD-4666-A368-999AEAB96108}"/>
+              </a:ext>
+            </a:extLst>
+          </p:cNvPr>
+          <p:cNvSpPr/>
+          <p:nvPr/>
+        </p:nvSpPr>
+        <p:spPr>
+          <a:xfrm>
+            <a:off x="6186294" y="2134284"/>
+            <a:ext cx="180000" cy="720000"/>
+          </a:xfrm>
+          <a:prstGeom prst="arc">
+            <a:avLst/>
+          </a:prstGeom>
+        </p:spPr>
+        <p:style>
+          <a:lnRef idx="1">
+            <a:schemeClr val="accent1"/>
+          </a:lnRef>
+          <a:fillRef idx="0">
+            <a:schemeClr val="accent1"/>
+          </a:fillRef>
+          <a:effectRef idx="0">
+            <a:schemeClr val="accent1"/>
+          </a:effectRef>
+          <a:fontRef idx="minor">
+            <a:schemeClr val="tx1"/>
+          </a:fontRef>
+        </p:style>
+        <p:txBody>
+          <a:bodyPr rtlCol="0" anchor="ctr"/>
+          <a:lstStyle/>
+          <a:p>
+            <a:pPr algn="ctr"/>
+            <a:endParaRPr lang="pt-BR"/>
+          </a:p>
+        </p:txBody>
+      </p:sp>
+      <p:cxnSp>
+        <p:nvCxnSpPr>
+          <p:cNvPr id="63" name="Conector reto 62">
+            <a:extLst>
+              <a:ext uri="{FF2B5EF4-FFF2-40B4-BE49-F238E27FC236}">
+                <a16:creationId xmlns:a16="http://schemas.microsoft.com/office/drawing/2014/main" id="{EAAF7D26-EE5A-4F73-9D9A-07F7D0D99038}"/>
+              </a:ext>
+            </a:extLst>
+          </p:cNvPr>
+          <p:cNvCxnSpPr>
+            <a:stCxn id="62" idx="2"/>
+            <a:endCxn id="61" idx="7"/>
+          </p:cNvCxnSpPr>
+          <p:nvPr/>
+        </p:nvCxnSpPr>
+        <p:spPr>
+          <a:xfrm flipV="1">
+            <a:off x="6366294" y="2146116"/>
+            <a:ext cx="226933" cy="348168"/>
+          </a:xfrm>
+          <a:prstGeom prst="line">
+            <a:avLst/>
+          </a:prstGeom>
+        </p:spPr>
+        <p:style>
+          <a:lnRef idx="1">
+            <a:schemeClr val="accent1"/>
+          </a:lnRef>
+          <a:fillRef idx="0">
+            <a:schemeClr val="accent1"/>
+          </a:fillRef>
+          <a:effectRef idx="0">
+            <a:schemeClr val="accent1"/>
+          </a:effectRef>
+          <a:fontRef idx="minor">
+            <a:schemeClr val="tx1"/>
+          </a:fontRef>
+        </p:style>
+      </p:cxnSp>
+      <p:sp>
+        <p:nvSpPr>
+          <p:cNvPr id="80" name="Elipse 79">
+            <a:extLst>
+              <a:ext uri="{FF2B5EF4-FFF2-40B4-BE49-F238E27FC236}">
+                <a16:creationId xmlns:a16="http://schemas.microsoft.com/office/drawing/2014/main" id="{F220A669-3C19-446B-981F-C93363683DE1}"/>
+              </a:ext>
+            </a:extLst>
+          </p:cNvPr>
+          <p:cNvSpPr/>
+          <p:nvPr/>
+        </p:nvSpPr>
+        <p:spPr>
+          <a:xfrm>
+            <a:off x="6200459" y="2759469"/>
+            <a:ext cx="476750" cy="460335"/>
+          </a:xfrm>
+          <a:prstGeom prst="ellipse">
+            <a:avLst/>
+          </a:prstGeom>
+          <a:solidFill>
+            <a:schemeClr val="bg1"/>
+          </a:solidFill>
+        </p:spPr>
+        <p:style>
+          <a:lnRef idx="2">
+            <a:schemeClr val="accent1">
+              <a:shade val="50000"/>
+            </a:schemeClr>
+          </a:lnRef>
+          <a:fillRef idx="1">
+            <a:schemeClr val="accent1"/>
+          </a:fillRef>
+          <a:effectRef idx="0">
+            <a:schemeClr val="accent1"/>
+          </a:effectRef>
+          <a:fontRef idx="minor">
+            <a:schemeClr val="lt1"/>
+          </a:fontRef>
+        </p:style>
+        <p:txBody>
+          <a:bodyPr rtlCol="0" anchor="ctr"/>
+          <a:lstStyle/>
+          <a:p>
+            <a:pPr algn="ctr"/>
+            <a:endParaRPr lang="pt-BR"/>
+          </a:p>
+        </p:txBody>
+      </p:sp>
+      <p:sp>
+        <p:nvSpPr>
+          <p:cNvPr id="81" name="Arco 80">
+            <a:extLst>
+              <a:ext uri="{FF2B5EF4-FFF2-40B4-BE49-F238E27FC236}">
+                <a16:creationId xmlns:a16="http://schemas.microsoft.com/office/drawing/2014/main" id="{A31B65FA-19DF-4135-A916-FA79A2A4DC90}"/>
+              </a:ext>
+            </a:extLst>
+          </p:cNvPr>
+          <p:cNvSpPr/>
+          <p:nvPr/>
+        </p:nvSpPr>
+        <p:spPr>
+          <a:xfrm>
+            <a:off x="6200458" y="2815051"/>
+            <a:ext cx="180000" cy="720000"/>
+          </a:xfrm>
+          <a:prstGeom prst="arc">
+            <a:avLst/>
+          </a:prstGeom>
+        </p:spPr>
+        <p:style>
+          <a:lnRef idx="1">
+            <a:schemeClr val="accent1"/>
+          </a:lnRef>
+          <a:fillRef idx="0">
+            <a:schemeClr val="accent1"/>
+          </a:fillRef>
+          <a:effectRef idx="0">
+            <a:schemeClr val="accent1"/>
+          </a:effectRef>
+          <a:fontRef idx="minor">
+            <a:schemeClr val="tx1"/>
+          </a:fontRef>
+        </p:style>
+        <p:txBody>
+          <a:bodyPr rtlCol="0" anchor="ctr"/>
+          <a:lstStyle/>
+          <a:p>
+            <a:pPr algn="ctr"/>
+            <a:endParaRPr lang="pt-BR"/>
+          </a:p>
+        </p:txBody>
+      </p:sp>
+      <p:cxnSp>
+        <p:nvCxnSpPr>
+          <p:cNvPr id="82" name="Conector reto 81">
+            <a:extLst>
+              <a:ext uri="{FF2B5EF4-FFF2-40B4-BE49-F238E27FC236}">
+                <a16:creationId xmlns:a16="http://schemas.microsoft.com/office/drawing/2014/main" id="{C538A87B-E742-4D8E-9CB9-AA697906C09B}"/>
+              </a:ext>
+            </a:extLst>
+          </p:cNvPr>
+          <p:cNvCxnSpPr>
+            <a:stCxn id="81" idx="2"/>
+            <a:endCxn id="80" idx="7"/>
+          </p:cNvCxnSpPr>
+          <p:nvPr/>
+        </p:nvCxnSpPr>
+        <p:spPr>
+          <a:xfrm flipV="1">
+            <a:off x="6380458" y="2826883"/>
+            <a:ext cx="226933" cy="348168"/>
+          </a:xfrm>
+          <a:prstGeom prst="line">
+            <a:avLst/>
+          </a:prstGeom>
+        </p:spPr>
+        <p:style>
+          <a:lnRef idx="1">
+            <a:schemeClr val="accent1"/>
+          </a:lnRef>
+          <a:fillRef idx="0">
+            <a:schemeClr val="accent1"/>
+          </a:fillRef>
+          <a:effectRef idx="0">
+            <a:schemeClr val="accent1"/>
+          </a:effectRef>
+          <a:fontRef idx="minor">
+            <a:schemeClr val="tx1"/>
+          </a:fontRef>
+        </p:style>
+      </p:cxnSp>
+      <p:sp>
+        <p:nvSpPr>
+          <p:cNvPr id="83" name="Elipse 82">
+            <a:extLst>
+              <a:ext uri="{FF2B5EF4-FFF2-40B4-BE49-F238E27FC236}">
+                <a16:creationId xmlns:a16="http://schemas.microsoft.com/office/drawing/2014/main" id="{B5C6E60D-7C8F-4329-BD43-2DFB7535ECDB}"/>
+              </a:ext>
+            </a:extLst>
+          </p:cNvPr>
+          <p:cNvSpPr/>
+          <p:nvPr/>
+        </p:nvSpPr>
+        <p:spPr>
+          <a:xfrm>
+            <a:off x="6186295" y="3450987"/>
+            <a:ext cx="476750" cy="460335"/>
+          </a:xfrm>
+          <a:prstGeom prst="ellipse">
+            <a:avLst/>
+          </a:prstGeom>
+          <a:solidFill>
+            <a:schemeClr val="bg1"/>
+          </a:solidFill>
+        </p:spPr>
+        <p:style>
+          <a:lnRef idx="2">
+            <a:schemeClr val="accent1">
+              <a:shade val="50000"/>
+            </a:schemeClr>
+          </a:lnRef>
+          <a:fillRef idx="1">
+            <a:schemeClr val="accent1"/>
+          </a:fillRef>
+          <a:effectRef idx="0">
+            <a:schemeClr val="accent1"/>
+          </a:effectRef>
+          <a:fontRef idx="minor">
+            <a:schemeClr val="lt1"/>
+          </a:fontRef>
+        </p:style>
+        <p:txBody>
+          <a:bodyPr rtlCol="0" anchor="ctr"/>
+          <a:lstStyle/>
+          <a:p>
+            <a:pPr algn="ctr"/>
+            <a:endParaRPr lang="pt-BR"/>
+          </a:p>
+        </p:txBody>
+      </p:sp>
+      <p:sp>
+        <p:nvSpPr>
+          <p:cNvPr id="84" name="Arco 83">
+            <a:extLst>
+              <a:ext uri="{FF2B5EF4-FFF2-40B4-BE49-F238E27FC236}">
+                <a16:creationId xmlns:a16="http://schemas.microsoft.com/office/drawing/2014/main" id="{1469F7ED-338A-4D4B-A1C0-874916CA6B92}"/>
+              </a:ext>
+            </a:extLst>
+          </p:cNvPr>
+          <p:cNvSpPr/>
+          <p:nvPr/>
+        </p:nvSpPr>
+        <p:spPr>
+          <a:xfrm>
+            <a:off x="6186294" y="3506569"/>
+            <a:ext cx="180000" cy="720000"/>
+          </a:xfrm>
+          <a:prstGeom prst="arc">
+            <a:avLst/>
+          </a:prstGeom>
+        </p:spPr>
+        <p:style>
+          <a:lnRef idx="1">
+            <a:schemeClr val="accent1"/>
+          </a:lnRef>
+          <a:fillRef idx="0">
+            <a:schemeClr val="accent1"/>
+          </a:fillRef>
+          <a:effectRef idx="0">
+            <a:schemeClr val="accent1"/>
+          </a:effectRef>
+          <a:fontRef idx="minor">
+            <a:schemeClr val="tx1"/>
+          </a:fontRef>
+        </p:style>
+        <p:txBody>
+          <a:bodyPr rtlCol="0" anchor="ctr"/>
+          <a:lstStyle/>
+          <a:p>
+            <a:pPr algn="ctr"/>
+            <a:endParaRPr lang="pt-BR"/>
+          </a:p>
+        </p:txBody>
+      </p:sp>
+      <p:cxnSp>
+        <p:nvCxnSpPr>
+          <p:cNvPr id="85" name="Conector reto 84">
+            <a:extLst>
+              <a:ext uri="{FF2B5EF4-FFF2-40B4-BE49-F238E27FC236}">
+                <a16:creationId xmlns:a16="http://schemas.microsoft.com/office/drawing/2014/main" id="{5DB21073-C15A-4F64-8672-0387D7239F48}"/>
+              </a:ext>
+            </a:extLst>
+          </p:cNvPr>
+          <p:cNvCxnSpPr>
+            <a:stCxn id="84" idx="2"/>
+            <a:endCxn id="83" idx="7"/>
+          </p:cNvCxnSpPr>
+          <p:nvPr/>
+        </p:nvCxnSpPr>
+        <p:spPr>
+          <a:xfrm flipV="1">
+            <a:off x="6366294" y="3518401"/>
+            <a:ext cx="226933" cy="348168"/>
+          </a:xfrm>
+          <a:prstGeom prst="line">
+            <a:avLst/>
+          </a:prstGeom>
+        </p:spPr>
+        <p:style>
+          <a:lnRef idx="1">
+            <a:schemeClr val="accent1"/>
+          </a:lnRef>
+          <a:fillRef idx="0">
+            <a:schemeClr val="accent1"/>
+          </a:fillRef>
+          <a:effectRef idx="0">
+            <a:schemeClr val="accent1"/>
+          </a:effectRef>
+          <a:fontRef idx="minor">
+            <a:schemeClr val="tx1"/>
+          </a:fontRef>
+        </p:style>
+      </p:cxnSp>
+      <p:sp>
+        <p:nvSpPr>
+          <p:cNvPr id="86" name="Elipse 85">
+            <a:extLst>
+              <a:ext uri="{FF2B5EF4-FFF2-40B4-BE49-F238E27FC236}">
+                <a16:creationId xmlns:a16="http://schemas.microsoft.com/office/drawing/2014/main" id="{30D3CA5F-0B2B-49C7-A0B0-ED6A91C6737F}"/>
+              </a:ext>
+            </a:extLst>
+          </p:cNvPr>
+          <p:cNvSpPr/>
+          <p:nvPr/>
+        </p:nvSpPr>
+        <p:spPr>
+          <a:xfrm>
+            <a:off x="6201660" y="4164742"/>
+            <a:ext cx="476750" cy="460335"/>
+          </a:xfrm>
+          <a:prstGeom prst="ellipse">
+            <a:avLst/>
+          </a:prstGeom>
+          <a:solidFill>
+            <a:schemeClr val="bg1"/>
+          </a:solidFill>
+        </p:spPr>
+        <p:style>
+          <a:lnRef idx="2">
+            <a:schemeClr val="accent1">
+              <a:shade val="50000"/>
+            </a:schemeClr>
+          </a:lnRef>
+          <a:fillRef idx="1">
+            <a:schemeClr val="accent1"/>
+          </a:fillRef>
+          <a:effectRef idx="0">
+            <a:schemeClr val="accent1"/>
+          </a:effectRef>
+          <a:fontRef idx="minor">
+            <a:schemeClr val="lt1"/>
+          </a:fontRef>
+        </p:style>
+        <p:txBody>
+          <a:bodyPr rtlCol="0" anchor="ctr"/>
+          <a:lstStyle/>
+          <a:p>
+            <a:pPr algn="ctr"/>
+            <a:endParaRPr lang="pt-BR"/>
+          </a:p>
+        </p:txBody>
+      </p:sp>
+      <p:sp>
+        <p:nvSpPr>
+          <p:cNvPr id="87" name="Arco 86">
+            <a:extLst>
+              <a:ext uri="{FF2B5EF4-FFF2-40B4-BE49-F238E27FC236}">
+                <a16:creationId xmlns:a16="http://schemas.microsoft.com/office/drawing/2014/main" id="{8F92CB9E-1950-438F-A2AC-909C6C602313}"/>
+              </a:ext>
+            </a:extLst>
+          </p:cNvPr>
+          <p:cNvSpPr/>
+          <p:nvPr/>
+        </p:nvSpPr>
+        <p:spPr>
+          <a:xfrm>
+            <a:off x="6201659" y="4220324"/>
+            <a:ext cx="180000" cy="720000"/>
+          </a:xfrm>
+          <a:prstGeom prst="arc">
+            <a:avLst/>
+          </a:prstGeom>
+        </p:spPr>
+        <p:style>
+          <a:lnRef idx="1">
+            <a:schemeClr val="accent1"/>
+          </a:lnRef>
+          <a:fillRef idx="0">
+            <a:schemeClr val="accent1"/>
+          </a:fillRef>
+          <a:effectRef idx="0">
+            <a:schemeClr val="accent1"/>
+          </a:effectRef>
+          <a:fontRef idx="minor">
+            <a:schemeClr val="tx1"/>
+          </a:fontRef>
+        </p:style>
+        <p:txBody>
+          <a:bodyPr rtlCol="0" anchor="ctr"/>
+          <a:lstStyle/>
+          <a:p>
+            <a:pPr algn="ctr"/>
+            <a:endParaRPr lang="pt-BR"/>
+          </a:p>
+        </p:txBody>
+      </p:sp>
+      <p:cxnSp>
+        <p:nvCxnSpPr>
+          <p:cNvPr id="88" name="Conector reto 87">
+            <a:extLst>
+              <a:ext uri="{FF2B5EF4-FFF2-40B4-BE49-F238E27FC236}">
+                <a16:creationId xmlns:a16="http://schemas.microsoft.com/office/drawing/2014/main" id="{ECDBCDB4-077D-455A-99C2-5AD2401105C8}"/>
+              </a:ext>
+            </a:extLst>
+          </p:cNvPr>
+          <p:cNvCxnSpPr>
+            <a:stCxn id="87" idx="2"/>
+            <a:endCxn id="86" idx="7"/>
+          </p:cNvCxnSpPr>
+          <p:nvPr/>
+        </p:nvCxnSpPr>
+        <p:spPr>
+          <a:xfrm flipV="1">
+            <a:off x="6381659" y="4232156"/>
+            <a:ext cx="226933" cy="348168"/>
+          </a:xfrm>
+          <a:prstGeom prst="line">
+            <a:avLst/>
+          </a:prstGeom>
+        </p:spPr>
+        <p:style>
+          <a:lnRef idx="1">
+            <a:schemeClr val="accent1"/>
+          </a:lnRef>
+          <a:fillRef idx="0">
+            <a:schemeClr val="accent1"/>
+          </a:fillRef>
+          <a:effectRef idx="0">
+            <a:schemeClr val="accent1"/>
+          </a:effectRef>
+          <a:fontRef idx="minor">
+            <a:schemeClr val="tx1"/>
+          </a:fontRef>
+        </p:style>
+      </p:cxnSp>
+      <p:sp>
+        <p:nvSpPr>
+          <p:cNvPr id="89" name="Elipse 88">
+            <a:extLst>
+              <a:ext uri="{FF2B5EF4-FFF2-40B4-BE49-F238E27FC236}">
+                <a16:creationId xmlns:a16="http://schemas.microsoft.com/office/drawing/2014/main" id="{A5373DF4-6A74-4C07-B772-306111AE1D2F}"/>
+              </a:ext>
+            </a:extLst>
+          </p:cNvPr>
+          <p:cNvSpPr/>
+          <p:nvPr/>
+        </p:nvSpPr>
+        <p:spPr>
+          <a:xfrm>
+            <a:off x="6243264" y="4856260"/>
+            <a:ext cx="476750" cy="460335"/>
+          </a:xfrm>
+          <a:prstGeom prst="ellipse">
+            <a:avLst/>
+          </a:prstGeom>
+          <a:solidFill>
+            <a:schemeClr val="bg1"/>
+          </a:solidFill>
+        </p:spPr>
+        <p:style>
+          <a:lnRef idx="2">
+            <a:schemeClr val="accent1">
+              <a:shade val="50000"/>
+            </a:schemeClr>
+          </a:lnRef>
+          <a:fillRef idx="1">
+            <a:schemeClr val="accent1"/>
+          </a:fillRef>
+          <a:effectRef idx="0">
+            <a:schemeClr val="accent1"/>
+          </a:effectRef>
+          <a:fontRef idx="minor">
+            <a:schemeClr val="lt1"/>
+          </a:fontRef>
+        </p:style>
+        <p:txBody>
+          <a:bodyPr rtlCol="0" anchor="ctr"/>
+          <a:lstStyle/>
+          <a:p>
+            <a:pPr algn="ctr"/>
+            <a:endParaRPr lang="pt-BR"/>
+          </a:p>
+        </p:txBody>
+      </p:sp>
+      <p:sp>
+        <p:nvSpPr>
+          <p:cNvPr id="90" name="Arco 89">
+            <a:extLst>
+              <a:ext uri="{FF2B5EF4-FFF2-40B4-BE49-F238E27FC236}">
+                <a16:creationId xmlns:a16="http://schemas.microsoft.com/office/drawing/2014/main" id="{69B5C481-59E8-470A-8DA6-A651501DB41E}"/>
+              </a:ext>
+            </a:extLst>
+          </p:cNvPr>
+          <p:cNvSpPr/>
+          <p:nvPr/>
+        </p:nvSpPr>
+        <p:spPr>
+          <a:xfrm>
+            <a:off x="6243263" y="4911842"/>
+            <a:ext cx="180000" cy="720000"/>
+          </a:xfrm>
+          <a:prstGeom prst="arc">
+            <a:avLst/>
+          </a:prstGeom>
+        </p:spPr>
+        <p:style>
+          <a:lnRef idx="1">
+            <a:schemeClr val="accent1"/>
+          </a:lnRef>
+          <a:fillRef idx="0">
+            <a:schemeClr val="accent1"/>
+          </a:fillRef>
+          <a:effectRef idx="0">
+            <a:schemeClr val="accent1"/>
+          </a:effectRef>
+          <a:fontRef idx="minor">
+            <a:schemeClr val="tx1"/>
+          </a:fontRef>
+        </p:style>
+        <p:txBody>
+          <a:bodyPr rtlCol="0" anchor="ctr"/>
+          <a:lstStyle/>
+          <a:p>
+            <a:pPr algn="ctr"/>
+            <a:endParaRPr lang="pt-BR"/>
+          </a:p>
+        </p:txBody>
+      </p:sp>
+      <p:cxnSp>
+        <p:nvCxnSpPr>
+          <p:cNvPr id="91" name="Conector reto 90">
+            <a:extLst>
+              <a:ext uri="{FF2B5EF4-FFF2-40B4-BE49-F238E27FC236}">
+                <a16:creationId xmlns:a16="http://schemas.microsoft.com/office/drawing/2014/main" id="{659389E9-47F0-4704-9197-B1CB5FD50F6C}"/>
+              </a:ext>
+            </a:extLst>
+          </p:cNvPr>
+          <p:cNvCxnSpPr>
+            <a:stCxn id="90" idx="2"/>
+            <a:endCxn id="89" idx="7"/>
+          </p:cNvCxnSpPr>
+          <p:nvPr/>
+        </p:nvCxnSpPr>
+        <p:spPr>
+          <a:xfrm flipV="1">
+            <a:off x="6423263" y="4923674"/>
+            <a:ext cx="226933" cy="348168"/>
+          </a:xfrm>
+          <a:prstGeom prst="line">
+            <a:avLst/>
+          </a:prstGeom>
+        </p:spPr>
+        <p:style>
+          <a:lnRef idx="1">
+            <a:schemeClr val="accent1"/>
+          </a:lnRef>
+          <a:fillRef idx="0">
+            <a:schemeClr val="accent1"/>
+          </a:fillRef>
+          <a:effectRef idx="0">
+            <a:schemeClr val="accent1"/>
+          </a:effectRef>
+          <a:fontRef idx="minor">
+            <a:schemeClr val="tx1"/>
+          </a:fontRef>
+        </p:style>
+      </p:cxnSp>
+    </p:spTree>
+    <p:extLst>
+      <p:ext uri="{BB962C8B-B14F-4D97-AF65-F5344CB8AC3E}">
+        <p14:creationId xmlns:p14="http://schemas.microsoft.com/office/powerpoint/2010/main" val="134066900"/>
+      </p:ext>
+    </p:extLst>
+  </p:cSld>
+  <p:clrMapOvr>
+    <a:masterClrMapping/>
+  </p:clrMapOvr>
+</p:sld>
+</file>
+
+<file path=ppt/slides/slide9.xml><?xml version="1.0" encoding="utf-8"?>
+<p:sld xmlns:a="http://schemas.openxmlformats.org/drawingml/2006/main" xmlns:r="http://schemas.openxmlformats.org/officeDocument/2006/relationships" xmlns:p="http://schemas.openxmlformats.org/presentationml/2006/main">
+  <p:cSld>
+    <p:bg>
+      <p:bgPr>
+        <a:solidFill>
+          <a:srgbClr val="195D21"/>
+        </a:solidFill>
+        <a:effectLst/>
+      </p:bgPr>
+    </p:bg>
+    <p:spTree>
+      <p:nvGrpSpPr>
+        <p:cNvPr id="1" name=""/>
+        <p:cNvGrpSpPr/>
+        <p:nvPr/>
+      </p:nvGrpSpPr>
+      <p:grpSpPr>
+        <a:xfrm>
+          <a:off x="0" y="0"/>
+          <a:ext cx="0" cy="0"/>
+          <a:chOff x="0" y="0"/>
+          <a:chExt cx="0" cy="0"/>
+        </a:xfrm>
+      </p:grpSpPr>
+      <p:sp>
+        <p:nvSpPr>
+          <p:cNvPr id="12" name="Título 11">
+            <a:extLst>
+              <a:ext uri="{FF2B5EF4-FFF2-40B4-BE49-F238E27FC236}">
+                <a16:creationId xmlns:a16="http://schemas.microsoft.com/office/drawing/2014/main" id="{49753FED-271A-443F-8E8A-30284A906701}"/>
+              </a:ext>
+            </a:extLst>
+          </p:cNvPr>
+          <p:cNvSpPr>
+            <a:spLocks noGrp="1"/>
+          </p:cNvSpPr>
+          <p:nvPr>
+            <p:ph type="title"/>
+          </p:nvPr>
+        </p:nvSpPr>
+        <p:spPr>
+          <a:xfrm>
+            <a:off x="838199" y="17460"/>
+            <a:ext cx="10515600" cy="1325563"/>
+          </a:xfrm>
+        </p:spPr>
+        <p:txBody>
+          <a:bodyPr/>
+          <a:lstStyle/>
+          <a:p>
+            <a:pPr algn="ctr"/>
+            <a:r>
+              <a:rPr lang="pt-BR" dirty="0"/>
+              <a:t>Trilha </a:t>
+            </a:r>
+            <a:r>
+              <a:rPr lang="pt-BR" dirty="0" err="1"/>
+              <a:t>Coins</a:t>
+            </a:r>
+            <a:endParaRPr lang="pt-BR" dirty="0"/>
+          </a:p>
+        </p:txBody>
+      </p:sp>
+      <p:sp>
+        <p:nvSpPr>
+          <p:cNvPr id="6" name="Fluxograma: Processo 5">
+            <a:extLst>
+              <a:ext uri="{FF2B5EF4-FFF2-40B4-BE49-F238E27FC236}">
+                <a16:creationId xmlns:a16="http://schemas.microsoft.com/office/drawing/2014/main" id="{4F49937B-8E20-4956-B17C-16056CAA9985}"/>
+              </a:ext>
+            </a:extLst>
+          </p:cNvPr>
+          <p:cNvSpPr/>
+          <p:nvPr/>
+        </p:nvSpPr>
+        <p:spPr>
+          <a:xfrm>
+            <a:off x="752475" y="1343023"/>
+            <a:ext cx="3248025" cy="2524125"/>
+          </a:xfrm>
+          <a:prstGeom prst="flowChartProcess">
+            <a:avLst/>
+          </a:prstGeom>
+          <a:solidFill>
+            <a:srgbClr val="FFDB1F"/>
+          </a:solidFill>
+        </p:spPr>
+        <p:style>
+          <a:lnRef idx="2">
+            <a:schemeClr val="accent1">
+              <a:shade val="50000"/>
+            </a:schemeClr>
+          </a:lnRef>
+          <a:fillRef idx="1">
+            <a:schemeClr val="accent1"/>
+          </a:fillRef>
+          <a:effectRef idx="0">
+            <a:schemeClr val="accent1"/>
+          </a:effectRef>
+          <a:fontRef idx="minor">
+            <a:schemeClr val="lt1"/>
+          </a:fontRef>
+        </p:style>
+        <p:txBody>
+          <a:bodyPr rtlCol="0" anchor="ctr"/>
+          <a:lstStyle/>
+          <a:p>
+            <a:pPr algn="ctr"/>
+            <a:endParaRPr lang="pt-BR"/>
+          </a:p>
+        </p:txBody>
+      </p:sp>
+      <p:sp>
+        <p:nvSpPr>
+          <p:cNvPr id="21" name="Fluxograma: Processo 20">
+            <a:extLst>
+              <a:ext uri="{FF2B5EF4-FFF2-40B4-BE49-F238E27FC236}">
+                <a16:creationId xmlns:a16="http://schemas.microsoft.com/office/drawing/2014/main" id="{FDBC5920-F48D-48AC-85F9-0E01B55E7CCE}"/>
+              </a:ext>
+            </a:extLst>
+          </p:cNvPr>
+          <p:cNvSpPr/>
+          <p:nvPr/>
+        </p:nvSpPr>
+        <p:spPr>
+          <a:xfrm>
+            <a:off x="8191500" y="4078286"/>
+            <a:ext cx="3248025" cy="2524125"/>
+          </a:xfrm>
+          <a:prstGeom prst="flowChartProcess">
+            <a:avLst/>
+          </a:prstGeom>
+          <a:solidFill>
+            <a:srgbClr val="FFDB1F"/>
+          </a:solidFill>
+        </p:spPr>
+        <p:style>
+          <a:lnRef idx="2">
+            <a:schemeClr val="accent1">
+              <a:shade val="50000"/>
+            </a:schemeClr>
+          </a:lnRef>
+          <a:fillRef idx="1">
+            <a:schemeClr val="accent1"/>
+          </a:fillRef>
+          <a:effectRef idx="0">
+            <a:schemeClr val="accent1"/>
+          </a:effectRef>
+          <a:fontRef idx="minor">
+            <a:schemeClr val="lt1"/>
+          </a:fontRef>
+        </p:style>
+        <p:txBody>
+          <a:bodyPr rtlCol="0" anchor="ctr"/>
+          <a:lstStyle/>
+          <a:p>
+            <a:pPr algn="ctr"/>
+            <a:endParaRPr lang="pt-BR"/>
+          </a:p>
+        </p:txBody>
+      </p:sp>
+      <p:sp>
+        <p:nvSpPr>
+          <p:cNvPr id="22" name="Fluxograma: Processo 21">
+            <a:extLst>
+              <a:ext uri="{FF2B5EF4-FFF2-40B4-BE49-F238E27FC236}">
+                <a16:creationId xmlns:a16="http://schemas.microsoft.com/office/drawing/2014/main" id="{4D1E7E4B-3670-45C1-95A2-F6B2C2F29DC1}"/>
+              </a:ext>
+            </a:extLst>
+          </p:cNvPr>
+          <p:cNvSpPr/>
+          <p:nvPr/>
+        </p:nvSpPr>
+        <p:spPr>
+          <a:xfrm>
+            <a:off x="4471987" y="4078287"/>
+            <a:ext cx="3248025" cy="2524125"/>
+          </a:xfrm>
+          <a:prstGeom prst="flowChartProcess">
+            <a:avLst/>
+          </a:prstGeom>
+          <a:solidFill>
+            <a:srgbClr val="FFDB1F"/>
+          </a:solidFill>
+        </p:spPr>
+        <p:style>
+          <a:lnRef idx="2">
+            <a:schemeClr val="accent1">
+              <a:shade val="50000"/>
+            </a:schemeClr>
+          </a:lnRef>
+          <a:fillRef idx="1">
+            <a:schemeClr val="accent1"/>
+          </a:fillRef>
+          <a:effectRef idx="0">
+            <a:schemeClr val="accent1"/>
+          </a:effectRef>
+          <a:fontRef idx="minor">
+            <a:schemeClr val="lt1"/>
+          </a:fontRef>
+        </p:style>
+        <p:txBody>
+          <a:bodyPr rtlCol="0" anchor="ctr"/>
+          <a:lstStyle/>
+          <a:p>
+            <a:pPr algn="ctr"/>
+            <a:endParaRPr lang="pt-BR"/>
+          </a:p>
+        </p:txBody>
+      </p:sp>
+      <p:sp>
+        <p:nvSpPr>
+          <p:cNvPr id="25" name="Fluxograma: Processo 24">
+            <a:extLst>
+              <a:ext uri="{FF2B5EF4-FFF2-40B4-BE49-F238E27FC236}">
+                <a16:creationId xmlns:a16="http://schemas.microsoft.com/office/drawing/2014/main" id="{92685670-923C-493D-BF76-48B22615F06A}"/>
+              </a:ext>
+            </a:extLst>
+          </p:cNvPr>
+          <p:cNvSpPr/>
+          <p:nvPr/>
+        </p:nvSpPr>
+        <p:spPr>
+          <a:xfrm>
+            <a:off x="752474" y="4119562"/>
+            <a:ext cx="3248025" cy="2524125"/>
+          </a:xfrm>
+          <a:prstGeom prst="flowChartProcess">
+            <a:avLst/>
+          </a:prstGeom>
+          <a:solidFill>
+            <a:srgbClr val="FFDB1F"/>
+          </a:solidFill>
+        </p:spPr>
+        <p:style>
+          <a:lnRef idx="2">
+            <a:schemeClr val="accent1">
+              <a:shade val="50000"/>
+            </a:schemeClr>
+          </a:lnRef>
+          <a:fillRef idx="1">
+            <a:schemeClr val="accent1"/>
+          </a:fillRef>
+          <a:effectRef idx="0">
+            <a:schemeClr val="accent1"/>
+          </a:effectRef>
+          <a:fontRef idx="minor">
+            <a:schemeClr val="lt1"/>
+          </a:fontRef>
+        </p:style>
+        <p:txBody>
+          <a:bodyPr rtlCol="0" anchor="ctr"/>
+          <a:lstStyle/>
+          <a:p>
+            <a:pPr algn="ctr"/>
+            <a:endParaRPr lang="pt-BR"/>
+          </a:p>
+        </p:txBody>
+      </p:sp>
+      <p:sp>
+        <p:nvSpPr>
+          <p:cNvPr id="26" name="Fluxograma: Processo 25">
+            <a:extLst>
+              <a:ext uri="{FF2B5EF4-FFF2-40B4-BE49-F238E27FC236}">
+                <a16:creationId xmlns:a16="http://schemas.microsoft.com/office/drawing/2014/main" id="{0F0FC659-9BCA-4EAD-AB60-C58E036C91E8}"/>
+              </a:ext>
+            </a:extLst>
+          </p:cNvPr>
+          <p:cNvSpPr/>
+          <p:nvPr/>
+        </p:nvSpPr>
+        <p:spPr>
+          <a:xfrm>
+            <a:off x="8191500" y="1343023"/>
+            <a:ext cx="3248025" cy="2524125"/>
+          </a:xfrm>
+          <a:prstGeom prst="flowChartProcess">
+            <a:avLst/>
+          </a:prstGeom>
+          <a:solidFill>
+            <a:srgbClr val="FFDB1F"/>
+          </a:solidFill>
+        </p:spPr>
+        <p:style>
+          <a:lnRef idx="2">
+            <a:schemeClr val="accent1">
+              <a:shade val="50000"/>
+            </a:schemeClr>
+          </a:lnRef>
+          <a:fillRef idx="1">
+            <a:schemeClr val="accent1"/>
+          </a:fillRef>
+          <a:effectRef idx="0">
+            <a:schemeClr val="accent1"/>
+          </a:effectRef>
+          <a:fontRef idx="minor">
+            <a:schemeClr val="lt1"/>
+          </a:fontRef>
+        </p:style>
+        <p:txBody>
+          <a:bodyPr rtlCol="0" anchor="ctr"/>
+          <a:lstStyle/>
+          <a:p>
+            <a:pPr algn="ctr"/>
+            <a:endParaRPr lang="pt-BR"/>
+          </a:p>
+        </p:txBody>
+      </p:sp>
+      <p:sp>
+        <p:nvSpPr>
+          <p:cNvPr id="27" name="Fluxograma: Processo 26">
+            <a:extLst>
+              <a:ext uri="{FF2B5EF4-FFF2-40B4-BE49-F238E27FC236}">
+                <a16:creationId xmlns:a16="http://schemas.microsoft.com/office/drawing/2014/main" id="{50E1CCB0-E7C3-4DC3-9743-93A85D371748}"/>
+              </a:ext>
+            </a:extLst>
+          </p:cNvPr>
+          <p:cNvSpPr/>
+          <p:nvPr/>
+        </p:nvSpPr>
+        <p:spPr>
+          <a:xfrm>
+            <a:off x="4471987" y="1343023"/>
+            <a:ext cx="3248025" cy="2524125"/>
+          </a:xfrm>
+          <a:prstGeom prst="flowChartProcess">
+            <a:avLst/>
+          </a:prstGeom>
+          <a:solidFill>
+            <a:srgbClr val="FFDB1F"/>
+          </a:solidFill>
+        </p:spPr>
+        <p:style>
+          <a:lnRef idx="2">
+            <a:schemeClr val="accent1">
+              <a:shade val="50000"/>
+            </a:schemeClr>
+          </a:lnRef>
+          <a:fillRef idx="1">
+            <a:schemeClr val="accent1"/>
+          </a:fillRef>
+          <a:effectRef idx="0">
+            <a:schemeClr val="accent1"/>
+          </a:effectRef>
+          <a:fontRef idx="minor">
+            <a:schemeClr val="lt1"/>
+          </a:fontRef>
+        </p:style>
+        <p:txBody>
+          <a:bodyPr rtlCol="0" anchor="ctr"/>
+          <a:lstStyle/>
+          <a:p>
+            <a:pPr algn="ctr"/>
+            <a:endParaRPr lang="pt-BR"/>
+          </a:p>
+        </p:txBody>
+      </p:sp>
+      <p:sp>
+        <p:nvSpPr>
+          <p:cNvPr id="7" name="CaixaDeTexto 6">
+            <a:extLst>
+              <a:ext uri="{FF2B5EF4-FFF2-40B4-BE49-F238E27FC236}">
+                <a16:creationId xmlns:a16="http://schemas.microsoft.com/office/drawing/2014/main" id="{275E8FB8-D17E-46DA-922F-7691EA06354B}"/>
+              </a:ext>
+            </a:extLst>
+          </p:cNvPr>
+          <p:cNvSpPr txBox="1"/>
+          <p:nvPr/>
+        </p:nvSpPr>
+        <p:spPr>
+          <a:xfrm>
+            <a:off x="838199" y="1343023"/>
+            <a:ext cx="3086101" cy="2585323"/>
+          </a:xfrm>
+          <a:prstGeom prst="rect">
+            <a:avLst/>
+          </a:prstGeom>
+          <a:noFill/>
+        </p:spPr>
+        <p:txBody>
+          <a:bodyPr wrap="square" rtlCol="0">
+            <a:spAutoFit/>
+          </a:bodyPr>
+          <a:lstStyle/>
+          <a:p>
+            <a:pPr algn="ctr"/>
+            <a:r>
+              <a:rPr lang="pt-BR" dirty="0"/>
+              <a:t>30 Trilha </a:t>
+            </a:r>
+            <a:r>
+              <a:rPr lang="pt-BR" dirty="0" err="1"/>
+              <a:t>Coins</a:t>
+            </a:r>
+            <a:endParaRPr lang="pt-BR" dirty="0"/>
+          </a:p>
+          <a:p>
+            <a:pPr algn="ctr"/>
+            <a:endParaRPr lang="pt-BR" dirty="0"/>
+          </a:p>
+          <a:p>
+            <a:pPr algn="ctr"/>
+            <a:endParaRPr lang="pt-BR" dirty="0"/>
+          </a:p>
+          <a:p>
+            <a:pPr algn="ctr"/>
+            <a:endParaRPr lang="pt-BR" dirty="0"/>
+          </a:p>
+          <a:p>
+            <a:pPr algn="ctr"/>
+            <a:r>
+              <a:rPr lang="pt-BR" dirty="0"/>
+              <a:t>Arte</a:t>
+            </a:r>
+          </a:p>
+          <a:p>
+            <a:pPr algn="ctr"/>
+            <a:endParaRPr lang="pt-BR" dirty="0"/>
+          </a:p>
+          <a:p>
+            <a:pPr algn="ctr"/>
+            <a:endParaRPr lang="pt-BR" dirty="0"/>
+          </a:p>
+          <a:p>
+            <a:pPr algn="ctr"/>
+            <a:endParaRPr lang="pt-BR" dirty="0"/>
+          </a:p>
+          <a:p>
+            <a:pPr algn="ctr"/>
+            <a:r>
+              <a:rPr lang="pt-BR" dirty="0"/>
+              <a:t>R$ 29,90</a:t>
+            </a:r>
+          </a:p>
+        </p:txBody>
+      </p:sp>
+      <p:sp>
+        <p:nvSpPr>
+          <p:cNvPr id="28" name="CaixaDeTexto 27">
+            <a:extLst>
+              <a:ext uri="{FF2B5EF4-FFF2-40B4-BE49-F238E27FC236}">
+                <a16:creationId xmlns:a16="http://schemas.microsoft.com/office/drawing/2014/main" id="{01CBED60-84D0-4F2F-91FD-0B5DBCB2352D}"/>
+              </a:ext>
+            </a:extLst>
+          </p:cNvPr>
+          <p:cNvSpPr txBox="1"/>
+          <p:nvPr/>
+        </p:nvSpPr>
+        <p:spPr>
+          <a:xfrm>
+            <a:off x="8353423" y="4063126"/>
+            <a:ext cx="3086101" cy="2585323"/>
+          </a:xfrm>
+          <a:prstGeom prst="rect">
+            <a:avLst/>
+          </a:prstGeom>
+          <a:noFill/>
+        </p:spPr>
+        <p:txBody>
+          <a:bodyPr wrap="square" rtlCol="0">
+            <a:spAutoFit/>
+          </a:bodyPr>
+          <a:lstStyle/>
+          <a:p>
+            <a:pPr algn="ctr"/>
+            <a:r>
+              <a:rPr lang="pt-BR" dirty="0"/>
+              <a:t>2000 Trilha </a:t>
+            </a:r>
+            <a:r>
+              <a:rPr lang="pt-BR" dirty="0" err="1"/>
+              <a:t>Coins</a:t>
+            </a:r>
+            <a:endParaRPr lang="pt-BR" dirty="0"/>
+          </a:p>
+          <a:p>
+            <a:pPr algn="ctr"/>
+            <a:endParaRPr lang="pt-BR" dirty="0"/>
+          </a:p>
+          <a:p>
+            <a:pPr algn="ctr"/>
+            <a:endParaRPr lang="pt-BR" dirty="0"/>
+          </a:p>
+          <a:p>
+            <a:pPr algn="ctr"/>
+            <a:endParaRPr lang="pt-BR" dirty="0"/>
+          </a:p>
+          <a:p>
+            <a:pPr algn="ctr"/>
+            <a:r>
+              <a:rPr lang="pt-BR" dirty="0"/>
+              <a:t>Arte</a:t>
+            </a:r>
+          </a:p>
+          <a:p>
+            <a:pPr algn="ctr"/>
+            <a:endParaRPr lang="pt-BR" dirty="0"/>
+          </a:p>
+          <a:p>
+            <a:pPr algn="ctr"/>
+            <a:endParaRPr lang="pt-BR" dirty="0"/>
+          </a:p>
+          <a:p>
+            <a:pPr algn="ctr"/>
+            <a:endParaRPr lang="pt-BR" dirty="0"/>
+          </a:p>
+          <a:p>
+            <a:pPr algn="ctr"/>
+            <a:r>
+              <a:rPr lang="pt-BR" dirty="0"/>
+              <a:t>R$ 999,90</a:t>
+            </a:r>
+          </a:p>
+        </p:txBody>
+      </p:sp>
+      <p:sp>
+        <p:nvSpPr>
+          <p:cNvPr id="29" name="CaixaDeTexto 28">
+            <a:extLst>
+              <a:ext uri="{FF2B5EF4-FFF2-40B4-BE49-F238E27FC236}">
+                <a16:creationId xmlns:a16="http://schemas.microsoft.com/office/drawing/2014/main" id="{9DE172AA-830D-49F6-8F64-569E0324560B}"/>
+              </a:ext>
+            </a:extLst>
+          </p:cNvPr>
+          <p:cNvSpPr txBox="1"/>
+          <p:nvPr/>
+        </p:nvSpPr>
+        <p:spPr>
+          <a:xfrm>
+            <a:off x="4552948" y="1343023"/>
+            <a:ext cx="3086101" cy="2585323"/>
+          </a:xfrm>
+          <a:prstGeom prst="rect">
+            <a:avLst/>
+          </a:prstGeom>
+          <a:noFill/>
+        </p:spPr>
+        <p:txBody>
+          <a:bodyPr wrap="square" rtlCol="0">
+            <a:spAutoFit/>
+          </a:bodyPr>
+          <a:lstStyle/>
+          <a:p>
+            <a:pPr algn="ctr"/>
+            <a:r>
+              <a:rPr lang="pt-BR" dirty="0"/>
+              <a:t>60 Trilha </a:t>
+            </a:r>
+            <a:r>
+              <a:rPr lang="pt-BR" dirty="0" err="1"/>
+              <a:t>Coins</a:t>
+            </a:r>
+            <a:endParaRPr lang="pt-BR" dirty="0"/>
+          </a:p>
+          <a:p>
+            <a:pPr algn="ctr"/>
+            <a:endParaRPr lang="pt-BR" dirty="0"/>
+          </a:p>
+          <a:p>
+            <a:pPr algn="ctr"/>
+            <a:endParaRPr lang="pt-BR" dirty="0"/>
+          </a:p>
+          <a:p>
+            <a:pPr algn="ctr"/>
+            <a:endParaRPr lang="pt-BR" dirty="0"/>
+          </a:p>
+          <a:p>
+            <a:pPr algn="ctr"/>
+            <a:r>
+              <a:rPr lang="pt-BR" dirty="0"/>
+              <a:t>Arte</a:t>
+            </a:r>
+          </a:p>
+          <a:p>
+            <a:pPr algn="ctr"/>
+            <a:endParaRPr lang="pt-BR" dirty="0"/>
+          </a:p>
+          <a:p>
+            <a:pPr algn="ctr"/>
+            <a:endParaRPr lang="pt-BR" dirty="0"/>
+          </a:p>
+          <a:p>
+            <a:pPr algn="ctr"/>
+            <a:endParaRPr lang="pt-BR" dirty="0"/>
+          </a:p>
+          <a:p>
+            <a:pPr algn="ctr"/>
+            <a:r>
+              <a:rPr lang="pt-BR" dirty="0"/>
+              <a:t>R$ 49,90</a:t>
+            </a:r>
+          </a:p>
+        </p:txBody>
+      </p:sp>
+      <p:sp>
+        <p:nvSpPr>
+          <p:cNvPr id="30" name="CaixaDeTexto 29">
+            <a:extLst>
+              <a:ext uri="{FF2B5EF4-FFF2-40B4-BE49-F238E27FC236}">
+                <a16:creationId xmlns:a16="http://schemas.microsoft.com/office/drawing/2014/main" id="{066A1981-6C81-463D-8473-857ED5241BD8}"/>
+              </a:ext>
+            </a:extLst>
+          </p:cNvPr>
+          <p:cNvSpPr txBox="1"/>
+          <p:nvPr/>
+        </p:nvSpPr>
+        <p:spPr>
+          <a:xfrm>
+            <a:off x="4598193" y="4047686"/>
+            <a:ext cx="3086101" cy="2585323"/>
+          </a:xfrm>
+          <a:prstGeom prst="rect">
+            <a:avLst/>
+          </a:prstGeom>
+          <a:noFill/>
+        </p:spPr>
+        <p:txBody>
+          <a:bodyPr wrap="square" rtlCol="0">
+            <a:spAutoFit/>
+          </a:bodyPr>
+          <a:lstStyle/>
+          <a:p>
+            <a:pPr algn="ctr"/>
+            <a:r>
+              <a:rPr lang="pt-BR" dirty="0"/>
+              <a:t>360 Trilha </a:t>
+            </a:r>
+            <a:r>
+              <a:rPr lang="pt-BR" dirty="0" err="1"/>
+              <a:t>Coins</a:t>
+            </a:r>
+            <a:endParaRPr lang="pt-BR" dirty="0"/>
+          </a:p>
+          <a:p>
+            <a:pPr algn="ctr"/>
+            <a:endParaRPr lang="pt-BR" dirty="0"/>
+          </a:p>
+          <a:p>
+            <a:pPr algn="ctr"/>
+            <a:endParaRPr lang="pt-BR" dirty="0"/>
+          </a:p>
+          <a:p>
+            <a:pPr algn="ctr"/>
+            <a:endParaRPr lang="pt-BR" dirty="0"/>
+          </a:p>
+          <a:p>
+            <a:pPr algn="ctr"/>
+            <a:r>
+              <a:rPr lang="pt-BR" dirty="0"/>
+              <a:t>Arte</a:t>
+            </a:r>
+          </a:p>
+          <a:p>
+            <a:pPr algn="ctr"/>
+            <a:endParaRPr lang="pt-BR" dirty="0"/>
+          </a:p>
+          <a:p>
+            <a:pPr algn="ctr"/>
+            <a:endParaRPr lang="pt-BR" dirty="0"/>
+          </a:p>
+          <a:p>
+            <a:pPr algn="ctr"/>
+            <a:endParaRPr lang="pt-BR" dirty="0"/>
+          </a:p>
+          <a:p>
+            <a:pPr algn="ctr"/>
+            <a:r>
+              <a:rPr lang="pt-BR" dirty="0"/>
+              <a:t>R$ 199,90</a:t>
+            </a:r>
+          </a:p>
+        </p:txBody>
+      </p:sp>
+      <p:sp>
+        <p:nvSpPr>
+          <p:cNvPr id="31" name="CaixaDeTexto 30">
+            <a:extLst>
+              <a:ext uri="{FF2B5EF4-FFF2-40B4-BE49-F238E27FC236}">
+                <a16:creationId xmlns:a16="http://schemas.microsoft.com/office/drawing/2014/main" id="{9026C722-4B7D-43D8-A167-BFEAE51667C5}"/>
+              </a:ext>
+            </a:extLst>
+          </p:cNvPr>
+          <p:cNvSpPr txBox="1"/>
+          <p:nvPr/>
+        </p:nvSpPr>
+        <p:spPr>
+          <a:xfrm>
+            <a:off x="823911" y="4088962"/>
+            <a:ext cx="3086101" cy="2585323"/>
+          </a:xfrm>
+          <a:prstGeom prst="rect">
+            <a:avLst/>
+          </a:prstGeom>
+          <a:noFill/>
+        </p:spPr>
+        <p:txBody>
+          <a:bodyPr wrap="square" rtlCol="0">
+            <a:spAutoFit/>
+          </a:bodyPr>
+          <a:lstStyle/>
+          <a:p>
+            <a:pPr algn="ctr"/>
+            <a:r>
+              <a:rPr lang="pt-BR" dirty="0"/>
+              <a:t>240 Trilha </a:t>
+            </a:r>
+            <a:r>
+              <a:rPr lang="pt-BR" dirty="0" err="1"/>
+              <a:t>Coins</a:t>
+            </a:r>
+            <a:endParaRPr lang="pt-BR" dirty="0"/>
+          </a:p>
+          <a:p>
+            <a:pPr algn="ctr"/>
+            <a:endParaRPr lang="pt-BR" dirty="0"/>
+          </a:p>
+          <a:p>
+            <a:pPr algn="ctr"/>
+            <a:endParaRPr lang="pt-BR" dirty="0"/>
+          </a:p>
+          <a:p>
+            <a:pPr algn="ctr"/>
+            <a:endParaRPr lang="pt-BR" dirty="0"/>
+          </a:p>
+          <a:p>
+            <a:pPr algn="ctr"/>
+            <a:r>
+              <a:rPr lang="pt-BR" dirty="0"/>
+              <a:t>Arte</a:t>
+            </a:r>
+          </a:p>
+          <a:p>
+            <a:pPr algn="ctr"/>
+            <a:endParaRPr lang="pt-BR" dirty="0"/>
+          </a:p>
+          <a:p>
+            <a:pPr algn="ctr"/>
+            <a:endParaRPr lang="pt-BR" dirty="0"/>
+          </a:p>
+          <a:p>
+            <a:pPr algn="ctr"/>
+            <a:endParaRPr lang="pt-BR" dirty="0"/>
+          </a:p>
+          <a:p>
+            <a:pPr algn="ctr"/>
+            <a:r>
+              <a:rPr lang="pt-BR" dirty="0"/>
+              <a:t>R$ 149,90</a:t>
+            </a:r>
+          </a:p>
+        </p:txBody>
+      </p:sp>
+      <p:sp>
+        <p:nvSpPr>
+          <p:cNvPr id="32" name="CaixaDeTexto 31">
+            <a:extLst>
+              <a:ext uri="{FF2B5EF4-FFF2-40B4-BE49-F238E27FC236}">
+                <a16:creationId xmlns:a16="http://schemas.microsoft.com/office/drawing/2014/main" id="{F36FD722-C1F9-41C0-B409-1391D3C3599B}"/>
+              </a:ext>
+            </a:extLst>
+          </p:cNvPr>
+          <p:cNvSpPr txBox="1"/>
+          <p:nvPr/>
+        </p:nvSpPr>
+        <p:spPr>
+          <a:xfrm>
+            <a:off x="8353424" y="1343023"/>
+            <a:ext cx="3086101" cy="2585323"/>
+          </a:xfrm>
+          <a:prstGeom prst="rect">
+            <a:avLst/>
+          </a:prstGeom>
+          <a:noFill/>
+        </p:spPr>
+        <p:txBody>
+          <a:bodyPr wrap="square" rtlCol="0">
+            <a:spAutoFit/>
+          </a:bodyPr>
+          <a:lstStyle/>
+          <a:p>
+            <a:pPr algn="ctr"/>
+            <a:r>
+              <a:rPr lang="pt-BR" dirty="0"/>
+              <a:t>150 Trilha </a:t>
+            </a:r>
+            <a:r>
+              <a:rPr lang="pt-BR" dirty="0" err="1"/>
+              <a:t>Coins</a:t>
+            </a:r>
+            <a:endParaRPr lang="pt-BR" dirty="0"/>
+          </a:p>
+          <a:p>
+            <a:pPr algn="ctr"/>
+            <a:endParaRPr lang="pt-BR" dirty="0"/>
+          </a:p>
+          <a:p>
+            <a:pPr algn="ctr"/>
+            <a:endParaRPr lang="pt-BR" dirty="0"/>
+          </a:p>
+          <a:p>
+            <a:pPr algn="ctr"/>
+            <a:endParaRPr lang="pt-BR" dirty="0"/>
+          </a:p>
+          <a:p>
+            <a:pPr algn="ctr"/>
+            <a:r>
+              <a:rPr lang="pt-BR" dirty="0"/>
+              <a:t>Arte</a:t>
+            </a:r>
+          </a:p>
+          <a:p>
+            <a:pPr algn="ctr"/>
+            <a:endParaRPr lang="pt-BR" dirty="0"/>
+          </a:p>
+          <a:p>
+            <a:pPr algn="ctr"/>
+            <a:endParaRPr lang="pt-BR" dirty="0"/>
+          </a:p>
+          <a:p>
+            <a:pPr algn="ctr"/>
+            <a:endParaRPr lang="pt-BR" dirty="0"/>
+          </a:p>
+          <a:p>
+            <a:pPr algn="ctr"/>
+            <a:r>
+              <a:rPr lang="pt-BR" dirty="0"/>
+              <a:t>R$ 99,90</a:t>
+            </a:r>
+          </a:p>
+        </p:txBody>
+      </p:sp>
+    </p:spTree>
+    <p:extLst>
+      <p:ext uri="{BB962C8B-B14F-4D97-AF65-F5344CB8AC3E}">
+        <p14:creationId xmlns:p14="http://schemas.microsoft.com/office/powerpoint/2010/main" val="625401059"/>
       </p:ext>
     </p:extLst>
   </p:cSld>
